--- a/课程PPT/16.JS中的this.pptx
+++ b/课程PPT/16.JS中的this.pptx
@@ -5,28 +5,28 @@
     <p:sldMasterId id="2147483648" r:id="rId1"/>
   </p:sldMasterIdLst>
   <p:notesMasterIdLst>
-    <p:notesMasterId r:id="rId21"/>
+    <p:notesMasterId r:id="rId6"/>
   </p:notesMasterIdLst>
   <p:sldIdLst>
-    <p:sldId id="1239" r:id="rId2"/>
-    <p:sldId id="1199" r:id="rId3"/>
-    <p:sldId id="1136" r:id="rId4"/>
-    <p:sldId id="1200" r:id="rId5"/>
-    <p:sldId id="1224" r:id="rId6"/>
-    <p:sldId id="1181" r:id="rId7"/>
-    <p:sldId id="1006" r:id="rId8"/>
-    <p:sldId id="1177" r:id="rId9"/>
-    <p:sldId id="1178" r:id="rId10"/>
-    <p:sldId id="1179" r:id="rId11"/>
-    <p:sldId id="1202" r:id="rId12"/>
-    <p:sldId id="1220" r:id="rId13"/>
-    <p:sldId id="1221" r:id="rId14"/>
-    <p:sldId id="1222" r:id="rId15"/>
-    <p:sldId id="1216" r:id="rId16"/>
-    <p:sldId id="1203" r:id="rId17"/>
-    <p:sldId id="1104" r:id="rId18"/>
-    <p:sldId id="1191" r:id="rId19"/>
-    <p:sldId id="1196" r:id="rId20"/>
+    <p:sldId id="1239" r:id="rId3"/>
+    <p:sldId id="1199" r:id="rId4"/>
+    <p:sldId id="1136" r:id="rId5"/>
+    <p:sldId id="1200" r:id="rId7"/>
+    <p:sldId id="1224" r:id="rId8"/>
+    <p:sldId id="1181" r:id="rId9"/>
+    <p:sldId id="1006" r:id="rId10"/>
+    <p:sldId id="1177" r:id="rId11"/>
+    <p:sldId id="1178" r:id="rId12"/>
+    <p:sldId id="1179" r:id="rId13"/>
+    <p:sldId id="1202" r:id="rId14"/>
+    <p:sldId id="1220" r:id="rId15"/>
+    <p:sldId id="1221" r:id="rId16"/>
+    <p:sldId id="1258" r:id="rId17"/>
+    <p:sldId id="1265" r:id="rId18"/>
+    <p:sldId id="1222" r:id="rId19"/>
+    <p:sldId id="1216" r:id="rId20"/>
+    <p:sldId id="1203" r:id="rId21"/>
+    <p:sldId id="1104" r:id="rId22"/>
   </p:sldIdLst>
   <p:sldSz cx="12192000" cy="6858000"/>
   <p:notesSz cx="6797675" cy="9928225"/>
@@ -345,6 +345,7 @@
               <a:rPr lang="zh-CN" altLang="zh-CN" noProof="0" smtClean="0"/>
               <a:t>                                                   </a:t>
             </a:r>
+            <a:endParaRPr lang="zh-CN" altLang="zh-CN" noProof="0" smtClean="0"/>
           </a:p>
           <a:p>
             <a:pPr lvl="1"/>
@@ -352,6 +353,7 @@
               <a:rPr lang="zh-CN" altLang="zh-CN" noProof="0" smtClean="0"/>
               <a:t>               </a:t>
             </a:r>
+            <a:endParaRPr lang="zh-CN" altLang="zh-CN" noProof="0" smtClean="0"/>
           </a:p>
           <a:p>
             <a:pPr lvl="2"/>
@@ -359,6 +361,7 @@
               <a:rPr lang="zh-CN" altLang="zh-CN" noProof="0" smtClean="0"/>
               <a:t>                </a:t>
             </a:r>
+            <a:endParaRPr lang="zh-CN" altLang="zh-CN" noProof="0" smtClean="0"/>
           </a:p>
           <a:p>
             <a:pPr lvl="3"/>
@@ -366,6 +369,7 @@
               <a:rPr lang="zh-CN" altLang="zh-CN" noProof="0" smtClean="0"/>
               <a:t>                </a:t>
             </a:r>
+            <a:endParaRPr lang="zh-CN" altLang="zh-CN" noProof="0" smtClean="0"/>
           </a:p>
           <a:p>
             <a:pPr lvl="4"/>
@@ -373,6 +377,7 @@
               <a:rPr lang="zh-CN" altLang="zh-CN" noProof="0" smtClean="0"/>
               <a:t>                </a:t>
             </a:r>
+            <a:endParaRPr lang="zh-CN" altLang="zh-CN" noProof="0" smtClean="0"/>
           </a:p>
         </p:txBody>
       </p:sp>
@@ -455,18 +460,12 @@
           <a:p>
             <a:fld id="{D9AFD278-84AA-4CAA-9049-809825956FE0}" type="slidenum">
               <a:rPr lang="en-US" altLang="zh-CN"/>
-              <a:t>‹#›</a:t>
             </a:fld>
             <a:endParaRPr lang="zh-CN" altLang="zh-CN"/>
           </a:p>
         </p:txBody>
       </p:sp>
     </p:spTree>
-    <p:extLst>
-      <p:ext uri="{BB962C8B-B14F-4D97-AF65-F5344CB8AC3E}">
-        <p14:creationId xmlns:p14="http://schemas.microsoft.com/office/powerpoint/2010/main" val="1552409694"/>
-      </p:ext>
-    </p:extLst>
   </p:cSld>
   <p:clrMap bg1="lt1" tx1="dk1" bg2="lt2" tx2="dk2" accent1="accent1" accent2="accent2" accent3="accent3" accent4="accent4" accent5="accent5" accent6="accent6" hlink="hlink" folHlink="folHlink"/>
   <p:notesStyle>
@@ -642,12 +641,14 @@
               <a:rPr lang="zh-CN" altLang="en-US" dirty="0"/>
               <a:t>在 Java 等面向对象的语言中，this 关键字的含义是明确且具体的，即指代当前对象。一般在编译期确定下来，或称为编译期绑定。而在 JavaScript 中，this 是动态绑定，或称为运行期绑定的，这就导致 JavaScript 中的 this 关键字有能力具备多重含义，带来灵活性的同时，也为初学者带来不少困惑。</a:t>
             </a:r>
+            <a:endParaRPr lang="zh-CN" altLang="en-US" dirty="0"/>
           </a:p>
           <a:p>
             <a:r>
               <a:rPr lang="zh-CN" altLang="en-US" dirty="0"/>
               <a:t>由于其运行期绑定的特性，JavaScript 中的 this 含义要丰富得多，它可以是全局对象、当前对象或者任意对象，这完全取决于函数的调用方式。JavaScript 中函数的调用有以下几种方式：作为对象方法调用，作为函数调用，作为构造函数调用，和使用 apply 或 call 调用。</a:t>
             </a:r>
+            <a:endParaRPr lang="zh-CN" altLang="en-US" dirty="0"/>
           </a:p>
         </p:txBody>
       </p:sp>
@@ -668,7 +669,6 @@
           <a:p>
             <a:fld id="{D9AFD278-84AA-4CAA-9049-809825956FE0}" type="slidenum">
               <a:rPr lang="en-US" altLang="zh-CN" smtClean="0"/>
-              <a:t>3</a:t>
             </a:fld>
             <a:endParaRPr lang="zh-CN" altLang="zh-CN"/>
           </a:p>
@@ -730,12 +730,14 @@
               <a:rPr lang="zh-CN" altLang="en-US" dirty="0"/>
               <a:t>在 Java 等面向对象的语言中，this 关键字的含义是明确且具体的，即指代当前对象。一般在编译期确定下来，或称为编译期绑定。而在 JavaScript 中，this 是动态绑定，或称为运行期绑定的，这就导致 JavaScript 中的 this 关键字有能力具备多重含义，带来灵活性的同时，也为初学者带来不少困惑。</a:t>
             </a:r>
+            <a:endParaRPr lang="zh-CN" altLang="en-US" dirty="0"/>
           </a:p>
           <a:p>
             <a:r>
               <a:rPr lang="zh-CN" altLang="en-US" dirty="0"/>
               <a:t>由于其运行期绑定的特性，JavaScript 中的 this 含义要丰富得多，它可以是全局对象、当前对象或者任意对象，这完全取决于函数的调用方式。JavaScript 中函数的调用有以下几种方式：作为对象方法调用，作为函数调用，作为构造函数调用，和使用 apply 或 call 调用。</a:t>
             </a:r>
+            <a:endParaRPr lang="zh-CN" altLang="en-US" dirty="0"/>
           </a:p>
         </p:txBody>
       </p:sp>
@@ -756,7 +758,6 @@
           <a:p>
             <a:fld id="{D9AFD278-84AA-4CAA-9049-809825956FE0}" type="slidenum">
               <a:rPr lang="en-US" altLang="zh-CN" smtClean="0"/>
-              <a:t>5</a:t>
             </a:fld>
             <a:endParaRPr lang="zh-CN" altLang="zh-CN"/>
           </a:p>
@@ -846,6 +847,7 @@
               <a:rPr lang="en-US" altLang="zh-CN"/>
               <a:t>global</a:t>
             </a:r>
+            <a:endParaRPr lang="en-US" altLang="zh-CN"/>
           </a:p>
         </p:txBody>
       </p:sp>
@@ -933,6 +935,7 @@
               <a:rPr lang="en-US" altLang="zh-CN"/>
               <a:t>global</a:t>
             </a:r>
+            <a:endParaRPr lang="en-US" altLang="zh-CN"/>
           </a:p>
         </p:txBody>
       </p:sp>
@@ -1014,6 +1017,7 @@
               <a:rPr lang="zh-CN" altLang="en-US" dirty="0" smtClean="0"/>
               <a:t>单击此处编辑母版文本样式</a:t>
             </a:r>
+            <a:endParaRPr lang="zh-CN" altLang="en-US" dirty="0" smtClean="0"/>
           </a:p>
           <a:p>
             <a:pPr lvl="1"/>
@@ -1021,6 +1025,7 @@
               <a:rPr lang="zh-CN" altLang="en-US" dirty="0" smtClean="0"/>
               <a:t>第二级</a:t>
             </a:r>
+            <a:endParaRPr lang="zh-CN" altLang="en-US" dirty="0" smtClean="0"/>
           </a:p>
           <a:p>
             <a:pPr lvl="2"/>
@@ -1028,6 +1033,7 @@
               <a:rPr lang="zh-CN" altLang="en-US" dirty="0" smtClean="0"/>
               <a:t>第三级</a:t>
             </a:r>
+            <a:endParaRPr lang="zh-CN" altLang="en-US" dirty="0" smtClean="0"/>
           </a:p>
           <a:p>
             <a:pPr lvl="3"/>
@@ -1035,6 +1041,7 @@
               <a:rPr lang="zh-CN" altLang="en-US" dirty="0" smtClean="0"/>
               <a:t>第四级</a:t>
             </a:r>
+            <a:endParaRPr lang="zh-CN" altLang="en-US" dirty="0" smtClean="0"/>
           </a:p>
         </p:txBody>
       </p:sp>
@@ -1096,6 +1103,7 @@
               <a:rPr lang="zh-CN" altLang="en-US" dirty="0" smtClean="0"/>
               <a:t>单击此处编辑母版文本样式</a:t>
             </a:r>
+            <a:endParaRPr lang="zh-CN" altLang="en-US" dirty="0" smtClean="0"/>
           </a:p>
         </p:txBody>
       </p:sp>
@@ -1152,7 +1160,6 @@
           <a:p>
             <a:fld id="{2030C94F-1E7C-47E3-9C60-176A530B03BF}" type="slidenum">
               <a:rPr lang="en-US" altLang="zh-CN"/>
-              <a:t>‹#›</a:t>
             </a:fld>
             <a:endParaRPr lang="zh-CN" altLang="zh-CN" sz="3200" b="0"/>
           </a:p>
@@ -1243,6 +1250,7 @@
               <a:rPr lang="zh-CN" altLang="en-US" dirty="0" smtClean="0"/>
               <a:t>单击此处编辑母版文本样式</a:t>
             </a:r>
+            <a:endParaRPr lang="zh-CN" altLang="en-US" dirty="0" smtClean="0"/>
           </a:p>
           <a:p>
             <a:pPr lvl="1"/>
@@ -1250,6 +1258,7 @@
               <a:rPr lang="zh-CN" altLang="en-US" dirty="0" smtClean="0"/>
               <a:t>第二级</a:t>
             </a:r>
+            <a:endParaRPr lang="zh-CN" altLang="en-US" dirty="0" smtClean="0"/>
           </a:p>
           <a:p>
             <a:pPr lvl="2"/>
@@ -1257,6 +1266,7 @@
               <a:rPr lang="zh-CN" altLang="en-US" dirty="0" smtClean="0"/>
               <a:t>第三级</a:t>
             </a:r>
+            <a:endParaRPr lang="zh-CN" altLang="en-US" dirty="0" smtClean="0"/>
           </a:p>
           <a:p>
             <a:pPr lvl="3"/>
@@ -1264,6 +1274,7 @@
               <a:rPr lang="zh-CN" altLang="en-US" dirty="0" smtClean="0"/>
               <a:t>第四级</a:t>
             </a:r>
+            <a:endParaRPr lang="zh-CN" altLang="en-US" dirty="0" smtClean="0"/>
           </a:p>
         </p:txBody>
       </p:sp>
@@ -1321,6 +1332,7 @@
               <a:rPr lang="zh-CN" altLang="en-US" dirty="0" smtClean="0"/>
               <a:t>单击此处编辑母版文本样式</a:t>
             </a:r>
+            <a:endParaRPr lang="zh-CN" altLang="en-US" dirty="0" smtClean="0"/>
           </a:p>
         </p:txBody>
       </p:sp>
@@ -1402,6 +1414,7 @@
               <a:rPr lang="zh-CN" altLang="en-US" dirty="0" smtClean="0"/>
               <a:t>单击此处编辑母版文本样式</a:t>
             </a:r>
+            <a:endParaRPr lang="zh-CN" altLang="en-US" dirty="0" smtClean="0"/>
           </a:p>
           <a:p>
             <a:pPr lvl="1"/>
@@ -1409,6 +1422,7 @@
               <a:rPr lang="zh-CN" altLang="en-US" dirty="0" smtClean="0"/>
               <a:t>第二级</a:t>
             </a:r>
+            <a:endParaRPr lang="zh-CN" altLang="en-US" dirty="0" smtClean="0"/>
           </a:p>
           <a:p>
             <a:pPr lvl="2"/>
@@ -1416,6 +1430,7 @@
               <a:rPr lang="zh-CN" altLang="en-US" dirty="0" smtClean="0"/>
               <a:t>第三级</a:t>
             </a:r>
+            <a:endParaRPr lang="zh-CN" altLang="en-US" dirty="0" smtClean="0"/>
           </a:p>
           <a:p>
             <a:pPr lvl="3"/>
@@ -1423,6 +1438,7 @@
               <a:rPr lang="zh-CN" altLang="en-US" dirty="0" smtClean="0"/>
               <a:t>第四级</a:t>
             </a:r>
+            <a:endParaRPr lang="zh-CN" altLang="en-US" dirty="0" smtClean="0"/>
           </a:p>
         </p:txBody>
       </p:sp>
@@ -1480,6 +1496,7 @@
               <a:rPr lang="zh-CN" altLang="en-US" dirty="0" smtClean="0"/>
               <a:t>单击此处编辑母版文本样式</a:t>
             </a:r>
+            <a:endParaRPr lang="zh-CN" altLang="en-US" dirty="0" smtClean="0"/>
           </a:p>
         </p:txBody>
       </p:sp>
@@ -1561,6 +1578,7 @@
               <a:rPr lang="zh-CN" altLang="en-US" dirty="0" smtClean="0"/>
               <a:t>单击此处编辑母版文本样式</a:t>
             </a:r>
+            <a:endParaRPr lang="zh-CN" altLang="en-US" dirty="0" smtClean="0"/>
           </a:p>
           <a:p>
             <a:pPr lvl="1"/>
@@ -1568,6 +1586,7 @@
               <a:rPr lang="zh-CN" altLang="en-US" dirty="0" smtClean="0"/>
               <a:t>第二级</a:t>
             </a:r>
+            <a:endParaRPr lang="zh-CN" altLang="en-US" dirty="0" smtClean="0"/>
           </a:p>
           <a:p>
             <a:pPr lvl="2"/>
@@ -1575,6 +1594,7 @@
               <a:rPr lang="zh-CN" altLang="en-US" dirty="0" smtClean="0"/>
               <a:t>第三级</a:t>
             </a:r>
+            <a:endParaRPr lang="zh-CN" altLang="en-US" dirty="0" smtClean="0"/>
           </a:p>
           <a:p>
             <a:pPr lvl="3"/>
@@ -1582,6 +1602,7 @@
               <a:rPr lang="zh-CN" altLang="en-US" dirty="0" smtClean="0"/>
               <a:t>第四级</a:t>
             </a:r>
+            <a:endParaRPr lang="zh-CN" altLang="en-US" dirty="0" smtClean="0"/>
           </a:p>
         </p:txBody>
       </p:sp>
@@ -1639,6 +1660,7 @@
               <a:rPr lang="zh-CN" altLang="en-US" dirty="0" smtClean="0"/>
               <a:t>单击此处编辑母版文本样式</a:t>
             </a:r>
+            <a:endParaRPr lang="zh-CN" altLang="en-US" dirty="0" smtClean="0"/>
           </a:p>
         </p:txBody>
       </p:sp>
@@ -1720,6 +1742,7 @@
               <a:rPr lang="zh-CN" altLang="en-US" dirty="0" smtClean="0"/>
               <a:t>单击此处编辑母版文本样式</a:t>
             </a:r>
+            <a:endParaRPr lang="zh-CN" altLang="en-US" dirty="0" smtClean="0"/>
           </a:p>
           <a:p>
             <a:pPr lvl="1"/>
@@ -1727,6 +1750,7 @@
               <a:rPr lang="zh-CN" altLang="en-US" dirty="0" smtClean="0"/>
               <a:t>第二级</a:t>
             </a:r>
+            <a:endParaRPr lang="zh-CN" altLang="en-US" dirty="0" smtClean="0"/>
           </a:p>
           <a:p>
             <a:pPr lvl="2"/>
@@ -1734,6 +1758,7 @@
               <a:rPr lang="zh-CN" altLang="en-US" dirty="0" smtClean="0"/>
               <a:t>第三级</a:t>
             </a:r>
+            <a:endParaRPr lang="zh-CN" altLang="en-US" dirty="0" smtClean="0"/>
           </a:p>
           <a:p>
             <a:pPr lvl="3"/>
@@ -1741,6 +1766,7 @@
               <a:rPr lang="zh-CN" altLang="en-US" dirty="0" smtClean="0"/>
               <a:t>第四级</a:t>
             </a:r>
+            <a:endParaRPr lang="zh-CN" altLang="en-US" dirty="0" smtClean="0"/>
           </a:p>
         </p:txBody>
       </p:sp>
@@ -1798,6 +1824,7 @@
               <a:rPr lang="zh-CN" altLang="en-US" dirty="0" smtClean="0"/>
               <a:t>单击此处编辑母版文本样式</a:t>
             </a:r>
+            <a:endParaRPr lang="zh-CN" altLang="en-US" dirty="0" smtClean="0"/>
           </a:p>
         </p:txBody>
       </p:sp>
@@ -1879,6 +1906,7 @@
               <a:rPr lang="zh-CN" altLang="en-US" dirty="0" smtClean="0"/>
               <a:t>单击此处编辑母版文本样式</a:t>
             </a:r>
+            <a:endParaRPr lang="zh-CN" altLang="en-US" dirty="0" smtClean="0"/>
           </a:p>
           <a:p>
             <a:pPr lvl="1"/>
@@ -1886,6 +1914,7 @@
               <a:rPr lang="zh-CN" altLang="en-US" dirty="0" smtClean="0"/>
               <a:t>第二级</a:t>
             </a:r>
+            <a:endParaRPr lang="zh-CN" altLang="en-US" dirty="0" smtClean="0"/>
           </a:p>
           <a:p>
             <a:pPr lvl="2"/>
@@ -1893,6 +1922,7 @@
               <a:rPr lang="zh-CN" altLang="en-US" dirty="0" smtClean="0"/>
               <a:t>第三级</a:t>
             </a:r>
+            <a:endParaRPr lang="zh-CN" altLang="en-US" dirty="0" smtClean="0"/>
           </a:p>
           <a:p>
             <a:pPr lvl="3"/>
@@ -1900,6 +1930,7 @@
               <a:rPr lang="zh-CN" altLang="en-US" dirty="0" smtClean="0"/>
               <a:t>第四级</a:t>
             </a:r>
+            <a:endParaRPr lang="zh-CN" altLang="en-US" dirty="0" smtClean="0"/>
           </a:p>
         </p:txBody>
       </p:sp>
@@ -1957,6 +1988,7 @@
               <a:rPr lang="zh-CN" altLang="en-US" dirty="0" smtClean="0"/>
               <a:t>单击此处编辑母版文本样式</a:t>
             </a:r>
+            <a:endParaRPr lang="zh-CN" altLang="en-US" dirty="0" smtClean="0"/>
           </a:p>
         </p:txBody>
       </p:sp>
@@ -2038,6 +2070,7 @@
               <a:rPr lang="zh-CN" altLang="en-US" dirty="0" smtClean="0"/>
               <a:t>单击此处编辑母版文本样式</a:t>
             </a:r>
+            <a:endParaRPr lang="zh-CN" altLang="en-US" dirty="0" smtClean="0"/>
           </a:p>
           <a:p>
             <a:pPr lvl="1"/>
@@ -2045,6 +2078,7 @@
               <a:rPr lang="zh-CN" altLang="en-US" dirty="0" smtClean="0"/>
               <a:t>第二级</a:t>
             </a:r>
+            <a:endParaRPr lang="zh-CN" altLang="en-US" dirty="0" smtClean="0"/>
           </a:p>
           <a:p>
             <a:pPr lvl="2"/>
@@ -2052,6 +2086,7 @@
               <a:rPr lang="zh-CN" altLang="en-US" dirty="0" smtClean="0"/>
               <a:t>第三级</a:t>
             </a:r>
+            <a:endParaRPr lang="zh-CN" altLang="en-US" dirty="0" smtClean="0"/>
           </a:p>
           <a:p>
             <a:pPr lvl="3"/>
@@ -2059,6 +2094,7 @@
               <a:rPr lang="zh-CN" altLang="en-US" dirty="0" smtClean="0"/>
               <a:t>第四级</a:t>
             </a:r>
+            <a:endParaRPr lang="zh-CN" altLang="en-US" dirty="0" smtClean="0"/>
           </a:p>
         </p:txBody>
       </p:sp>
@@ -2116,6 +2152,7 @@
               <a:rPr lang="zh-CN" altLang="en-US" dirty="0" smtClean="0"/>
               <a:t>单击此处编辑母版文本样式</a:t>
             </a:r>
+            <a:endParaRPr lang="zh-CN" altLang="en-US" dirty="0" smtClean="0"/>
           </a:p>
         </p:txBody>
       </p:sp>
@@ -2133,7 +2170,7 @@
     <p:bg bwMode="auto">
       <p:bgPr>
         <a:blipFill dpi="0" rotWithShape="0">
-          <a:blip r:embed="rId10"/>
+          <a:blip r:embed="rId9"/>
           <a:srcRect/>
           <a:stretch>
             <a:fillRect/>
@@ -2192,7 +2229,6 @@
           <a:p>
             <a:fld id="{43A45880-9E2A-43E4-955C-AEB11E14255E}" type="slidenum">
               <a:rPr lang="en-US" altLang="zh-CN"/>
-              <a:t>‹#›</a:t>
             </a:fld>
             <a:endParaRPr lang="zh-CN" altLang="zh-CN"/>
           </a:p>
@@ -2207,7 +2243,7 @@
           <p:nvPr/>
         </p:nvPicPr>
         <p:blipFill>
-          <a:blip r:embed="rId11">
+          <a:blip r:embed="rId10">
             <a:extLst>
               <a:ext uri="{28A0092B-C50C-407E-A947-70E740481C1C}">
                 <a14:useLocalDpi xmlns:a14="http://schemas.microsoft.com/office/drawing/2010/main" val="0"/>
@@ -2261,7 +2297,7 @@
           <p:nvPr/>
         </p:nvPicPr>
         <p:blipFill>
-          <a:blip r:embed="rId12">
+          <a:blip r:embed="rId11">
             <a:extLst>
               <a:ext uri="{28A0092B-C50C-407E-A947-70E740481C1C}">
                 <a14:useLocalDpi xmlns:a14="http://schemas.microsoft.com/office/drawing/2010/main" val="0"/>
@@ -2773,7 +2809,7 @@
           <p:nvPr/>
         </p:nvPicPr>
         <p:blipFill>
-          <a:blip r:embed="rId2">
+          <a:blip r:embed="rId1">
             <a:extLst>
               <a:ext uri="{28A0092B-C50C-407E-A947-70E740481C1C}">
                 <a14:useLocalDpi xmlns:a14="http://schemas.microsoft.com/office/drawing/2010/main" val="0"/>
@@ -3074,7 +3110,7 @@
           <p:nvPr/>
         </p:nvPicPr>
         <p:blipFill>
-          <a:blip r:embed="rId3">
+          <a:blip r:embed="rId2">
             <a:extLst>
               <a:ext uri="{28A0092B-C50C-407E-A947-70E740481C1C}">
                 <a14:useLocalDpi xmlns:a14="http://schemas.microsoft.com/office/drawing/2010/main" val="0"/>
@@ -3428,17 +3464,6 @@
               </a:rPr>
               <a:t>动态的指定由谁来调用此函数</a:t>
             </a:r>
-            <a:r>
-              <a:rPr kumimoji="0" lang="en-US" altLang="zh-CN" dirty="0" smtClean="0">
-                <a:solidFill>
-                  <a:schemeClr val="tx1"/>
-                </a:solidFill>
-                <a:latin typeface="微软雅黑" panose="020B0503020204020204" pitchFamily="34" charset="-122"/>
-                <a:ea typeface="微软雅黑" panose="020B0503020204020204" pitchFamily="34" charset="-122"/>
-                <a:sym typeface="+mn-ea"/>
-              </a:rPr>
-              <a:t/>
-            </a:r>
             <a:br>
               <a:rPr kumimoji="0" lang="en-US" altLang="zh-CN" dirty="0" smtClean="0">
                 <a:solidFill>
@@ -3557,7 +3582,7 @@
           <p:nvPr/>
         </p:nvPicPr>
         <p:blipFill>
-          <a:blip r:embed="rId2"/>
+          <a:blip r:embed="rId1"/>
           <a:stretch>
             <a:fillRect/>
           </a:stretch>
@@ -3634,6 +3659,88 @@
                 <a:ea typeface="+mn-ea"/>
               </a:rPr>
               <a:t>this</a:t>
+            </a:r>
+            <a:endParaRPr lang="zh-CN" altLang="en-US" sz="2200">
+              <a:solidFill>
+                <a:srgbClr val="FF0000"/>
+              </a:solidFill>
+              <a:latin typeface="+mn-ea"/>
+              <a:ea typeface="+mn-ea"/>
+            </a:endParaRPr>
+          </a:p>
+        </p:txBody>
+      </p:sp>
+      <p:sp>
+        <p:nvSpPr>
+          <p:cNvPr id="5" name="文本框 4"/>
+          <p:cNvSpPr txBox="1"/>
+          <p:nvPr/>
+        </p:nvSpPr>
+        <p:spPr>
+          <a:xfrm>
+            <a:off x="7773035" y="3119755"/>
+            <a:ext cx="3313430" cy="768350"/>
+          </a:xfrm>
+          <a:prstGeom prst="rect">
+            <a:avLst/>
+          </a:prstGeom>
+          <a:noFill/>
+        </p:spPr>
+        <p:txBody>
+          <a:bodyPr wrap="square" rtlCol="0">
+            <a:spAutoFit/>
+          </a:bodyPr>
+          <a:p>
+            <a:pPr algn="l"/>
+            <a:r>
+              <a:rPr lang="zh-CN" altLang="en-US" sz="2200">
+                <a:solidFill>
+                  <a:srgbClr val="FF0000"/>
+                </a:solidFill>
+                <a:latin typeface="+mn-ea"/>
+                <a:ea typeface="+mn-ea"/>
+              </a:rPr>
+              <a:t>思考：</a:t>
+            </a:r>
+            <a:r>
+              <a:rPr lang="en-US" altLang="zh-CN" sz="2200">
+                <a:solidFill>
+                  <a:srgbClr val="FF0000"/>
+                </a:solidFill>
+                <a:latin typeface="+mn-ea"/>
+                <a:ea typeface="+mn-ea"/>
+              </a:rPr>
+              <a:t>call</a:t>
+            </a:r>
+            <a:r>
+              <a:rPr lang="zh-CN" altLang="en-US" sz="2200">
+                <a:solidFill>
+                  <a:srgbClr val="FF0000"/>
+                </a:solidFill>
+                <a:latin typeface="+mn-ea"/>
+                <a:ea typeface="+mn-ea"/>
+              </a:rPr>
+              <a:t>和</a:t>
+            </a:r>
+            <a:r>
+              <a:rPr lang="en-US" altLang="zh-CN" sz="2200">
+                <a:solidFill>
+                  <a:srgbClr val="FF0000"/>
+                </a:solidFill>
+                <a:latin typeface="+mn-ea"/>
+                <a:ea typeface="+mn-ea"/>
+              </a:rPr>
+              <a:t>apply</a:t>
+            </a:r>
+            <a:r>
+              <a:rPr lang="zh-CN" altLang="en-US" sz="2200">
+                <a:solidFill>
+                  <a:srgbClr val="FF0000"/>
+                </a:solidFill>
+                <a:latin typeface="+mn-ea"/>
+                <a:ea typeface="+mn-ea"/>
+              </a:rPr>
+              <a:t>方法是定义在哪里的？</a:t>
             </a:r>
             <a:endParaRPr lang="zh-CN" altLang="en-US" sz="2200">
               <a:solidFill>
@@ -3849,21 +3956,112 @@
                             </p:childTnLst>
                           </p:cTn>
                         </p:par>
+                      </p:childTnLst>
+                    </p:cTn>
+                  </p:par>
+                  <p:par>
+                    <p:cTn id="15" fill="hold">
+                      <p:stCondLst>
+                        <p:cond delay="indefinite"/>
+                      </p:stCondLst>
+                      <p:childTnLst>
                         <p:par>
-                          <p:cTn id="15" fill="hold">
+                          <p:cTn id="16" fill="hold">
                             <p:stCondLst>
-                              <p:cond delay="500"/>
+                              <p:cond delay="0"/>
                             </p:stCondLst>
                             <p:childTnLst>
                               <p:par>
-                                <p:cTn id="16" presetID="2" presetClass="entr" presetSubtype="4" fill="hold" grpId="0" nodeType="afterEffect">
+                                <p:cTn id="17" presetID="2" presetClass="entr" presetSubtype="4" fill="hold" grpId="0" nodeType="clickEffect">
                                   <p:stCondLst>
                                     <p:cond delay="0"/>
                                   </p:stCondLst>
                                   <p:childTnLst>
                                     <p:set>
                                       <p:cBhvr>
-                                        <p:cTn id="17" dur="1" fill="hold">
+                                        <p:cTn id="18" dur="1" fill="hold">
+                                          <p:stCondLst>
+                                            <p:cond delay="0"/>
+                                          </p:stCondLst>
+                                        </p:cTn>
+                                        <p:tgtEl>
+                                          <p:spTgt spid="5"/>
+                                        </p:tgtEl>
+                                        <p:attrNameLst>
+                                          <p:attrName>style.visibility</p:attrName>
+                                        </p:attrNameLst>
+                                      </p:cBhvr>
+                                      <p:to>
+                                        <p:strVal val="visible"/>
+                                      </p:to>
+                                    </p:set>
+                                    <p:anim calcmode="lin" valueType="num">
+                                      <p:cBhvr additive="base">
+                                        <p:cTn id="19" dur="500" fill="hold"/>
+                                        <p:tgtEl>
+                                          <p:spTgt spid="5"/>
+                                        </p:tgtEl>
+                                        <p:attrNameLst>
+                                          <p:attrName>ppt_x</p:attrName>
+                                        </p:attrNameLst>
+                                      </p:cBhvr>
+                                      <p:tavLst>
+                                        <p:tav tm="0">
+                                          <p:val>
+                                            <p:strVal val="#ppt_x"/>
+                                          </p:val>
+                                        </p:tav>
+                                        <p:tav tm="100000">
+                                          <p:val>
+                                            <p:strVal val="#ppt_x"/>
+                                          </p:val>
+                                        </p:tav>
+                                      </p:tavLst>
+                                    </p:anim>
+                                    <p:anim calcmode="lin" valueType="num">
+                                      <p:cBhvr additive="base">
+                                        <p:cTn id="20" dur="500" fill="hold"/>
+                                        <p:tgtEl>
+                                          <p:spTgt spid="5"/>
+                                        </p:tgtEl>
+                                        <p:attrNameLst>
+                                          <p:attrName>ppt_y</p:attrName>
+                                        </p:attrNameLst>
+                                      </p:cBhvr>
+                                      <p:tavLst>
+                                        <p:tav tm="0">
+                                          <p:val>
+                                            <p:strVal val="1+#ppt_h/2"/>
+                                          </p:val>
+                                        </p:tav>
+                                        <p:tav tm="100000">
+                                          <p:val>
+                                            <p:strVal val="#ppt_y"/>
+                                          </p:val>
+                                        </p:tav>
+                                      </p:tavLst>
+                                    </p:anim>
+                                  </p:childTnLst>
+                                </p:cTn>
+                              </p:par>
+                            </p:childTnLst>
+                          </p:cTn>
+                        </p:par>
+                        <p:par>
+                          <p:cTn id="21" fill="hold">
+                            <p:stCondLst>
+                              <p:cond delay="500"/>
+                            </p:stCondLst>
+                            <p:childTnLst>
+                              <p:par>
+                                <p:cTn id="22" presetID="2" presetClass="entr" presetSubtype="4" fill="hold" grpId="0" nodeType="afterEffect">
+                                  <p:stCondLst>
+                                    <p:cond delay="0"/>
+                                  </p:stCondLst>
+                                  <p:childTnLst>
+                                    <p:set>
+                                      <p:cBhvr>
+                                        <p:cTn id="23" dur="1" fill="hold">
                                           <p:stCondLst>
                                             <p:cond delay="0"/>
                                           </p:stCondLst>
@@ -3881,7 +4079,7 @@
                                     </p:set>
                                     <p:anim calcmode="lin" valueType="num">
                                       <p:cBhvr additive="base">
-                                        <p:cTn id="18" dur="500" fill="hold"/>
+                                        <p:cTn id="24" dur="500" fill="hold"/>
                                         <p:tgtEl>
                                           <p:spTgt spid="4"/>
                                         </p:tgtEl>
@@ -3904,7 +4102,7 @@
                                     </p:anim>
                                     <p:anim calcmode="lin" valueType="num">
                                       <p:cBhvr additive="base">
-                                        <p:cTn id="19" dur="500" fill="hold"/>
+                                        <p:cTn id="25" dur="500" fill="hold"/>
                                         <p:tgtEl>
                                           <p:spTgt spid="4"/>
                                         </p:tgtEl>
@@ -3957,6 +4155,7 @@
     </p:tnLst>
     <p:bldLst>
       <p:bldP spid="4" grpId="0"/>
+      <p:bldP spid="5" grpId="0"/>
     </p:bldLst>
   </p:timing>
 </p:sld>
@@ -4157,6 +4356,11 @@
               </a:rPr>
               <a:t>简介及特点</a:t>
             </a:r>
+            <a:endParaRPr lang="zh-CN" altLang="en-US" sz="2800" b="1">
+              <a:solidFill>
+                <a:schemeClr val="tx1"/>
+              </a:solidFill>
+            </a:endParaRPr>
           </a:p>
           <a:p>
             <a:pPr algn="l">
@@ -4193,6 +4397,12 @@
               </a:rPr>
               <a:t>四种应用场景</a:t>
             </a:r>
+            <a:endParaRPr lang="zh-CN" altLang="en-US" sz="2800" b="1">
+              <a:solidFill>
+                <a:schemeClr val="tx1"/>
+              </a:solidFill>
+              <a:sym typeface="+mn-ea"/>
+            </a:endParaRPr>
           </a:p>
           <a:p>
             <a:pPr algn="l">
@@ -4229,6 +4439,12 @@
               </a:rPr>
               <a:t>缺陷和解决方法</a:t>
             </a:r>
+            <a:endParaRPr lang="zh-CN" altLang="en-US" sz="2800" b="1">
+              <a:solidFill>
+                <a:srgbClr val="FF0000"/>
+              </a:solidFill>
+              <a:sym typeface="+mn-ea"/>
+            </a:endParaRPr>
           </a:p>
         </p:txBody>
       </p:sp>
@@ -4580,16 +4796,6 @@
               </a:rPr>
               <a:t>存在缺陷</a:t>
             </a:r>
-            <a:r>
-              <a:rPr lang="zh-CN" altLang="en-US" dirty="0" smtClean="0">
-                <a:solidFill>
-                  <a:srgbClr val="000000"/>
-                </a:solidFill>
-                <a:latin typeface="微软雅黑" panose="020B0503020204020204" pitchFamily="34" charset="-122"/>
-                <a:ea typeface="微软雅黑" panose="020B0503020204020204" pitchFamily="34" charset="-122"/>
-              </a:rPr>
-              <a:t/>
-            </a:r>
             <a:br>
               <a:rPr lang="zh-CN" altLang="en-US" dirty="0" smtClean="0">
                 <a:solidFill>
@@ -4728,6 +4934,7 @@
               <a:rPr lang="en-US" altLang="zh-CN" sz="2400"/>
               <a:t>point</a:t>
             </a:r>
+            <a:endParaRPr lang="en-US" altLang="zh-CN" sz="2400"/>
           </a:p>
         </p:txBody>
       </p:sp>
@@ -4740,7 +4947,7 @@
           <p:nvPr/>
         </p:nvPicPr>
         <p:blipFill>
-          <a:blip r:embed="rId2"/>
+          <a:blip r:embed="rId1"/>
           <a:srcRect l="5073"/>
           <a:stretch>
             <a:fillRect/>
@@ -4765,7 +4972,7 @@
           <p:nvPr/>
         </p:nvPicPr>
         <p:blipFill>
-          <a:blip r:embed="rId3"/>
+          <a:blip r:embed="rId2"/>
           <a:stretch>
             <a:fillRect/>
           </a:stretch>
@@ -4853,6 +5060,13 @@
               </a:rPr>
               <a:t>缺陷 </a:t>
             </a:r>
+            <a:endParaRPr lang="zh-CN" altLang="en-US" sz="2200">
+              <a:solidFill>
+                <a:srgbClr val="FF0000"/>
+              </a:solidFill>
+              <a:latin typeface="+mn-ea"/>
+              <a:ea typeface="+mn-ea"/>
+            </a:endParaRPr>
           </a:p>
         </p:txBody>
       </p:sp>
@@ -5433,7 +5647,7 @@
                 </a:solidFill>
                 <a:sym typeface="+mn-ea"/>
               </a:rPr>
-              <a:t>使用变量替代的方法（</a:t>
+              <a:t>方法一：使用变量（</a:t>
             </a:r>
             <a:r>
               <a:rPr kumimoji="0" lang="en-US" altLang="zh-CN" dirty="0">
@@ -5451,7 +5665,7 @@
                 </a:solidFill>
                 <a:sym typeface="+mn-ea"/>
               </a:rPr>
-              <a:t>、</a:t>
+              <a:t>或</a:t>
             </a:r>
             <a:r>
               <a:rPr kumimoji="0" lang="en-US" altLang="zh-CN" dirty="0">
@@ -5472,14 +5686,40 @@
               <a:t>）</a:t>
             </a:r>
             <a:r>
-              <a:rPr lang="zh-CN" altLang="en-US" dirty="0" smtClean="0">
-                <a:solidFill>
-                  <a:srgbClr val="000000"/>
-                </a:solidFill>
-                <a:latin typeface="微软雅黑" panose="020B0503020204020204" pitchFamily="34" charset="-122"/>
-                <a:ea typeface="微软雅黑" panose="020B0503020204020204" pitchFamily="34" charset="-122"/>
-              </a:rPr>
-              <a:t/>
+              <a:rPr kumimoji="0" lang="zh-CN" altLang="en-US" dirty="0">
+                <a:solidFill>
+                  <a:srgbClr val="FF0000"/>
+                </a:solidFill>
+                <a:sym typeface="+mn-ea"/>
+              </a:rPr>
+              <a:t>软绑定</a:t>
+            </a:r>
+            <a:r>
+              <a:rPr kumimoji="0" lang="zh-CN" altLang="en-US" dirty="0">
+                <a:solidFill>
+                  <a:schemeClr val="tx1"/>
+                </a:solidFill>
+                <a:sym typeface="+mn-ea"/>
+              </a:rPr>
+              <a:t>，使</a:t>
+            </a:r>
+            <a:r>
+              <a:rPr kumimoji="0" lang="en-US" altLang="zh-CN" dirty="0">
+                <a:solidFill>
+                  <a:schemeClr val="tx1"/>
+                </a:solidFill>
+                <a:sym typeface="+mn-ea"/>
+              </a:rPr>
+              <a:t>this</a:t>
+            </a:r>
+            <a:r>
+              <a:rPr kumimoji="0" lang="zh-CN" altLang="en-US" dirty="0">
+                <a:solidFill>
+                  <a:schemeClr val="tx1"/>
+                </a:solidFill>
+                <a:sym typeface="+mn-ea"/>
+              </a:rPr>
+              <a:t>指向正确</a:t>
             </a:r>
             <a:br>
               <a:rPr lang="zh-CN" altLang="en-US" dirty="0" smtClean="0">
@@ -5558,7 +5798,7 @@
           <p:nvPr/>
         </p:nvPicPr>
         <p:blipFill>
-          <a:blip r:embed="rId2"/>
+          <a:blip r:embed="rId1"/>
           <a:stretch>
             <a:fillRect/>
           </a:stretch>
@@ -5582,7 +5822,7 @@
         <p:spPr>
           <a:xfrm>
             <a:off x="6407785" y="2816860"/>
-            <a:ext cx="3615055" cy="3415030"/>
+            <a:ext cx="3615055" cy="2676525"/>
           </a:xfrm>
           <a:prstGeom prst="rect">
             <a:avLst/>
@@ -5619,12 +5859,9 @@
               <a:rPr lang="zh-CN" altLang="en-US" sz="2400"/>
               <a:t>对象。</a:t>
             </a:r>
+            <a:endParaRPr lang="zh-CN" altLang="en-US" sz="2400"/>
           </a:p>
           <a:p>
-            <a:r>
-              <a:rPr lang="zh-CN" altLang="en-US" sz="2400"/>
-              <a:t/>
-            </a:r>
             <a:br>
               <a:rPr lang="zh-CN" altLang="en-US" sz="2400"/>
             </a:br>
@@ -5670,44 +5907,11 @@
               </a:rPr>
               <a:t>方法进行硬绑定</a:t>
             </a:r>
-          </a:p>
-          <a:p>
-            <a:r>
-              <a:rPr lang="zh-CN" altLang="en-US" sz="2400"/>
-              <a:t>或通过</a:t>
-            </a:r>
-            <a:r>
-              <a:rPr lang="en-US" altLang="zh-CN" sz="2400">
-                <a:solidFill>
-                  <a:srgbClr val="FF0000"/>
-                </a:solidFill>
-              </a:rPr>
-              <a:t>call/apply</a:t>
-            </a:r>
-            <a:r>
-              <a:rPr lang="zh-CN" altLang="en-US" sz="2400">
-                <a:solidFill>
-                  <a:srgbClr val="FF0000"/>
-                </a:solidFill>
-              </a:rPr>
-              <a:t>间接指定</a:t>
-            </a:r>
-            <a:r>
-              <a:rPr lang="en-US" altLang="zh-CN" sz="2400">
-                <a:solidFill>
-                  <a:srgbClr val="FF0000"/>
-                </a:solidFill>
-              </a:rPr>
-              <a:t>this</a:t>
-            </a:r>
-            <a:r>
-              <a:rPr lang="zh-CN" altLang="en-US" sz="2400">
-                <a:solidFill>
-                  <a:srgbClr val="FF0000"/>
-                </a:solidFill>
-              </a:rPr>
-              <a:t>对象</a:t>
-            </a:r>
+            <a:endParaRPr lang="zh-CN" altLang="en-US" sz="2400">
+              <a:solidFill>
+                <a:srgbClr val="FF0000"/>
+              </a:solidFill>
+            </a:endParaRPr>
           </a:p>
         </p:txBody>
       </p:sp>
@@ -5720,7 +5924,7 @@
           <p:nvPr/>
         </p:nvPicPr>
         <p:blipFill>
-          <a:blip r:embed="rId3"/>
+          <a:blip r:embed="rId2"/>
           <a:stretch>
             <a:fillRect/>
           </a:stretch>
@@ -5808,6 +6012,13 @@
               </a:rPr>
               <a:t>缺陷解决办法 </a:t>
             </a:r>
+            <a:endParaRPr lang="zh-CN" altLang="en-US" sz="2200">
+              <a:solidFill>
+                <a:srgbClr val="FF0000"/>
+              </a:solidFill>
+              <a:latin typeface="+mn-ea"/>
+              <a:ea typeface="+mn-ea"/>
+            </a:endParaRPr>
           </a:p>
         </p:txBody>
       </p:sp>
@@ -6373,13 +6584,13 @@
               <a:buChar char="•"/>
             </a:pPr>
             <a:r>
-              <a:rPr kumimoji="0" lang="zh-CN" dirty="0">
+              <a:rPr kumimoji="0" lang="zh-CN" altLang="en-US" dirty="0">
                 <a:solidFill>
                   <a:schemeClr val="tx1"/>
                 </a:solidFill>
                 <a:sym typeface="+mn-ea"/>
               </a:rPr>
-              <a:t>构造函数中的</a:t>
+              <a:t>方法二：使用</a:t>
             </a:r>
             <a:r>
               <a:rPr kumimoji="0" lang="en-US" altLang="zh-CN" dirty="0">
@@ -6388,6 +6599,33 @@
                 </a:solidFill>
                 <a:sym typeface="+mn-ea"/>
               </a:rPr>
+              <a:t>call/apply</a:t>
+            </a:r>
+            <a:r>
+              <a:rPr kumimoji="0" lang="zh-CN" altLang="en-US" dirty="0">
+                <a:solidFill>
+                  <a:schemeClr val="accent3"/>
+                </a:solidFill>
+                <a:sym typeface="+mn-ea"/>
+              </a:rPr>
+              <a:t>间接调用</a:t>
+            </a:r>
+            <a:r>
+              <a:rPr kumimoji="0" lang="zh-CN" altLang="en-US" dirty="0">
+                <a:solidFill>
+                  <a:schemeClr val="tx1"/>
+                </a:solidFill>
+                <a:sym typeface="+mn-ea"/>
+              </a:rPr>
+              <a:t>，使</a:t>
+            </a:r>
+            <a:r>
+              <a:rPr kumimoji="0" lang="en-US" altLang="zh-CN" dirty="0">
+                <a:solidFill>
+                  <a:schemeClr val="tx1"/>
+                </a:solidFill>
+                <a:sym typeface="+mn-ea"/>
+              </a:rPr>
               <a:t>this</a:t>
             </a:r>
             <a:r>
@@ -6397,26 +6635,7 @@
                 </a:solidFill>
                 <a:sym typeface="+mn-ea"/>
               </a:rPr>
-              <a:t>同样存在函数嵌套缺陷，</a:t>
-            </a:r>
-            <a:r>
-              <a:rPr kumimoji="0" lang="zh-CN" altLang="en-US" dirty="0">
-                <a:solidFill>
-                  <a:schemeClr val="accent3"/>
-                </a:solidFill>
-                <a:sym typeface="+mn-ea"/>
-              </a:rPr>
-              <a:t>解决办法同上</a:t>
-            </a:r>
-            <a:r>
-              <a:rPr lang="zh-CN" altLang="en-US" dirty="0" smtClean="0">
-                <a:solidFill>
-                  <a:srgbClr val="000000"/>
-                </a:solidFill>
-                <a:latin typeface="微软雅黑" panose="020B0503020204020204" pitchFamily="34" charset="-122"/>
-                <a:ea typeface="微软雅黑" panose="020B0503020204020204" pitchFamily="34" charset="-122"/>
-              </a:rPr>
-              <a:t/>
+              <a:t>指向正确</a:t>
             </a:r>
             <a:br>
               <a:rPr lang="zh-CN" altLang="en-US" dirty="0" smtClean="0">
@@ -6464,7 +6683,7 @@
                   <a:srgbClr val="C00000"/>
                 </a:solidFill>
               </a:rPr>
-              <a:t>构造函数中的</a:t>
+              <a:t>如何解决对象方法中嵌套函数的</a:t>
             </a:r>
             <a:r>
               <a:rPr kumimoji="0" lang="en-US" altLang="zh-CN" b="0" dirty="0">
@@ -6479,9 +6698,8 @@
                 <a:solidFill>
                   <a:srgbClr val="C00000"/>
                 </a:solidFill>
-                <a:sym typeface="+mn-ea"/>
-              </a:rPr>
-              <a:t>（有函数嵌套的情况下）</a:t>
+              </a:rPr>
+              <a:t>指向问题</a:t>
             </a:r>
             <a:endParaRPr lang="zh-CN" altLang="en-US" dirty="0"/>
           </a:p>
@@ -6489,23 +6707,23 @@
       </p:sp>
       <p:pic>
         <p:nvPicPr>
-          <p:cNvPr id="2" name="图片 1" descr="O22MYX2@P$LL%TB0{TBZKP3"/>
+          <p:cNvPr id="10" name="图片 9" descr="C:\Users\qile\Desktop\222.png222"/>
           <p:cNvPicPr>
             <a:picLocks noChangeAspect="1"/>
           </p:cNvPicPr>
           <p:nvPr/>
         </p:nvPicPr>
         <p:blipFill>
-          <a:blip r:embed="rId2"/>
-          <a:srcRect l="5386"/>
+          <a:blip r:embed="rId1"/>
+          <a:srcRect/>
           <a:stretch>
             <a:fillRect/>
           </a:stretch>
         </p:blipFill>
         <p:spPr>
           <a:xfrm>
-            <a:off x="1056640" y="1551940"/>
-            <a:ext cx="4660265" cy="4449445"/>
+            <a:off x="6096000" y="1564640"/>
+            <a:ext cx="4047490" cy="1816100"/>
           </a:xfrm>
           <a:prstGeom prst="rect">
             <a:avLst/>
@@ -6514,23 +6732,23 @@
       </p:pic>
       <p:pic>
         <p:nvPicPr>
-          <p:cNvPr id="5" name="图片 4" descr="5DPHS5AA(Q@2}065VQ~FO5W"/>
+          <p:cNvPr id="12" name="图片 11" descr="C:\Users\qile\Desktop\111.png111"/>
           <p:cNvPicPr>
             <a:picLocks noChangeAspect="1"/>
           </p:cNvPicPr>
           <p:nvPr/>
         </p:nvPicPr>
         <p:blipFill>
-          <a:blip r:embed="rId3"/>
-          <a:srcRect l="4539"/>
+          <a:blip r:embed="rId2"/>
+          <a:srcRect/>
           <a:stretch>
             <a:fillRect/>
           </a:stretch>
         </p:blipFill>
         <p:spPr>
           <a:xfrm>
-            <a:off x="5840095" y="1551940"/>
-            <a:ext cx="6076315" cy="4608830"/>
+            <a:off x="1198880" y="1564640"/>
+            <a:ext cx="4338955" cy="4461510"/>
           </a:xfrm>
           <a:prstGeom prst="rect">
             <a:avLst/>
@@ -6546,7 +6764,7 @@
         <p:spPr>
           <a:xfrm>
             <a:off x="5511800" y="6252210"/>
-            <a:ext cx="6550025" cy="429895"/>
+            <a:ext cx="6290945" cy="429895"/>
           </a:xfrm>
           <a:prstGeom prst="rect">
             <a:avLst/>
@@ -6578,7 +6796,7 @@
                 <a:latin typeface="+mn-ea"/>
                 <a:ea typeface="+mn-ea"/>
               </a:rPr>
-              <a:t>demo07</a:t>
+              <a:t>demo06</a:t>
             </a:r>
             <a:r>
               <a:rPr lang="zh-CN" altLang="en-US" sz="2200">
@@ -6588,7 +6806,7 @@
                 <a:latin typeface="+mn-ea"/>
                 <a:ea typeface="+mn-ea"/>
               </a:rPr>
-              <a:t> 构造函数中的函数嵌套中的</a:t>
+              <a:t>后半部分 </a:t>
             </a:r>
             <a:r>
               <a:rPr lang="en-US" altLang="zh-CN" sz="2200">
@@ -6608,8 +6826,15 @@
                 <a:latin typeface="+mn-ea"/>
                 <a:ea typeface="+mn-ea"/>
               </a:rPr>
-              <a:t> </a:t>
-            </a:r>
+              <a:t>缺陷解决办法 </a:t>
+            </a:r>
+            <a:endParaRPr lang="zh-CN" altLang="en-US" sz="2200">
+              <a:solidFill>
+                <a:srgbClr val="FF0000"/>
+              </a:solidFill>
+              <a:latin typeface="+mn-ea"/>
+              <a:ea typeface="+mn-ea"/>
+            </a:endParaRPr>
           </a:p>
         </p:txBody>
       </p:sp>
@@ -6726,36 +6951,27 @@
                             </p:childTnLst>
                           </p:cTn>
                         </p:par>
-                      </p:childTnLst>
-                    </p:cTn>
-                  </p:par>
-                  <p:par>
-                    <p:cTn id="9" fill="hold">
-                      <p:stCondLst>
-                        <p:cond delay="indefinite"/>
-                      </p:stCondLst>
-                      <p:childTnLst>
                         <p:par>
-                          <p:cTn id="10" fill="hold">
+                          <p:cTn id="9" fill="hold">
                             <p:stCondLst>
-                              <p:cond delay="0"/>
+                              <p:cond delay="500"/>
                             </p:stCondLst>
                             <p:childTnLst>
                               <p:par>
-                                <p:cTn id="11" presetID="2" presetClass="entr" presetSubtype="4" fill="hold" nodeType="clickEffect">
+                                <p:cTn id="10" presetID="2" presetClass="entr" presetSubtype="4" fill="hold" nodeType="afterEffect">
                                   <p:stCondLst>
                                     <p:cond delay="0"/>
                                   </p:stCondLst>
                                   <p:childTnLst>
                                     <p:set>
                                       <p:cBhvr>
-                                        <p:cTn id="12" dur="1" fill="hold">
+                                        <p:cTn id="11" dur="1" fill="hold">
                                           <p:stCondLst>
                                             <p:cond delay="0"/>
                                           </p:stCondLst>
                                         </p:cTn>
                                         <p:tgtEl>
-                                          <p:spTgt spid="2"/>
+                                          <p:spTgt spid="12"/>
                                         </p:tgtEl>
                                         <p:attrNameLst>
                                           <p:attrName>style.visibility</p:attrName>
@@ -6767,9 +6983,9 @@
                                     </p:set>
                                     <p:anim calcmode="lin" valueType="num">
                                       <p:cBhvr additive="base">
-                                        <p:cTn id="13" dur="500" fill="hold"/>
+                                        <p:cTn id="12" dur="500" fill="hold"/>
                                         <p:tgtEl>
-                                          <p:spTgt spid="2"/>
+                                          <p:spTgt spid="12"/>
                                         </p:tgtEl>
                                         <p:attrNameLst>
                                           <p:attrName>ppt_x</p:attrName>
@@ -6790,9 +7006,9 @@
                                     </p:anim>
                                     <p:anim calcmode="lin" valueType="num">
                                       <p:cBhvr additive="base">
-                                        <p:cTn id="14" dur="500" fill="hold"/>
+                                        <p:cTn id="13" dur="500" fill="hold"/>
                                         <p:tgtEl>
-                                          <p:spTgt spid="2"/>
+                                          <p:spTgt spid="12"/>
                                         </p:tgtEl>
                                         <p:attrNameLst>
                                           <p:attrName>ppt_y</p:attrName>
@@ -6814,21 +7030,39 @@
                                   </p:childTnLst>
                                 </p:cTn>
                               </p:par>
+                            </p:childTnLst>
+                          </p:cTn>
+                        </p:par>
+                      </p:childTnLst>
+                    </p:cTn>
+                  </p:par>
+                  <p:par>
+                    <p:cTn id="14" fill="hold">
+                      <p:stCondLst>
+                        <p:cond delay="indefinite"/>
+                      </p:stCondLst>
+                      <p:childTnLst>
+                        <p:par>
+                          <p:cTn id="15" fill="hold">
+                            <p:stCondLst>
+                              <p:cond delay="0"/>
+                            </p:stCondLst>
+                            <p:childTnLst>
                               <p:par>
-                                <p:cTn id="15" presetID="2" presetClass="entr" presetSubtype="4" fill="hold" nodeType="withEffect">
+                                <p:cTn id="16" presetID="2" presetClass="entr" presetSubtype="4" fill="hold" nodeType="clickEffect">
                                   <p:stCondLst>
                                     <p:cond delay="0"/>
                                   </p:stCondLst>
                                   <p:childTnLst>
                                     <p:set>
                                       <p:cBhvr>
-                                        <p:cTn id="16" dur="1" fill="hold">
+                                        <p:cTn id="17" dur="1" fill="hold">
                                           <p:stCondLst>
                                             <p:cond delay="0"/>
                                           </p:stCondLst>
                                         </p:cTn>
                                         <p:tgtEl>
-                                          <p:spTgt spid="5"/>
+                                          <p:spTgt spid="10"/>
                                         </p:tgtEl>
                                         <p:attrNameLst>
                                           <p:attrName>style.visibility</p:attrName>
@@ -6840,9 +7074,9 @@
                                     </p:set>
                                     <p:anim calcmode="lin" valueType="num">
                                       <p:cBhvr additive="base">
-                                        <p:cTn id="17" dur="500" fill="hold"/>
+                                        <p:cTn id="18" dur="500" fill="hold"/>
                                         <p:tgtEl>
-                                          <p:spTgt spid="5"/>
+                                          <p:spTgt spid="10"/>
                                         </p:tgtEl>
                                         <p:attrNameLst>
                                           <p:attrName>ppt_x</p:attrName>
@@ -6863,9 +7097,9 @@
                                     </p:anim>
                                     <p:anim calcmode="lin" valueType="num">
                                       <p:cBhvr additive="base">
-                                        <p:cTn id="18" dur="500" fill="hold"/>
+                                        <p:cTn id="19" dur="500" fill="hold"/>
                                         <p:tgtEl>
-                                          <p:spTgt spid="5"/>
+                                          <p:spTgt spid="10"/>
                                         </p:tgtEl>
                                         <p:attrNameLst>
                                           <p:attrName>ppt_y</p:attrName>
@@ -6891,20 +7125,20 @@
                           </p:cTn>
                         </p:par>
                         <p:par>
-                          <p:cTn id="19" fill="hold">
+                          <p:cTn id="20" fill="hold">
                             <p:stCondLst>
                               <p:cond delay="500"/>
                             </p:stCondLst>
                             <p:childTnLst>
                               <p:par>
-                                <p:cTn id="20" presetID="2" presetClass="entr" presetSubtype="4" fill="hold" grpId="0" nodeType="afterEffect">
+                                <p:cTn id="21" presetID="2" presetClass="entr" presetSubtype="4" fill="hold" grpId="0" nodeType="afterEffect">
                                   <p:stCondLst>
                                     <p:cond delay="0"/>
                                   </p:stCondLst>
                                   <p:childTnLst>
                                     <p:set>
                                       <p:cBhvr>
-                                        <p:cTn id="21" dur="1" fill="hold">
+                                        <p:cTn id="22" dur="1" fill="hold">
                                           <p:stCondLst>
                                             <p:cond delay="0"/>
                                           </p:stCondLst>
@@ -6922,7 +7156,7 @@
                                     </p:set>
                                     <p:anim calcmode="lin" valueType="num">
                                       <p:cBhvr additive="base">
-                                        <p:cTn id="22" dur="500" fill="hold"/>
+                                        <p:cTn id="23" dur="500" fill="hold"/>
                                         <p:tgtEl>
                                           <p:spTgt spid="4"/>
                                         </p:tgtEl>
@@ -6945,7 +7179,7 @@
                                     </p:anim>
                                     <p:anim calcmode="lin" valueType="num">
                                       <p:cBhvr additive="base">
-                                        <p:cTn id="23" dur="500" fill="hold"/>
+                                        <p:cTn id="24" dur="500" fill="hold"/>
                                         <p:tgtEl>
                                           <p:spTgt spid="4"/>
                                         </p:tgtEl>
@@ -7022,509 +7256,6 @@
       </p:grpSpPr>
       <p:sp>
         <p:nvSpPr>
-          <p:cNvPr id="5123" name="AutoShape 6"/>
-          <p:cNvSpPr>
-            <a:spLocks noChangeArrowheads="1"/>
-          </p:cNvSpPr>
-          <p:nvPr/>
-        </p:nvSpPr>
-        <p:spPr bwMode="auto">
-          <a:xfrm>
-            <a:off x="2566988" y="1339851"/>
-            <a:ext cx="6711950" cy="4214813"/>
-          </a:xfrm>
-          <a:prstGeom prst="roundRect">
-            <a:avLst>
-              <a:gd name="adj" fmla="val 16667"/>
-            </a:avLst>
-          </a:prstGeom>
-          <a:noFill/>
-          <a:ln w="28575">
-            <a:solidFill>
-              <a:srgbClr val="C0C0C0"/>
-            </a:solidFill>
-            <a:prstDash val="sysDot"/>
-            <a:round/>
-          </a:ln>
-          <a:extLst>
-            <a:ext uri="{909E8E84-426E-40DD-AFC4-6F175D3DCCD1}">
-              <a14:hiddenFill xmlns:a14="http://schemas.microsoft.com/office/drawing/2010/main">
-                <a:solidFill>
-                  <a:srgbClr val="FFFFFF"/>
-                </a:solidFill>
-              </a14:hiddenFill>
-            </a:ext>
-          </a:extLst>
-        </p:spPr>
-        <p:txBody>
-          <a:bodyPr wrap="none" anchor="ctr"/>
-          <a:lstStyle>
-            <a:lvl1pPr marL="457200" indent="-457200">
-              <a:defRPr sz="3200">
-                <a:solidFill>
-                  <a:schemeClr val="tx1"/>
-                </a:solidFill>
-                <a:latin typeface="Arial" panose="020B0604020202020204" pitchFamily="34" charset="0"/>
-                <a:ea typeface="微软雅黑" panose="020B0503020204020204" pitchFamily="34" charset="-122"/>
-              </a:defRPr>
-            </a:lvl1pPr>
-            <a:lvl2pPr marL="742950" indent="-285750">
-              <a:defRPr sz="3200">
-                <a:solidFill>
-                  <a:schemeClr val="tx1"/>
-                </a:solidFill>
-                <a:latin typeface="Arial" panose="020B0604020202020204" pitchFamily="34" charset="0"/>
-                <a:ea typeface="微软雅黑" panose="020B0503020204020204" pitchFamily="34" charset="-122"/>
-              </a:defRPr>
-            </a:lvl2pPr>
-            <a:lvl3pPr marL="1143000" indent="-228600">
-              <a:defRPr sz="3200">
-                <a:solidFill>
-                  <a:schemeClr val="tx1"/>
-                </a:solidFill>
-                <a:latin typeface="Arial" panose="020B0604020202020204" pitchFamily="34" charset="0"/>
-                <a:ea typeface="微软雅黑" panose="020B0503020204020204" pitchFamily="34" charset="-122"/>
-              </a:defRPr>
-            </a:lvl3pPr>
-            <a:lvl4pPr marL="1600200" indent="-228600">
-              <a:defRPr sz="3200">
-                <a:solidFill>
-                  <a:schemeClr val="tx1"/>
-                </a:solidFill>
-                <a:latin typeface="Arial" panose="020B0604020202020204" pitchFamily="34" charset="0"/>
-                <a:ea typeface="微软雅黑" panose="020B0503020204020204" pitchFamily="34" charset="-122"/>
-              </a:defRPr>
-            </a:lvl4pPr>
-            <a:lvl5pPr marL="2057400" indent="-228600">
-              <a:defRPr sz="3200">
-                <a:solidFill>
-                  <a:schemeClr val="tx1"/>
-                </a:solidFill>
-                <a:latin typeface="Arial" panose="020B0604020202020204" pitchFamily="34" charset="0"/>
-                <a:ea typeface="微软雅黑" panose="020B0503020204020204" pitchFamily="34" charset="-122"/>
-              </a:defRPr>
-            </a:lvl5pPr>
-            <a:lvl6pPr marL="2514600" indent="-228600" eaLnBrk="0" fontAlgn="base" hangingPunct="0">
-              <a:spcBef>
-                <a:spcPct val="0"/>
-              </a:spcBef>
-              <a:spcAft>
-                <a:spcPct val="0"/>
-              </a:spcAft>
-              <a:defRPr sz="3200">
-                <a:solidFill>
-                  <a:schemeClr val="tx1"/>
-                </a:solidFill>
-                <a:latin typeface="Arial" panose="020B0604020202020204" pitchFamily="34" charset="0"/>
-                <a:ea typeface="微软雅黑" panose="020B0503020204020204" pitchFamily="34" charset="-122"/>
-              </a:defRPr>
-            </a:lvl6pPr>
-            <a:lvl7pPr marL="2971800" indent="-228600" eaLnBrk="0" fontAlgn="base" hangingPunct="0">
-              <a:spcBef>
-                <a:spcPct val="0"/>
-              </a:spcBef>
-              <a:spcAft>
-                <a:spcPct val="0"/>
-              </a:spcAft>
-              <a:defRPr sz="3200">
-                <a:solidFill>
-                  <a:schemeClr val="tx1"/>
-                </a:solidFill>
-                <a:latin typeface="Arial" panose="020B0604020202020204" pitchFamily="34" charset="0"/>
-                <a:ea typeface="微软雅黑" panose="020B0503020204020204" pitchFamily="34" charset="-122"/>
-              </a:defRPr>
-            </a:lvl7pPr>
-            <a:lvl8pPr marL="3429000" indent="-228600" eaLnBrk="0" fontAlgn="base" hangingPunct="0">
-              <a:spcBef>
-                <a:spcPct val="0"/>
-              </a:spcBef>
-              <a:spcAft>
-                <a:spcPct val="0"/>
-              </a:spcAft>
-              <a:defRPr sz="3200">
-                <a:solidFill>
-                  <a:schemeClr val="tx1"/>
-                </a:solidFill>
-                <a:latin typeface="Arial" panose="020B0604020202020204" pitchFamily="34" charset="0"/>
-                <a:ea typeface="微软雅黑" panose="020B0503020204020204" pitchFamily="34" charset="-122"/>
-              </a:defRPr>
-            </a:lvl8pPr>
-            <a:lvl9pPr marL="3886200" indent="-228600" eaLnBrk="0" fontAlgn="base" hangingPunct="0">
-              <a:spcBef>
-                <a:spcPct val="0"/>
-              </a:spcBef>
-              <a:spcAft>
-                <a:spcPct val="0"/>
-              </a:spcAft>
-              <a:defRPr sz="3200">
-                <a:solidFill>
-                  <a:schemeClr val="tx1"/>
-                </a:solidFill>
-                <a:latin typeface="Arial" panose="020B0604020202020204" pitchFamily="34" charset="0"/>
-                <a:ea typeface="微软雅黑" panose="020B0503020204020204" pitchFamily="34" charset="-122"/>
-              </a:defRPr>
-            </a:lvl9pPr>
-          </a:lstStyle>
-          <a:p>
-            <a:pPr algn="l">
-              <a:lnSpc>
-                <a:spcPct val="150000"/>
-              </a:lnSpc>
-              <a:spcBef>
-                <a:spcPts val="1200"/>
-              </a:spcBef>
-              <a:spcAft>
-                <a:spcPts val="1200"/>
-              </a:spcAft>
-              <a:buClr>
-                <a:srgbClr val="92D050"/>
-              </a:buClr>
-              <a:buFont typeface="Wingdings" panose="05000000000000000000" pitchFamily="2" charset="2"/>
-              <a:buChar char="Ø"/>
-            </a:pPr>
-            <a:r>
-              <a:rPr lang="en-US" altLang="zh-CN" sz="2800" b="1">
-                <a:solidFill>
-                  <a:schemeClr val="tx1"/>
-                </a:solidFill>
-              </a:rPr>
-              <a:t>JS this</a:t>
-            </a:r>
-            <a:r>
-              <a:rPr lang="zh-CN" altLang="en-US" sz="2800" b="1">
-                <a:solidFill>
-                  <a:schemeClr val="tx1"/>
-                </a:solidFill>
-              </a:rPr>
-              <a:t>简介及特点</a:t>
-            </a:r>
-          </a:p>
-          <a:p>
-            <a:pPr algn="l">
-              <a:lnSpc>
-                <a:spcPct val="150000"/>
-              </a:lnSpc>
-              <a:spcBef>
-                <a:spcPts val="1200"/>
-              </a:spcBef>
-              <a:spcAft>
-                <a:spcPts val="1200"/>
-              </a:spcAft>
-              <a:buClr>
-                <a:srgbClr val="92D050"/>
-              </a:buClr>
-              <a:buFont typeface="Wingdings" panose="05000000000000000000" pitchFamily="2" charset="2"/>
-              <a:buChar char="Ø"/>
-            </a:pPr>
-            <a:r>
-              <a:rPr lang="en-US" altLang="zh-CN" sz="2800" b="1">
-                <a:solidFill>
-                  <a:schemeClr val="tx1"/>
-                </a:solidFill>
-                <a:sym typeface="+mn-ea"/>
-              </a:rPr>
-              <a:t>JS this</a:t>
-            </a:r>
-            <a:r>
-              <a:rPr lang="zh-CN" altLang="en-US" sz="2800" b="1">
-                <a:solidFill>
-                  <a:schemeClr val="tx1"/>
-                </a:solidFill>
-                <a:sym typeface="+mn-ea"/>
-              </a:rPr>
-              <a:t>四种应用场景</a:t>
-            </a:r>
-          </a:p>
-          <a:p>
-            <a:pPr algn="l">
-              <a:lnSpc>
-                <a:spcPct val="150000"/>
-              </a:lnSpc>
-              <a:spcBef>
-                <a:spcPts val="1200"/>
-              </a:spcBef>
-              <a:spcAft>
-                <a:spcPts val="1200"/>
-              </a:spcAft>
-              <a:buClr>
-                <a:srgbClr val="92D050"/>
-              </a:buClr>
-              <a:buFont typeface="Wingdings" panose="05000000000000000000" pitchFamily="2" charset="2"/>
-              <a:buChar char="Ø"/>
-            </a:pPr>
-            <a:r>
-              <a:rPr lang="en-US" altLang="zh-CN" sz="2800" b="1">
-                <a:solidFill>
-                  <a:schemeClr val="tx1"/>
-                </a:solidFill>
-                <a:sym typeface="+mn-ea"/>
-              </a:rPr>
-              <a:t>JS this</a:t>
-            </a:r>
-            <a:r>
-              <a:rPr lang="zh-CN" altLang="en-US" sz="2800" b="1">
-                <a:solidFill>
-                  <a:schemeClr val="tx1"/>
-                </a:solidFill>
-                <a:sym typeface="+mn-ea"/>
-              </a:rPr>
-              <a:t>缺陷和解决方法</a:t>
-            </a:r>
-          </a:p>
-        </p:txBody>
-      </p:sp>
-      <p:sp>
-        <p:nvSpPr>
-          <p:cNvPr id="4" name="内容占位符 3"/>
-          <p:cNvSpPr txBox="1"/>
-          <p:nvPr/>
-        </p:nvSpPr>
-        <p:spPr>
-          <a:xfrm>
-            <a:off x="981657" y="236943"/>
-            <a:ext cx="8191557" cy="490476"/>
-          </a:xfrm>
-          <a:prstGeom prst="rect">
-            <a:avLst/>
-          </a:prstGeom>
-        </p:spPr>
-        <p:txBody>
-          <a:bodyPr/>
-          <a:lstStyle>
-            <a:lvl1pPr marL="167005" indent="-167005" algn="l" defTabSz="0" rtl="0" eaLnBrk="0" fontAlgn="base" hangingPunct="0">
-              <a:spcBef>
-                <a:spcPct val="0"/>
-              </a:spcBef>
-              <a:spcAft>
-                <a:spcPct val="15000"/>
-              </a:spcAft>
-              <a:buClr>
-                <a:schemeClr val="tx2"/>
-              </a:buClr>
-              <a:buFont typeface="Arial" panose="020B0604020202020204" pitchFamily="34" charset="0"/>
-              <a:buChar char="•"/>
-              <a:defRPr kumimoji="1" sz="1600">
-                <a:solidFill>
-                  <a:srgbClr val="006F53"/>
-                </a:solidFill>
-                <a:latin typeface="微软雅黑" panose="020B0503020204020204" pitchFamily="34" charset="-122"/>
-                <a:ea typeface="微软雅黑" panose="020B0503020204020204" pitchFamily="34" charset="-122"/>
-                <a:cs typeface="微软雅黑" panose="020B0503020204020204" pitchFamily="34" charset="-122"/>
-              </a:defRPr>
-            </a:lvl1pPr>
-            <a:lvl2pPr marL="398780" indent="-230505" algn="l" defTabSz="0" rtl="0" eaLnBrk="0" fontAlgn="base" hangingPunct="0">
-              <a:spcBef>
-                <a:spcPct val="0"/>
-              </a:spcBef>
-              <a:spcAft>
-                <a:spcPct val="15000"/>
-              </a:spcAft>
-              <a:buClr>
-                <a:schemeClr val="tx2"/>
-              </a:buClr>
-              <a:buFont typeface="Arial" panose="020B0604020202020204" pitchFamily="34" charset="0"/>
-              <a:buChar char="–"/>
-              <a:defRPr kumimoji="1" sz="2800">
-                <a:solidFill>
-                  <a:schemeClr val="bg2"/>
-                </a:solidFill>
-                <a:latin typeface="微软雅黑" panose="020B0503020204020204" pitchFamily="34" charset="-122"/>
-                <a:ea typeface="微软雅黑" panose="020B0503020204020204" pitchFamily="34" charset="-122"/>
-                <a:cs typeface="微软雅黑" panose="020B0503020204020204" pitchFamily="34" charset="-122"/>
-              </a:defRPr>
-            </a:lvl2pPr>
-            <a:lvl3pPr marL="400050" indent="182880" algn="l" defTabSz="0" rtl="0" eaLnBrk="0" fontAlgn="base" hangingPunct="0">
-              <a:spcBef>
-                <a:spcPct val="0"/>
-              </a:spcBef>
-              <a:spcAft>
-                <a:spcPct val="15000"/>
-              </a:spcAft>
-              <a:buClr>
-                <a:schemeClr val="tx2"/>
-              </a:buClr>
-              <a:buFont typeface="Arial" panose="020B0604020202020204" pitchFamily="34" charset="0"/>
-              <a:buChar char="•"/>
-              <a:defRPr kumimoji="1" sz="1600">
-                <a:solidFill>
-                  <a:schemeClr val="bg2"/>
-                </a:solidFill>
-                <a:latin typeface="微软雅黑" panose="020B0503020204020204" pitchFamily="34" charset="-122"/>
-                <a:ea typeface="微软雅黑" panose="020B0503020204020204" pitchFamily="34" charset="-122"/>
-                <a:cs typeface="微软雅黑" panose="020B0503020204020204" pitchFamily="34" charset="-122"/>
-              </a:defRPr>
-            </a:lvl3pPr>
-            <a:lvl4pPr marL="825500" indent="-241300" algn="l" defTabSz="0" rtl="0" eaLnBrk="0" fontAlgn="base" hangingPunct="0">
-              <a:spcBef>
-                <a:spcPct val="0"/>
-              </a:spcBef>
-              <a:spcAft>
-                <a:spcPct val="15000"/>
-              </a:spcAft>
-              <a:buClr>
-                <a:schemeClr val="tx2"/>
-              </a:buClr>
-              <a:buFont typeface="Arial" panose="020B0604020202020204" pitchFamily="34" charset="0"/>
-              <a:buChar char="–"/>
-              <a:defRPr kumimoji="1" sz="1600">
-                <a:solidFill>
-                  <a:schemeClr val="bg2"/>
-                </a:solidFill>
-                <a:latin typeface="微软雅黑" panose="020B0503020204020204" pitchFamily="34" charset="-122"/>
-                <a:ea typeface="微软雅黑" panose="020B0503020204020204" pitchFamily="34" charset="-122"/>
-                <a:cs typeface="微软雅黑" panose="020B0503020204020204" pitchFamily="34" charset="-122"/>
-              </a:defRPr>
-            </a:lvl4pPr>
-            <a:lvl5pPr marL="2057400" indent="-228600" algn="l" defTabSz="0" rtl="0" eaLnBrk="0" fontAlgn="base" hangingPunct="0">
-              <a:spcBef>
-                <a:spcPct val="0"/>
-              </a:spcBef>
-              <a:spcAft>
-                <a:spcPct val="25000"/>
-              </a:spcAft>
-              <a:buClr>
-                <a:schemeClr val="tx2"/>
-              </a:buClr>
-              <a:buFont typeface="Arial" panose="020B0604020202020204" pitchFamily="34" charset="0"/>
-              <a:buChar char="–"/>
-              <a:defRPr kumimoji="1" sz="2000">
-                <a:solidFill>
-                  <a:schemeClr val="tx1"/>
-                </a:solidFill>
-                <a:latin typeface="+mn-lt"/>
-                <a:ea typeface="微软雅黑" panose="020B0503020204020204" pitchFamily="34" charset="-122"/>
-                <a:cs typeface="微软雅黑" panose="020B0503020204020204" pitchFamily="34" charset="-122"/>
-              </a:defRPr>
-            </a:lvl5pPr>
-            <a:lvl6pPr marL="2514600" indent="-228600" algn="l" defTabSz="0" rtl="0" eaLnBrk="0" fontAlgn="base" hangingPunct="0">
-              <a:spcBef>
-                <a:spcPct val="0"/>
-              </a:spcBef>
-              <a:spcAft>
-                <a:spcPct val="25000"/>
-              </a:spcAft>
-              <a:buClr>
-                <a:schemeClr val="tx2"/>
-              </a:buClr>
-              <a:buFont typeface="Arial" panose="020B0604020202020204" pitchFamily="34" charset="0"/>
-              <a:buChar char="–"/>
-              <a:defRPr>
-                <a:solidFill>
-                  <a:schemeClr val="tx1"/>
-                </a:solidFill>
-                <a:latin typeface="+mn-lt"/>
-              </a:defRPr>
-            </a:lvl6pPr>
-            <a:lvl7pPr marL="2971800" indent="-228600" algn="l" defTabSz="0" rtl="0" eaLnBrk="0" fontAlgn="base" hangingPunct="0">
-              <a:spcBef>
-                <a:spcPct val="0"/>
-              </a:spcBef>
-              <a:spcAft>
-                <a:spcPct val="25000"/>
-              </a:spcAft>
-              <a:buClr>
-                <a:schemeClr val="tx2"/>
-              </a:buClr>
-              <a:buFont typeface="Arial" panose="020B0604020202020204" pitchFamily="34" charset="0"/>
-              <a:buChar char="–"/>
-              <a:defRPr>
-                <a:solidFill>
-                  <a:schemeClr val="tx1"/>
-                </a:solidFill>
-                <a:latin typeface="+mn-lt"/>
-              </a:defRPr>
-            </a:lvl7pPr>
-            <a:lvl8pPr marL="3429000" indent="-228600" algn="l" defTabSz="0" rtl="0" eaLnBrk="0" fontAlgn="base" hangingPunct="0">
-              <a:spcBef>
-                <a:spcPct val="0"/>
-              </a:spcBef>
-              <a:spcAft>
-                <a:spcPct val="25000"/>
-              </a:spcAft>
-              <a:buClr>
-                <a:schemeClr val="tx2"/>
-              </a:buClr>
-              <a:buFont typeface="Arial" panose="020B0604020202020204" pitchFamily="34" charset="0"/>
-              <a:buChar char="–"/>
-              <a:defRPr>
-                <a:solidFill>
-                  <a:schemeClr val="tx1"/>
-                </a:solidFill>
-                <a:latin typeface="+mn-lt"/>
-              </a:defRPr>
-            </a:lvl8pPr>
-            <a:lvl9pPr marL="3886200" indent="-228600" algn="l" defTabSz="0" rtl="0" eaLnBrk="0" fontAlgn="base" hangingPunct="0">
-              <a:spcBef>
-                <a:spcPct val="0"/>
-              </a:spcBef>
-              <a:spcAft>
-                <a:spcPct val="25000"/>
-              </a:spcAft>
-              <a:buClr>
-                <a:schemeClr val="tx2"/>
-              </a:buClr>
-              <a:buFont typeface="Arial" panose="020B0604020202020204" pitchFamily="34" charset="0"/>
-              <a:buChar char="–"/>
-              <a:defRPr>
-                <a:solidFill>
-                  <a:schemeClr val="tx1"/>
-                </a:solidFill>
-                <a:latin typeface="+mn-lt"/>
-              </a:defRPr>
-            </a:lvl9pPr>
-          </a:lstStyle>
-          <a:p>
-            <a:pPr marL="0" indent="0">
-              <a:buNone/>
-            </a:pPr>
-            <a:r>
-              <a:rPr lang="zh-CN" altLang="en-US" sz="3200" dirty="0" smtClean="0">
-                <a:solidFill>
-                  <a:srgbClr val="C00000"/>
-                </a:solidFill>
-                <a:cs typeface="+mn-cs"/>
-                <a:sym typeface="+mn-ea"/>
-              </a:rPr>
-              <a:t>总结</a:t>
-            </a:r>
-            <a:endParaRPr lang="zh-CN" altLang="en-US" kern="0" dirty="0"/>
-          </a:p>
-        </p:txBody>
-      </p:sp>
-    </p:spTree>
-  </p:cSld>
-  <p:clrMapOvr>
-    <a:masterClrMapping/>
-  </p:clrMapOvr>
-  <p:timing>
-    <p:tnLst>
-      <p:par>
-        <p:cTn id="1" dur="indefinite" restart="never" nodeType="tmRoot"/>
-      </p:par>
-    </p:tnLst>
-  </p:timing>
-</p:sld>
-</file>
-
-<file path=ppt/slides/slide16.xml><?xml version="1.0" encoding="utf-8"?>
-<p:sld xmlns:a="http://schemas.openxmlformats.org/drawingml/2006/main" xmlns:r="http://schemas.openxmlformats.org/officeDocument/2006/relationships" xmlns:p="http://schemas.openxmlformats.org/presentationml/2006/main">
-  <p:cSld>
-    <p:spTree>
-      <p:nvGrpSpPr>
-        <p:cNvPr id="1" name=""/>
-        <p:cNvGrpSpPr/>
-        <p:nvPr/>
-      </p:nvGrpSpPr>
-      <p:grpSpPr>
-        <a:xfrm>
-          <a:off x="0" y="0"/>
-          <a:ext cx="0" cy="0"/>
-          <a:chOff x="0" y="0"/>
-          <a:chExt cx="0" cy="0"/>
-        </a:xfrm>
-      </p:grpSpPr>
-      <p:sp>
-        <p:nvSpPr>
           <p:cNvPr id="30722" name="内容占位符 1"/>
           <p:cNvSpPr>
             <a:spLocks noGrp="1"/>
@@ -7535,8 +7266,8 @@
         </p:nvSpPr>
         <p:spPr bwMode="auto">
           <a:xfrm>
-            <a:off x="947420" y="851535"/>
-            <a:ext cx="9940290" cy="5208905"/>
+            <a:off x="947420" y="923290"/>
+            <a:ext cx="9940290" cy="5010785"/>
           </a:xfrm>
           <a:noFill/>
           <a:extLst>
@@ -7577,345 +7308,57 @@
               <a:buChar char="•"/>
             </a:pPr>
             <a:r>
-              <a:rPr kumimoji="0" lang="zh-CN" altLang="en-US" dirty="0" smtClean="0">
+              <a:rPr kumimoji="0" lang="zh-CN" altLang="en-US" dirty="0">
                 <a:solidFill>
                   <a:schemeClr val="tx1"/>
                 </a:solidFill>
                 <a:sym typeface="+mn-ea"/>
               </a:rPr>
-              <a:t>函数对象的内部方法 </a:t>
-            </a:r>
-            <a:r>
-              <a:rPr kumimoji="0" lang="en-US" altLang="zh-CN" dirty="0" smtClean="0">
-                <a:solidFill>
-                  <a:schemeClr val="tx1"/>
+              <a:t>方法三：使用</a:t>
+            </a:r>
+            <a:r>
+              <a:rPr kumimoji="0" lang="en-US" altLang="zh-CN" dirty="0">
+                <a:solidFill>
+                  <a:srgbClr val="FF0000"/>
                 </a:solidFill>
                 <a:sym typeface="+mn-ea"/>
               </a:rPr>
-              <a:t>[[call]]</a:t>
-            </a:r>
-            <a:r>
-              <a:rPr kumimoji="0" lang="zh-CN" altLang="en-US" dirty="0" smtClean="0">
+              <a:t>Function.prototype.bind</a:t>
+            </a:r>
+            <a:r>
+              <a:rPr kumimoji="0" lang="zh-CN" altLang="en-US" dirty="0">
                 <a:solidFill>
                   <a:schemeClr val="tx1"/>
                 </a:solidFill>
                 <a:sym typeface="+mn-ea"/>
               </a:rPr>
-              <a:t/>
+              <a:t>，使</a:t>
+            </a:r>
+            <a:r>
+              <a:rPr kumimoji="0" lang="en-US" altLang="zh-CN" dirty="0">
+                <a:solidFill>
+                  <a:schemeClr val="tx1"/>
+                </a:solidFill>
+                <a:sym typeface="+mn-ea"/>
+              </a:rPr>
+              <a:t>this</a:t>
+            </a:r>
+            <a:r>
+              <a:rPr kumimoji="0" lang="zh-CN" altLang="en-US" dirty="0">
+                <a:solidFill>
+                  <a:schemeClr val="tx1"/>
+                </a:solidFill>
+                <a:sym typeface="+mn-ea"/>
+              </a:rPr>
+              <a:t>指向正确</a:t>
             </a:r>
             <a:br>
-              <a:rPr kumimoji="0" lang="zh-CN" altLang="en-US" dirty="0" smtClean="0">
-                <a:solidFill>
-                  <a:schemeClr val="tx1"/>
-                </a:solidFill>
-                <a:sym typeface="+mn-ea"/>
-              </a:rPr>
-            </a:br>
-            <a:r>
-              <a:rPr kumimoji="0" lang="en-US" altLang="zh-CN" sz="2000" dirty="0" smtClean="0">
-                <a:solidFill>
-                  <a:schemeClr val="tx1"/>
-                </a:solidFill>
-                <a:sym typeface="+mn-ea"/>
-              </a:rPr>
-              <a:t>- </a:t>
-            </a:r>
-            <a:r>
-              <a:rPr kumimoji="0" sz="2000" dirty="0" smtClean="0">
-                <a:solidFill>
-                  <a:schemeClr val="tx1"/>
-                </a:solidFill>
-                <a:sym typeface="+mn-ea"/>
-              </a:rPr>
-              <a:t>函数对象有一个叫[[Call]]内部方法，函数的执行其实是通过[[Call]]方法来执行的</a:t>
-            </a:r>
-            <a:r>
-              <a:rPr kumimoji="0" lang="zh-CN" altLang="en-US" sz="2000" dirty="0" smtClean="0">
-                <a:solidFill>
-                  <a:schemeClr val="tx1"/>
-                </a:solidFill>
-                <a:sym typeface="+mn-ea"/>
-              </a:rPr>
-              <a:t/>
-            </a:r>
-            <a:br>
-              <a:rPr kumimoji="0" lang="zh-CN" altLang="en-US" sz="2000" dirty="0" smtClean="0">
-                <a:solidFill>
-                  <a:schemeClr val="tx1"/>
-                </a:solidFill>
-                <a:sym typeface="+mn-ea"/>
-              </a:rPr>
-            </a:br>
-            <a:r>
-              <a:rPr kumimoji="0" lang="en-US" altLang="zh-CN" sz="2000" dirty="0" smtClean="0">
-                <a:solidFill>
-                  <a:schemeClr val="tx1"/>
-                </a:solidFill>
-                <a:sym typeface="+mn-ea"/>
-              </a:rPr>
-              <a:t>- </a:t>
-            </a:r>
-            <a:r>
-              <a:rPr kumimoji="0" sz="2000" dirty="0" smtClean="0">
-                <a:solidFill>
-                  <a:schemeClr val="tx1"/>
-                </a:solidFill>
-                <a:sym typeface="+mn-ea"/>
-              </a:rPr>
-              <a:t>[[Call]]方法接收两个参数thisArg和argumentList</a:t>
-            </a:r>
-            <a:br>
-              <a:rPr kumimoji="0" sz="2000" dirty="0" smtClean="0">
-                <a:solidFill>
-                  <a:schemeClr val="tx1"/>
-                </a:solidFill>
-                <a:sym typeface="+mn-ea"/>
-              </a:rPr>
-            </a:br>
-            <a:r>
-              <a:rPr kumimoji="0" lang="en-US" sz="2000" dirty="0" smtClean="0">
-                <a:solidFill>
-                  <a:schemeClr val="tx1"/>
-                </a:solidFill>
-                <a:sym typeface="+mn-ea"/>
-              </a:rPr>
-              <a:t>- thisArg和this的指向有直接关系，argumentList为函数的实参列表</a:t>
-            </a:r>
-          </a:p>
-          <a:p>
-            <a:pPr>
-              <a:lnSpc>
-                <a:spcPts val="3800"/>
-              </a:lnSpc>
-              <a:spcBef>
-                <a:spcPts val="600"/>
-              </a:spcBef>
-              <a:spcAft>
-                <a:spcPts val="600"/>
-              </a:spcAft>
-              <a:buFont typeface="Arial" panose="020B0604020202020204" pitchFamily="34" charset="0"/>
-              <a:buChar char="•"/>
-            </a:pPr>
-            <a:r>
-              <a:rPr kumimoji="0" lang="en-US" dirty="0" smtClean="0">
-                <a:solidFill>
-                  <a:schemeClr val="tx1"/>
-                </a:solidFill>
-                <a:sym typeface="+mn-ea"/>
-              </a:rPr>
-              <a:t>thisArg</a:t>
-            </a:r>
-            <a:r>
-              <a:rPr kumimoji="0" lang="zh-CN" altLang="en-US" dirty="0" smtClean="0">
-                <a:solidFill>
-                  <a:schemeClr val="tx1"/>
-                </a:solidFill>
-                <a:sym typeface="+mn-ea"/>
-              </a:rPr>
-              <a:t>与</a:t>
-            </a:r>
-            <a:r>
-              <a:rPr kumimoji="0" lang="en-US" altLang="zh-CN" dirty="0" smtClean="0">
-                <a:solidFill>
-                  <a:schemeClr val="tx1"/>
-                </a:solidFill>
-                <a:sym typeface="+mn-ea"/>
-              </a:rPr>
-              <a:t>4</a:t>
-            </a:r>
-            <a:r>
-              <a:rPr kumimoji="0" lang="zh-CN" altLang="en-US" dirty="0" smtClean="0">
-                <a:solidFill>
-                  <a:schemeClr val="tx1"/>
-                </a:solidFill>
-                <a:sym typeface="+mn-ea"/>
-              </a:rPr>
-              <a:t>种情况的对应关系</a:t>
-            </a:r>
-            <a:r>
-              <a:rPr kumimoji="0" lang="zh-CN" altLang="en-US" sz="2000" dirty="0" smtClean="0">
-                <a:solidFill>
-                  <a:schemeClr val="tx1"/>
-                </a:solidFill>
-                <a:sym typeface="+mn-ea"/>
-              </a:rPr>
-              <a:t/>
-            </a:r>
-            <a:br>
-              <a:rPr kumimoji="0" lang="zh-CN" altLang="en-US" sz="2000" dirty="0" smtClean="0">
-                <a:solidFill>
-                  <a:schemeClr val="tx1"/>
-                </a:solidFill>
-                <a:sym typeface="+mn-ea"/>
-              </a:rPr>
-            </a:br>
-            <a:r>
-              <a:rPr kumimoji="0" lang="en-US" altLang="zh-CN" sz="2000" dirty="0" smtClean="0">
-                <a:solidFill>
-                  <a:schemeClr val="tx1"/>
-                </a:solidFill>
-                <a:sym typeface="+mn-ea"/>
-              </a:rPr>
-              <a:t>- </a:t>
-            </a:r>
-            <a:r>
-              <a:rPr kumimoji="0" lang="zh-CN" altLang="en-US" sz="2000" dirty="0" smtClean="0">
-                <a:solidFill>
-                  <a:schemeClr val="tx1"/>
-                </a:solidFill>
-                <a:sym typeface="+mn-ea"/>
-              </a:rPr>
-              <a:t>普通方法调用thisArg为undefined。</a:t>
-            </a:r>
-            <a:br>
-              <a:rPr kumimoji="0" lang="zh-CN" altLang="en-US" sz="2000" dirty="0" smtClean="0">
-                <a:solidFill>
-                  <a:schemeClr val="tx1"/>
-                </a:solidFill>
-                <a:sym typeface="+mn-ea"/>
-              </a:rPr>
-            </a:br>
-            <a:r>
-              <a:rPr kumimoji="0" lang="en-US" altLang="zh-CN" sz="2000" dirty="0" smtClean="0">
-                <a:solidFill>
-                  <a:schemeClr val="tx1"/>
-                </a:solidFill>
-                <a:sym typeface="+mn-ea"/>
-              </a:rPr>
-              <a:t>- </a:t>
-            </a:r>
-            <a:r>
-              <a:rPr kumimoji="0" lang="en-US" altLang="zh-CN" sz="2000" dirty="0" smtClean="0">
-                <a:solidFill>
-                  <a:schemeClr val="tx1"/>
+              <a:rPr lang="zh-CN" altLang="en-US" dirty="0" smtClean="0">
+                <a:solidFill>
+                  <a:srgbClr val="000000"/>
                 </a:solidFill>
                 <a:latin typeface="微软雅黑" panose="020B0503020204020204" pitchFamily="34" charset="-122"/>
                 <a:ea typeface="微软雅黑" panose="020B0503020204020204" pitchFamily="34" charset="-122"/>
-                <a:sym typeface="+mn-ea"/>
-              </a:rPr>
-              <a:t>通过call或apply调用，thisArg既为第一个参数。</a:t>
-            </a:r>
-            <a:br>
-              <a:rPr kumimoji="0" lang="en-US" altLang="zh-CN" sz="2000" dirty="0" smtClean="0">
-                <a:solidFill>
-                  <a:schemeClr val="tx1"/>
-                </a:solidFill>
-                <a:latin typeface="微软雅黑" panose="020B0503020204020204" pitchFamily="34" charset="-122"/>
-                <a:ea typeface="微软雅黑" panose="020B0503020204020204" pitchFamily="34" charset="-122"/>
-                <a:sym typeface="+mn-ea"/>
-              </a:rPr>
-            </a:br>
-            <a:r>
-              <a:rPr kumimoji="0" lang="en-US" altLang="zh-CN" sz="2000" dirty="0" smtClean="0">
-                <a:solidFill>
-                  <a:schemeClr val="tx1"/>
-                </a:solidFill>
-                <a:latin typeface="微软雅黑" panose="020B0503020204020204" pitchFamily="34" charset="-122"/>
-                <a:ea typeface="微软雅黑" panose="020B0503020204020204" pitchFamily="34" charset="-122"/>
-                <a:sym typeface="+mn-ea"/>
-              </a:rPr>
-              <a:t>- 通过对象调用，thisArg指向该对象。</a:t>
-            </a:r>
-            <a:br>
-              <a:rPr kumimoji="0" lang="en-US" altLang="zh-CN" sz="2000" dirty="0" smtClean="0">
-                <a:solidFill>
-                  <a:schemeClr val="tx1"/>
-                </a:solidFill>
-                <a:latin typeface="微软雅黑" panose="020B0503020204020204" pitchFamily="34" charset="-122"/>
-                <a:ea typeface="微软雅黑" panose="020B0503020204020204" pitchFamily="34" charset="-122"/>
-                <a:sym typeface="+mn-ea"/>
-              </a:rPr>
-            </a:br>
-            <a:r>
-              <a:rPr kumimoji="0" lang="en-US" altLang="zh-CN" sz="2000" dirty="0" smtClean="0">
-                <a:solidFill>
-                  <a:schemeClr val="tx1"/>
-                </a:solidFill>
-                <a:latin typeface="微软雅黑" panose="020B0503020204020204" pitchFamily="34" charset="-122"/>
-                <a:ea typeface="微软雅黑" panose="020B0503020204020204" pitchFamily="34" charset="-122"/>
-                <a:sym typeface="+mn-ea"/>
-              </a:rPr>
-              <a:t>- 在构造方法中，thisArg为新构造的对象</a:t>
-            </a:r>
-          </a:p>
-          <a:p>
-            <a:pPr>
-              <a:lnSpc>
-                <a:spcPts val="3800"/>
-              </a:lnSpc>
-              <a:spcBef>
-                <a:spcPts val="600"/>
-              </a:spcBef>
-              <a:spcAft>
-                <a:spcPts val="600"/>
-              </a:spcAft>
-              <a:buFont typeface="Arial" panose="020B0604020202020204" pitchFamily="34" charset="0"/>
-              <a:buChar char="•"/>
-            </a:pPr>
-            <a:r>
-              <a:rPr lang="zh-CN" altLang="en-US" dirty="0" smtClean="0">
-                <a:solidFill>
-                  <a:srgbClr val="000000"/>
-                </a:solidFill>
-                <a:sym typeface="+mn-ea"/>
-              </a:rPr>
-              <a:t>总原则：</a:t>
-            </a:r>
-            <a:r>
-              <a:rPr lang="en-US" altLang="zh-CN" dirty="0" smtClean="0">
-                <a:solidFill>
-                  <a:srgbClr val="000000"/>
-                </a:solidFill>
-                <a:sym typeface="+mn-ea"/>
-              </a:rPr>
-              <a:t>this</a:t>
-            </a:r>
-            <a:r>
-              <a:rPr lang="zh-CN" altLang="en-US" dirty="0">
-                <a:solidFill>
-                  <a:srgbClr val="000000"/>
-                </a:solidFill>
-                <a:sym typeface="+mn-ea"/>
-              </a:rPr>
-              <a:t>指的</a:t>
-            </a:r>
-            <a:r>
-              <a:rPr lang="zh-CN" altLang="en-US" dirty="0" smtClean="0">
-                <a:solidFill>
-                  <a:srgbClr val="000000"/>
-                </a:solidFill>
-                <a:sym typeface="+mn-ea"/>
-              </a:rPr>
-              <a:t>是调用</a:t>
-            </a:r>
-            <a:r>
-              <a:rPr lang="zh-CN" altLang="en-US" dirty="0">
-                <a:solidFill>
-                  <a:srgbClr val="000000"/>
-                </a:solidFill>
-                <a:sym typeface="+mn-ea"/>
-              </a:rPr>
-              <a:t>函数的那个对象</a:t>
-            </a:r>
-            <a:r>
-              <a:rPr kumimoji="0" lang="en-US" altLang="zh-CN" dirty="0" smtClean="0">
-                <a:solidFill>
-                  <a:schemeClr val="tx1"/>
-                </a:solidFill>
-                <a:latin typeface="微软雅黑" panose="020B0503020204020204" pitchFamily="34" charset="-122"/>
-                <a:ea typeface="微软雅黑" panose="020B0503020204020204" pitchFamily="34" charset="-122"/>
-                <a:sym typeface="+mn-ea"/>
-              </a:rPr>
-              <a:t/>
-            </a:r>
-            <a:br>
-              <a:rPr kumimoji="0" lang="en-US" altLang="zh-CN" dirty="0" smtClean="0">
-                <a:solidFill>
-                  <a:schemeClr val="tx1"/>
-                </a:solidFill>
-                <a:latin typeface="微软雅黑" panose="020B0503020204020204" pitchFamily="34" charset="-122"/>
-                <a:ea typeface="微软雅黑" panose="020B0503020204020204" pitchFamily="34" charset="-122"/>
-                <a:sym typeface="+mn-ea"/>
               </a:rPr>
             </a:br>
             <a:endParaRPr kumimoji="0" lang="en-US" altLang="zh-CN" dirty="0" smtClean="0">
@@ -7941,8 +7384,8 @@
         </p:nvSpPr>
         <p:spPr>
           <a:xfrm>
-            <a:off x="947204" y="308698"/>
-            <a:ext cx="8191557" cy="490476"/>
+            <a:off x="947420" y="308610"/>
+            <a:ext cx="8482965" cy="490220"/>
           </a:xfrm>
         </p:spPr>
         <p:txBody>
@@ -7950,13 +7393,163 @@
           <a:lstStyle/>
           <a:p>
             <a:r>
+              <a:rPr kumimoji="0" lang="zh-CN" b="0" dirty="0">
+                <a:solidFill>
+                  <a:srgbClr val="C00000"/>
+                </a:solidFill>
+              </a:rPr>
+              <a:t>如何解决对象方法中嵌套函数的</a:t>
+            </a:r>
+            <a:r>
+              <a:rPr kumimoji="0" lang="en-US" altLang="zh-CN" b="0" dirty="0">
+                <a:solidFill>
+                  <a:srgbClr val="C00000"/>
+                </a:solidFill>
+              </a:rPr>
+              <a:t>this</a:t>
+            </a:r>
+            <a:r>
               <a:rPr kumimoji="0" lang="zh-CN" altLang="en-US" b="0" dirty="0">
                 <a:solidFill>
                   <a:srgbClr val="C00000"/>
                 </a:solidFill>
               </a:rPr>
-              <a:t>补充：JS this本质概述</a:t>
-            </a:r>
+              <a:t>指向问题</a:t>
+            </a:r>
+            <a:endParaRPr lang="zh-CN" altLang="en-US" dirty="0"/>
+          </a:p>
+        </p:txBody>
+      </p:sp>
+      <p:pic>
+        <p:nvPicPr>
+          <p:cNvPr id="10" name="图片 9" descr="C:\Users\qile\Desktop\222.png222"/>
+          <p:cNvPicPr>
+            <a:picLocks noChangeAspect="1"/>
+          </p:cNvPicPr>
+          <p:nvPr/>
+        </p:nvPicPr>
+        <p:blipFill>
+          <a:blip r:embed="rId1"/>
+          <a:srcRect/>
+          <a:stretch>
+            <a:fillRect/>
+          </a:stretch>
+        </p:blipFill>
+        <p:spPr>
+          <a:xfrm>
+            <a:off x="6096000" y="1878648"/>
+            <a:ext cx="4047490" cy="1188085"/>
+          </a:xfrm>
+          <a:prstGeom prst="rect">
+            <a:avLst/>
+          </a:prstGeom>
+        </p:spPr>
+      </p:pic>
+      <p:pic>
+        <p:nvPicPr>
+          <p:cNvPr id="12" name="图片 11" descr="C:\Users\qile\Desktop\111.png111"/>
+          <p:cNvPicPr>
+            <a:picLocks noChangeAspect="1"/>
+          </p:cNvPicPr>
+          <p:nvPr/>
+        </p:nvPicPr>
+        <p:blipFill>
+          <a:blip r:embed="rId2"/>
+          <a:srcRect/>
+          <a:stretch>
+            <a:fillRect/>
+          </a:stretch>
+        </p:blipFill>
+        <p:spPr>
+          <a:xfrm>
+            <a:off x="1264920" y="1564640"/>
+            <a:ext cx="4206875" cy="4461510"/>
+          </a:xfrm>
+          <a:prstGeom prst="rect">
+            <a:avLst/>
+          </a:prstGeom>
+        </p:spPr>
+      </p:pic>
+      <p:sp>
+        <p:nvSpPr>
+          <p:cNvPr id="4" name="文本框 3"/>
+          <p:cNvSpPr txBox="1"/>
+          <p:nvPr/>
+        </p:nvSpPr>
+        <p:spPr>
+          <a:xfrm>
+            <a:off x="5511800" y="6252210"/>
+            <a:ext cx="6290945" cy="429895"/>
+          </a:xfrm>
+          <a:prstGeom prst="rect">
+            <a:avLst/>
+          </a:prstGeom>
+          <a:noFill/>
+        </p:spPr>
+        <p:txBody>
+          <a:bodyPr wrap="square" rtlCol="0">
+            <a:spAutoFit/>
+          </a:bodyPr>
+          <a:lstStyle/>
+          <a:p>
+            <a:pPr algn="l"/>
+            <a:r>
+              <a:rPr lang="zh-CN" altLang="en-US" sz="2200">
+                <a:solidFill>
+                  <a:srgbClr val="FF0000"/>
+                </a:solidFill>
+                <a:latin typeface="+mn-ea"/>
+                <a:ea typeface="+mn-ea"/>
+              </a:rPr>
+              <a:t>参见实例</a:t>
+            </a:r>
+            <a:r>
+              <a:rPr lang="en-US" altLang="zh-CN" sz="2200">
+                <a:solidFill>
+                  <a:srgbClr val="FF0000"/>
+                </a:solidFill>
+                <a:latin typeface="+mn-ea"/>
+                <a:ea typeface="+mn-ea"/>
+              </a:rPr>
+              <a:t>demo06</a:t>
+            </a:r>
+            <a:r>
+              <a:rPr lang="zh-CN" altLang="en-US" sz="2200">
+                <a:solidFill>
+                  <a:srgbClr val="FF0000"/>
+                </a:solidFill>
+                <a:latin typeface="+mn-ea"/>
+                <a:ea typeface="+mn-ea"/>
+              </a:rPr>
+              <a:t>后半部分 </a:t>
+            </a:r>
+            <a:r>
+              <a:rPr lang="en-US" altLang="zh-CN" sz="2200">
+                <a:solidFill>
+                  <a:srgbClr val="FF0000"/>
+                </a:solidFill>
+                <a:latin typeface="+mn-ea"/>
+                <a:ea typeface="+mn-ea"/>
+              </a:rPr>
+              <a:t>this</a:t>
+            </a:r>
+            <a:r>
+              <a:rPr lang="zh-CN" altLang="en-US" sz="2200">
+                <a:solidFill>
+                  <a:srgbClr val="FF0000"/>
+                </a:solidFill>
+                <a:latin typeface="+mn-ea"/>
+                <a:ea typeface="+mn-ea"/>
+              </a:rPr>
+              <a:t>缺陷解决办法 </a:t>
+            </a:r>
+            <a:endParaRPr lang="zh-CN" altLang="en-US" sz="2200">
+              <a:solidFill>
+                <a:srgbClr val="FF0000"/>
+              </a:solidFill>
+              <a:latin typeface="+mn-ea"/>
+              <a:ea typeface="+mn-ea"/>
+            </a:endParaRPr>
           </a:p>
         </p:txBody>
       </p:sp>
@@ -8073,6 +7666,2058 @@
                             </p:childTnLst>
                           </p:cTn>
                         </p:par>
+                        <p:par>
+                          <p:cTn id="9" fill="hold">
+                            <p:stCondLst>
+                              <p:cond delay="500"/>
+                            </p:stCondLst>
+                            <p:childTnLst>
+                              <p:par>
+                                <p:cTn id="10" presetID="2" presetClass="entr" presetSubtype="4" fill="hold" nodeType="afterEffect">
+                                  <p:stCondLst>
+                                    <p:cond delay="0"/>
+                                  </p:stCondLst>
+                                  <p:childTnLst>
+                                    <p:set>
+                                      <p:cBhvr>
+                                        <p:cTn id="11" dur="1" fill="hold">
+                                          <p:stCondLst>
+                                            <p:cond delay="0"/>
+                                          </p:stCondLst>
+                                        </p:cTn>
+                                        <p:tgtEl>
+                                          <p:spTgt spid="12"/>
+                                        </p:tgtEl>
+                                        <p:attrNameLst>
+                                          <p:attrName>style.visibility</p:attrName>
+                                        </p:attrNameLst>
+                                      </p:cBhvr>
+                                      <p:to>
+                                        <p:strVal val="visible"/>
+                                      </p:to>
+                                    </p:set>
+                                    <p:anim calcmode="lin" valueType="num">
+                                      <p:cBhvr additive="base">
+                                        <p:cTn id="12" dur="500" fill="hold"/>
+                                        <p:tgtEl>
+                                          <p:spTgt spid="12"/>
+                                        </p:tgtEl>
+                                        <p:attrNameLst>
+                                          <p:attrName>ppt_x</p:attrName>
+                                        </p:attrNameLst>
+                                      </p:cBhvr>
+                                      <p:tavLst>
+                                        <p:tav tm="0">
+                                          <p:val>
+                                            <p:strVal val="#ppt_x"/>
+                                          </p:val>
+                                        </p:tav>
+                                        <p:tav tm="100000">
+                                          <p:val>
+                                            <p:strVal val="#ppt_x"/>
+                                          </p:val>
+                                        </p:tav>
+                                      </p:tavLst>
+                                    </p:anim>
+                                    <p:anim calcmode="lin" valueType="num">
+                                      <p:cBhvr additive="base">
+                                        <p:cTn id="13" dur="500" fill="hold"/>
+                                        <p:tgtEl>
+                                          <p:spTgt spid="12"/>
+                                        </p:tgtEl>
+                                        <p:attrNameLst>
+                                          <p:attrName>ppt_y</p:attrName>
+                                        </p:attrNameLst>
+                                      </p:cBhvr>
+                                      <p:tavLst>
+                                        <p:tav tm="0">
+                                          <p:val>
+                                            <p:strVal val="1+#ppt_h/2"/>
+                                          </p:val>
+                                        </p:tav>
+                                        <p:tav tm="100000">
+                                          <p:val>
+                                            <p:strVal val="#ppt_y"/>
+                                          </p:val>
+                                        </p:tav>
+                                      </p:tavLst>
+                                    </p:anim>
+                                  </p:childTnLst>
+                                </p:cTn>
+                              </p:par>
+                            </p:childTnLst>
+                          </p:cTn>
+                        </p:par>
+                      </p:childTnLst>
+                    </p:cTn>
+                  </p:par>
+                  <p:par>
+                    <p:cTn id="14" fill="hold">
+                      <p:stCondLst>
+                        <p:cond delay="indefinite"/>
+                      </p:stCondLst>
+                      <p:childTnLst>
+                        <p:par>
+                          <p:cTn id="15" fill="hold">
+                            <p:stCondLst>
+                              <p:cond delay="0"/>
+                            </p:stCondLst>
+                            <p:childTnLst>
+                              <p:par>
+                                <p:cTn id="16" presetID="2" presetClass="entr" presetSubtype="4" fill="hold" nodeType="clickEffect">
+                                  <p:stCondLst>
+                                    <p:cond delay="0"/>
+                                  </p:stCondLst>
+                                  <p:childTnLst>
+                                    <p:set>
+                                      <p:cBhvr>
+                                        <p:cTn id="17" dur="1" fill="hold">
+                                          <p:stCondLst>
+                                            <p:cond delay="0"/>
+                                          </p:stCondLst>
+                                        </p:cTn>
+                                        <p:tgtEl>
+                                          <p:spTgt spid="10"/>
+                                        </p:tgtEl>
+                                        <p:attrNameLst>
+                                          <p:attrName>style.visibility</p:attrName>
+                                        </p:attrNameLst>
+                                      </p:cBhvr>
+                                      <p:to>
+                                        <p:strVal val="visible"/>
+                                      </p:to>
+                                    </p:set>
+                                    <p:anim calcmode="lin" valueType="num">
+                                      <p:cBhvr additive="base">
+                                        <p:cTn id="18" dur="500" fill="hold"/>
+                                        <p:tgtEl>
+                                          <p:spTgt spid="10"/>
+                                        </p:tgtEl>
+                                        <p:attrNameLst>
+                                          <p:attrName>ppt_x</p:attrName>
+                                        </p:attrNameLst>
+                                      </p:cBhvr>
+                                      <p:tavLst>
+                                        <p:tav tm="0">
+                                          <p:val>
+                                            <p:strVal val="#ppt_x"/>
+                                          </p:val>
+                                        </p:tav>
+                                        <p:tav tm="100000">
+                                          <p:val>
+                                            <p:strVal val="#ppt_x"/>
+                                          </p:val>
+                                        </p:tav>
+                                      </p:tavLst>
+                                    </p:anim>
+                                    <p:anim calcmode="lin" valueType="num">
+                                      <p:cBhvr additive="base">
+                                        <p:cTn id="19" dur="500" fill="hold"/>
+                                        <p:tgtEl>
+                                          <p:spTgt spid="10"/>
+                                        </p:tgtEl>
+                                        <p:attrNameLst>
+                                          <p:attrName>ppt_y</p:attrName>
+                                        </p:attrNameLst>
+                                      </p:cBhvr>
+                                      <p:tavLst>
+                                        <p:tav tm="0">
+                                          <p:val>
+                                            <p:strVal val="1+#ppt_h/2"/>
+                                          </p:val>
+                                        </p:tav>
+                                        <p:tav tm="100000">
+                                          <p:val>
+                                            <p:strVal val="#ppt_y"/>
+                                          </p:val>
+                                        </p:tav>
+                                      </p:tavLst>
+                                    </p:anim>
+                                  </p:childTnLst>
+                                </p:cTn>
+                              </p:par>
+                            </p:childTnLst>
+                          </p:cTn>
+                        </p:par>
+                        <p:par>
+                          <p:cTn id="20" fill="hold">
+                            <p:stCondLst>
+                              <p:cond delay="500"/>
+                            </p:stCondLst>
+                            <p:childTnLst>
+                              <p:par>
+                                <p:cTn id="21" presetID="2" presetClass="entr" presetSubtype="4" fill="hold" grpId="0" nodeType="afterEffect">
+                                  <p:stCondLst>
+                                    <p:cond delay="0"/>
+                                  </p:stCondLst>
+                                  <p:childTnLst>
+                                    <p:set>
+                                      <p:cBhvr>
+                                        <p:cTn id="22" dur="1" fill="hold">
+                                          <p:stCondLst>
+                                            <p:cond delay="0"/>
+                                          </p:stCondLst>
+                                        </p:cTn>
+                                        <p:tgtEl>
+                                          <p:spTgt spid="4"/>
+                                        </p:tgtEl>
+                                        <p:attrNameLst>
+                                          <p:attrName>style.visibility</p:attrName>
+                                        </p:attrNameLst>
+                                      </p:cBhvr>
+                                      <p:to>
+                                        <p:strVal val="visible"/>
+                                      </p:to>
+                                    </p:set>
+                                    <p:anim calcmode="lin" valueType="num">
+                                      <p:cBhvr additive="base">
+                                        <p:cTn id="23" dur="500" fill="hold"/>
+                                        <p:tgtEl>
+                                          <p:spTgt spid="4"/>
+                                        </p:tgtEl>
+                                        <p:attrNameLst>
+                                          <p:attrName>ppt_x</p:attrName>
+                                        </p:attrNameLst>
+                                      </p:cBhvr>
+                                      <p:tavLst>
+                                        <p:tav tm="0">
+                                          <p:val>
+                                            <p:strVal val="#ppt_x"/>
+                                          </p:val>
+                                        </p:tav>
+                                        <p:tav tm="100000">
+                                          <p:val>
+                                            <p:strVal val="#ppt_x"/>
+                                          </p:val>
+                                        </p:tav>
+                                      </p:tavLst>
+                                    </p:anim>
+                                    <p:anim calcmode="lin" valueType="num">
+                                      <p:cBhvr additive="base">
+                                        <p:cTn id="24" dur="500" fill="hold"/>
+                                        <p:tgtEl>
+                                          <p:spTgt spid="4"/>
+                                        </p:tgtEl>
+                                        <p:attrNameLst>
+                                          <p:attrName>ppt_y</p:attrName>
+                                        </p:attrNameLst>
+                                      </p:cBhvr>
+                                      <p:tavLst>
+                                        <p:tav tm="0">
+                                          <p:val>
+                                            <p:strVal val="1+#ppt_h/2"/>
+                                          </p:val>
+                                        </p:tav>
+                                        <p:tav tm="100000">
+                                          <p:val>
+                                            <p:strVal val="#ppt_y"/>
+                                          </p:val>
+                                        </p:tav>
+                                      </p:tavLst>
+                                    </p:anim>
+                                  </p:childTnLst>
+                                </p:cTn>
+                              </p:par>
+                            </p:childTnLst>
+                          </p:cTn>
+                        </p:par>
+                      </p:childTnLst>
+                    </p:cTn>
+                  </p:par>
+                </p:childTnLst>
+              </p:cTn>
+              <p:prevCondLst>
+                <p:cond evt="onPrev" delay="0">
+                  <p:tgtEl>
+                    <p:sldTgt/>
+                  </p:tgtEl>
+                </p:cond>
+              </p:prevCondLst>
+              <p:nextCondLst>
+                <p:cond evt="onNext" delay="0">
+                  <p:tgtEl>
+                    <p:sldTgt/>
+                  </p:tgtEl>
+                </p:cond>
+              </p:nextCondLst>
+            </p:seq>
+          </p:childTnLst>
+        </p:cTn>
+      </p:par>
+    </p:tnLst>
+    <p:bldLst>
+      <p:bldP spid="4" grpId="0"/>
+    </p:bldLst>
+  </p:timing>
+</p:sld>
+</file>
+
+<file path=ppt/slides/slide16.xml><?xml version="1.0" encoding="utf-8"?>
+<p:sld xmlns:a="http://schemas.openxmlformats.org/drawingml/2006/main" xmlns:r="http://schemas.openxmlformats.org/officeDocument/2006/relationships" xmlns:p="http://schemas.openxmlformats.org/presentationml/2006/main">
+  <p:cSld>
+    <p:spTree>
+      <p:nvGrpSpPr>
+        <p:cNvPr id="1" name=""/>
+        <p:cNvGrpSpPr/>
+        <p:nvPr/>
+      </p:nvGrpSpPr>
+      <p:grpSpPr>
+        <a:xfrm>
+          <a:off x="0" y="0"/>
+          <a:ext cx="0" cy="0"/>
+          <a:chOff x="0" y="0"/>
+          <a:chExt cx="0" cy="0"/>
+        </a:xfrm>
+      </p:grpSpPr>
+      <p:sp>
+        <p:nvSpPr>
+          <p:cNvPr id="30722" name="内容占位符 1"/>
+          <p:cNvSpPr>
+            <a:spLocks noGrp="1"/>
+          </p:cNvSpPr>
+          <p:nvPr>
+            <p:ph sz="quarter" idx="10"/>
+          </p:nvPr>
+        </p:nvSpPr>
+        <p:spPr bwMode="auto">
+          <a:xfrm>
+            <a:off x="947420" y="923290"/>
+            <a:ext cx="9940290" cy="5010785"/>
+          </a:xfrm>
+          <a:noFill/>
+          <a:extLst>
+            <a:ext uri="{909E8E84-426E-40DD-AFC4-6F175D3DCCD1}">
+              <a14:hiddenFill xmlns:a14="http://schemas.microsoft.com/office/drawing/2010/main">
+                <a:solidFill>
+                  <a:srgbClr val="FFFFFF"/>
+                </a:solidFill>
+              </a14:hiddenFill>
+            </a:ext>
+            <a:ext uri="{91240B29-F687-4F45-9708-019B960494DF}">
+              <a14:hiddenLine xmlns:a14="http://schemas.microsoft.com/office/drawing/2010/main" w="9525">
+                <a:solidFill>
+                  <a:srgbClr val="000000"/>
+                </a:solidFill>
+                <a:miter lim="800000"/>
+                <a:headEnd/>
+                <a:tailEnd/>
+              </a14:hiddenLine>
+            </a:ext>
+          </a:extLst>
+        </p:spPr>
+        <p:txBody>
+          <a:bodyPr vert="horz" wrap="square" lIns="91440" tIns="45720" rIns="91440" bIns="45720" numCol="1" anchor="t" anchorCtr="0" compatLnSpc="1"/>
+          <a:lstStyle/>
+          <a:p>
+            <a:pPr>
+              <a:lnSpc>
+                <a:spcPts val="3800"/>
+              </a:lnSpc>
+              <a:spcBef>
+                <a:spcPts val="600"/>
+              </a:spcBef>
+              <a:spcAft>
+                <a:spcPts val="600"/>
+              </a:spcAft>
+              <a:buFont typeface="Arial" panose="020B0604020202020204" pitchFamily="34" charset="0"/>
+              <a:buChar char="•"/>
+            </a:pPr>
+            <a:r>
+              <a:rPr kumimoji="0" lang="zh-CN" dirty="0">
+                <a:solidFill>
+                  <a:schemeClr val="tx1"/>
+                </a:solidFill>
+                <a:sym typeface="+mn-ea"/>
+              </a:rPr>
+              <a:t>构造函数中的</a:t>
+            </a:r>
+            <a:r>
+              <a:rPr kumimoji="0" lang="en-US" altLang="zh-CN" dirty="0">
+                <a:solidFill>
+                  <a:schemeClr val="tx1"/>
+                </a:solidFill>
+                <a:sym typeface="+mn-ea"/>
+              </a:rPr>
+              <a:t>this</a:t>
+            </a:r>
+            <a:r>
+              <a:rPr kumimoji="0" lang="zh-CN" altLang="en-US" dirty="0">
+                <a:solidFill>
+                  <a:schemeClr val="tx1"/>
+                </a:solidFill>
+                <a:sym typeface="+mn-ea"/>
+              </a:rPr>
+              <a:t>同样存在函数嵌套缺陷，</a:t>
+            </a:r>
+            <a:r>
+              <a:rPr kumimoji="0" lang="zh-CN" altLang="en-US" dirty="0">
+                <a:solidFill>
+                  <a:schemeClr val="accent3"/>
+                </a:solidFill>
+                <a:sym typeface="+mn-ea"/>
+              </a:rPr>
+              <a:t>解决办法同上</a:t>
+            </a:r>
+            <a:br>
+              <a:rPr lang="zh-CN" altLang="en-US" dirty="0" smtClean="0">
+                <a:solidFill>
+                  <a:srgbClr val="000000"/>
+                </a:solidFill>
+                <a:latin typeface="微软雅黑" panose="020B0503020204020204" pitchFamily="34" charset="-122"/>
+                <a:ea typeface="微软雅黑" panose="020B0503020204020204" pitchFamily="34" charset="-122"/>
+              </a:rPr>
+            </a:br>
+            <a:endParaRPr kumimoji="0" lang="en-US" altLang="zh-CN" dirty="0" smtClean="0">
+              <a:solidFill>
+                <a:schemeClr val="tx1"/>
+              </a:solidFill>
+              <a:latin typeface="微软雅黑" panose="020B0503020204020204" pitchFamily="34" charset="-122"/>
+              <a:ea typeface="微软雅黑" panose="020B0503020204020204" pitchFamily="34" charset="-122"/>
+              <a:sym typeface="+mn-ea"/>
+            </a:endParaRPr>
+          </a:p>
+        </p:txBody>
+      </p:sp>
+      <p:sp>
+        <p:nvSpPr>
+          <p:cNvPr id="3" name="内容占位符 2"/>
+          <p:cNvSpPr>
+            <a:spLocks noGrp="1"/>
+          </p:cNvSpPr>
+          <p:nvPr>
+            <p:ph sz="quarter" idx="11"/>
+          </p:nvPr>
+        </p:nvSpPr>
+        <p:spPr>
+          <a:xfrm>
+            <a:off x="947420" y="308610"/>
+            <a:ext cx="8482965" cy="490220"/>
+          </a:xfrm>
+        </p:spPr>
+        <p:txBody>
+          <a:bodyPr/>
+          <a:lstStyle/>
+          <a:p>
+            <a:r>
+              <a:rPr kumimoji="0" lang="zh-CN" b="0" dirty="0">
+                <a:solidFill>
+                  <a:srgbClr val="C00000"/>
+                </a:solidFill>
+              </a:rPr>
+              <a:t>构造函数中的</a:t>
+            </a:r>
+            <a:r>
+              <a:rPr kumimoji="0" lang="en-US" altLang="zh-CN" b="0" dirty="0">
+                <a:solidFill>
+                  <a:srgbClr val="C00000"/>
+                </a:solidFill>
+              </a:rPr>
+              <a:t>this</a:t>
+            </a:r>
+            <a:r>
+              <a:rPr kumimoji="0" lang="zh-CN" altLang="en-US" b="0" dirty="0">
+                <a:solidFill>
+                  <a:srgbClr val="C00000"/>
+                </a:solidFill>
+                <a:sym typeface="+mn-ea"/>
+              </a:rPr>
+              <a:t>（有函数嵌套的情况下）</a:t>
+            </a:r>
+            <a:endParaRPr lang="zh-CN" altLang="en-US" dirty="0"/>
+          </a:p>
+        </p:txBody>
+      </p:sp>
+      <p:pic>
+        <p:nvPicPr>
+          <p:cNvPr id="2" name="图片 1" descr="O22MYX2@P$LL%TB0{TBZKP3"/>
+          <p:cNvPicPr>
+            <a:picLocks noChangeAspect="1"/>
+          </p:cNvPicPr>
+          <p:nvPr/>
+        </p:nvPicPr>
+        <p:blipFill>
+          <a:blip r:embed="rId1"/>
+          <a:srcRect l="5386"/>
+          <a:stretch>
+            <a:fillRect/>
+          </a:stretch>
+        </p:blipFill>
+        <p:spPr>
+          <a:xfrm>
+            <a:off x="1056640" y="1551940"/>
+            <a:ext cx="4660265" cy="4449445"/>
+          </a:xfrm>
+          <a:prstGeom prst="rect">
+            <a:avLst/>
+          </a:prstGeom>
+        </p:spPr>
+      </p:pic>
+      <p:pic>
+        <p:nvPicPr>
+          <p:cNvPr id="5" name="图片 4" descr="5DPHS5AA(Q@2}065VQ~FO5W"/>
+          <p:cNvPicPr>
+            <a:picLocks noChangeAspect="1"/>
+          </p:cNvPicPr>
+          <p:nvPr/>
+        </p:nvPicPr>
+        <p:blipFill>
+          <a:blip r:embed="rId2"/>
+          <a:srcRect l="4539"/>
+          <a:stretch>
+            <a:fillRect/>
+          </a:stretch>
+        </p:blipFill>
+        <p:spPr>
+          <a:xfrm>
+            <a:off x="5840095" y="1551940"/>
+            <a:ext cx="6076315" cy="4608830"/>
+          </a:xfrm>
+          <a:prstGeom prst="rect">
+            <a:avLst/>
+          </a:prstGeom>
+        </p:spPr>
+      </p:pic>
+      <p:sp>
+        <p:nvSpPr>
+          <p:cNvPr id="4" name="文本框 3"/>
+          <p:cNvSpPr txBox="1"/>
+          <p:nvPr/>
+        </p:nvSpPr>
+        <p:spPr>
+          <a:xfrm>
+            <a:off x="5511800" y="6252210"/>
+            <a:ext cx="6550025" cy="429895"/>
+          </a:xfrm>
+          <a:prstGeom prst="rect">
+            <a:avLst/>
+          </a:prstGeom>
+          <a:noFill/>
+        </p:spPr>
+        <p:txBody>
+          <a:bodyPr wrap="square" rtlCol="0">
+            <a:spAutoFit/>
+          </a:bodyPr>
+          <a:lstStyle/>
+          <a:p>
+            <a:pPr algn="l"/>
+            <a:r>
+              <a:rPr lang="zh-CN" altLang="en-US" sz="2200">
+                <a:solidFill>
+                  <a:srgbClr val="FF0000"/>
+                </a:solidFill>
+                <a:latin typeface="+mn-ea"/>
+                <a:ea typeface="+mn-ea"/>
+              </a:rPr>
+              <a:t>参见实例</a:t>
+            </a:r>
+            <a:r>
+              <a:rPr lang="en-US" altLang="zh-CN" sz="2200">
+                <a:solidFill>
+                  <a:srgbClr val="FF0000"/>
+                </a:solidFill>
+                <a:latin typeface="+mn-ea"/>
+                <a:ea typeface="+mn-ea"/>
+              </a:rPr>
+              <a:t>demo07</a:t>
+            </a:r>
+            <a:r>
+              <a:rPr lang="zh-CN" altLang="en-US" sz="2200">
+                <a:solidFill>
+                  <a:srgbClr val="FF0000"/>
+                </a:solidFill>
+                <a:latin typeface="+mn-ea"/>
+                <a:ea typeface="+mn-ea"/>
+              </a:rPr>
+              <a:t> 构造函数中的函数嵌套中的</a:t>
+            </a:r>
+            <a:r>
+              <a:rPr lang="en-US" altLang="zh-CN" sz="2200">
+                <a:solidFill>
+                  <a:srgbClr val="FF0000"/>
+                </a:solidFill>
+                <a:latin typeface="+mn-ea"/>
+                <a:ea typeface="+mn-ea"/>
+              </a:rPr>
+              <a:t>this</a:t>
+            </a:r>
+            <a:r>
+              <a:rPr lang="zh-CN" altLang="en-US" sz="2200">
+                <a:solidFill>
+                  <a:srgbClr val="FF0000"/>
+                </a:solidFill>
+                <a:latin typeface="+mn-ea"/>
+                <a:ea typeface="+mn-ea"/>
+              </a:rPr>
+              <a:t> </a:t>
+            </a:r>
+            <a:endParaRPr lang="zh-CN" altLang="en-US" sz="2200">
+              <a:solidFill>
+                <a:srgbClr val="FF0000"/>
+              </a:solidFill>
+              <a:latin typeface="+mn-ea"/>
+              <a:ea typeface="+mn-ea"/>
+            </a:endParaRPr>
+          </a:p>
+        </p:txBody>
+      </p:sp>
+    </p:spTree>
+  </p:cSld>
+  <p:clrMapOvr>
+    <a:masterClrMapping/>
+  </p:clrMapOvr>
+  <p:timing>
+    <p:tnLst>
+      <p:par>
+        <p:cTn id="1" dur="indefinite" restart="never" nodeType="tmRoot">
+          <p:childTnLst>
+            <p:seq concurrent="1" nextAc="seek">
+              <p:cTn id="2" dur="indefinite" nodeType="mainSeq">
+                <p:childTnLst>
+                  <p:par>
+                    <p:cTn id="3" fill="hold">
+                      <p:stCondLst>
+                        <p:cond delay="indefinite"/>
+                      </p:stCondLst>
+                      <p:childTnLst>
+                        <p:par>
+                          <p:cTn id="4" fill="hold">
+                            <p:stCondLst>
+                              <p:cond delay="0"/>
+                            </p:stCondLst>
+                            <p:childTnLst>
+                              <p:par>
+                                <p:cTn id="5" presetID="2" presetClass="entr" presetSubtype="4" fill="hold" nodeType="clickEffect">
+                                  <p:stCondLst>
+                                    <p:cond delay="0"/>
+                                  </p:stCondLst>
+                                  <p:childTnLst>
+                                    <p:set>
+                                      <p:cBhvr>
+                                        <p:cTn id="6" dur="1" fill="hold">
+                                          <p:stCondLst>
+                                            <p:cond delay="0"/>
+                                          </p:stCondLst>
+                                        </p:cTn>
+                                        <p:tgtEl>
+                                          <p:spTgt spid="30722">
+                                            <p:txEl>
+                                              <p:pRg st="0" end="0"/>
+                                            </p:txEl>
+                                          </p:spTgt>
+                                        </p:tgtEl>
+                                        <p:attrNameLst>
+                                          <p:attrName>style.visibility</p:attrName>
+                                        </p:attrNameLst>
+                                      </p:cBhvr>
+                                      <p:to>
+                                        <p:strVal val="visible"/>
+                                      </p:to>
+                                    </p:set>
+                                    <p:anim calcmode="lin" valueType="num">
+                                      <p:cBhvr additive="base">
+                                        <p:cTn id="7" dur="500" fill="hold"/>
+                                        <p:tgtEl>
+                                          <p:spTgt spid="30722">
+                                            <p:txEl>
+                                              <p:pRg st="0" end="0"/>
+                                            </p:txEl>
+                                          </p:spTgt>
+                                        </p:tgtEl>
+                                        <p:attrNameLst>
+                                          <p:attrName>ppt_x</p:attrName>
+                                        </p:attrNameLst>
+                                      </p:cBhvr>
+                                      <p:tavLst>
+                                        <p:tav tm="0">
+                                          <p:val>
+                                            <p:strVal val="#ppt_x"/>
+                                          </p:val>
+                                        </p:tav>
+                                        <p:tav tm="100000">
+                                          <p:val>
+                                            <p:strVal val="#ppt_x"/>
+                                          </p:val>
+                                        </p:tav>
+                                      </p:tavLst>
+                                    </p:anim>
+                                    <p:anim calcmode="lin" valueType="num">
+                                      <p:cBhvr additive="base">
+                                        <p:cTn id="8" dur="500" fill="hold"/>
+                                        <p:tgtEl>
+                                          <p:spTgt spid="30722">
+                                            <p:txEl>
+                                              <p:pRg st="0" end="0"/>
+                                            </p:txEl>
+                                          </p:spTgt>
+                                        </p:tgtEl>
+                                        <p:attrNameLst>
+                                          <p:attrName>ppt_y</p:attrName>
+                                        </p:attrNameLst>
+                                      </p:cBhvr>
+                                      <p:tavLst>
+                                        <p:tav tm="0">
+                                          <p:val>
+                                            <p:strVal val="1+#ppt_h/2"/>
+                                          </p:val>
+                                        </p:tav>
+                                        <p:tav tm="100000">
+                                          <p:val>
+                                            <p:strVal val="#ppt_y"/>
+                                          </p:val>
+                                        </p:tav>
+                                      </p:tavLst>
+                                    </p:anim>
+                                  </p:childTnLst>
+                                </p:cTn>
+                              </p:par>
+                            </p:childTnLst>
+                          </p:cTn>
+                        </p:par>
+                      </p:childTnLst>
+                    </p:cTn>
+                  </p:par>
+                  <p:par>
+                    <p:cTn id="9" fill="hold">
+                      <p:stCondLst>
+                        <p:cond delay="indefinite"/>
+                      </p:stCondLst>
+                      <p:childTnLst>
+                        <p:par>
+                          <p:cTn id="10" fill="hold">
+                            <p:stCondLst>
+                              <p:cond delay="0"/>
+                            </p:stCondLst>
+                            <p:childTnLst>
+                              <p:par>
+                                <p:cTn id="11" presetID="2" presetClass="entr" presetSubtype="4" fill="hold" nodeType="clickEffect">
+                                  <p:stCondLst>
+                                    <p:cond delay="0"/>
+                                  </p:stCondLst>
+                                  <p:childTnLst>
+                                    <p:set>
+                                      <p:cBhvr>
+                                        <p:cTn id="12" dur="1" fill="hold">
+                                          <p:stCondLst>
+                                            <p:cond delay="0"/>
+                                          </p:stCondLst>
+                                        </p:cTn>
+                                        <p:tgtEl>
+                                          <p:spTgt spid="2"/>
+                                        </p:tgtEl>
+                                        <p:attrNameLst>
+                                          <p:attrName>style.visibility</p:attrName>
+                                        </p:attrNameLst>
+                                      </p:cBhvr>
+                                      <p:to>
+                                        <p:strVal val="visible"/>
+                                      </p:to>
+                                    </p:set>
+                                    <p:anim calcmode="lin" valueType="num">
+                                      <p:cBhvr additive="base">
+                                        <p:cTn id="13" dur="500" fill="hold"/>
+                                        <p:tgtEl>
+                                          <p:spTgt spid="2"/>
+                                        </p:tgtEl>
+                                        <p:attrNameLst>
+                                          <p:attrName>ppt_x</p:attrName>
+                                        </p:attrNameLst>
+                                      </p:cBhvr>
+                                      <p:tavLst>
+                                        <p:tav tm="0">
+                                          <p:val>
+                                            <p:strVal val="#ppt_x"/>
+                                          </p:val>
+                                        </p:tav>
+                                        <p:tav tm="100000">
+                                          <p:val>
+                                            <p:strVal val="#ppt_x"/>
+                                          </p:val>
+                                        </p:tav>
+                                      </p:tavLst>
+                                    </p:anim>
+                                    <p:anim calcmode="lin" valueType="num">
+                                      <p:cBhvr additive="base">
+                                        <p:cTn id="14" dur="500" fill="hold"/>
+                                        <p:tgtEl>
+                                          <p:spTgt spid="2"/>
+                                        </p:tgtEl>
+                                        <p:attrNameLst>
+                                          <p:attrName>ppt_y</p:attrName>
+                                        </p:attrNameLst>
+                                      </p:cBhvr>
+                                      <p:tavLst>
+                                        <p:tav tm="0">
+                                          <p:val>
+                                            <p:strVal val="1+#ppt_h/2"/>
+                                          </p:val>
+                                        </p:tav>
+                                        <p:tav tm="100000">
+                                          <p:val>
+                                            <p:strVal val="#ppt_y"/>
+                                          </p:val>
+                                        </p:tav>
+                                      </p:tavLst>
+                                    </p:anim>
+                                  </p:childTnLst>
+                                </p:cTn>
+                              </p:par>
+                              <p:par>
+                                <p:cTn id="15" presetID="2" presetClass="entr" presetSubtype="4" fill="hold" nodeType="withEffect">
+                                  <p:stCondLst>
+                                    <p:cond delay="0"/>
+                                  </p:stCondLst>
+                                  <p:childTnLst>
+                                    <p:set>
+                                      <p:cBhvr>
+                                        <p:cTn id="16" dur="1" fill="hold">
+                                          <p:stCondLst>
+                                            <p:cond delay="0"/>
+                                          </p:stCondLst>
+                                        </p:cTn>
+                                        <p:tgtEl>
+                                          <p:spTgt spid="5"/>
+                                        </p:tgtEl>
+                                        <p:attrNameLst>
+                                          <p:attrName>style.visibility</p:attrName>
+                                        </p:attrNameLst>
+                                      </p:cBhvr>
+                                      <p:to>
+                                        <p:strVal val="visible"/>
+                                      </p:to>
+                                    </p:set>
+                                    <p:anim calcmode="lin" valueType="num">
+                                      <p:cBhvr additive="base">
+                                        <p:cTn id="17" dur="500" fill="hold"/>
+                                        <p:tgtEl>
+                                          <p:spTgt spid="5"/>
+                                        </p:tgtEl>
+                                        <p:attrNameLst>
+                                          <p:attrName>ppt_x</p:attrName>
+                                        </p:attrNameLst>
+                                      </p:cBhvr>
+                                      <p:tavLst>
+                                        <p:tav tm="0">
+                                          <p:val>
+                                            <p:strVal val="#ppt_x"/>
+                                          </p:val>
+                                        </p:tav>
+                                        <p:tav tm="100000">
+                                          <p:val>
+                                            <p:strVal val="#ppt_x"/>
+                                          </p:val>
+                                        </p:tav>
+                                      </p:tavLst>
+                                    </p:anim>
+                                    <p:anim calcmode="lin" valueType="num">
+                                      <p:cBhvr additive="base">
+                                        <p:cTn id="18" dur="500" fill="hold"/>
+                                        <p:tgtEl>
+                                          <p:spTgt spid="5"/>
+                                        </p:tgtEl>
+                                        <p:attrNameLst>
+                                          <p:attrName>ppt_y</p:attrName>
+                                        </p:attrNameLst>
+                                      </p:cBhvr>
+                                      <p:tavLst>
+                                        <p:tav tm="0">
+                                          <p:val>
+                                            <p:strVal val="1+#ppt_h/2"/>
+                                          </p:val>
+                                        </p:tav>
+                                        <p:tav tm="100000">
+                                          <p:val>
+                                            <p:strVal val="#ppt_y"/>
+                                          </p:val>
+                                        </p:tav>
+                                      </p:tavLst>
+                                    </p:anim>
+                                  </p:childTnLst>
+                                </p:cTn>
+                              </p:par>
+                            </p:childTnLst>
+                          </p:cTn>
+                        </p:par>
+                        <p:par>
+                          <p:cTn id="19" fill="hold">
+                            <p:stCondLst>
+                              <p:cond delay="500"/>
+                            </p:stCondLst>
+                            <p:childTnLst>
+                              <p:par>
+                                <p:cTn id="20" presetID="2" presetClass="entr" presetSubtype="4" fill="hold" grpId="0" nodeType="afterEffect">
+                                  <p:stCondLst>
+                                    <p:cond delay="0"/>
+                                  </p:stCondLst>
+                                  <p:childTnLst>
+                                    <p:set>
+                                      <p:cBhvr>
+                                        <p:cTn id="21" dur="1" fill="hold">
+                                          <p:stCondLst>
+                                            <p:cond delay="0"/>
+                                          </p:stCondLst>
+                                        </p:cTn>
+                                        <p:tgtEl>
+                                          <p:spTgt spid="4"/>
+                                        </p:tgtEl>
+                                        <p:attrNameLst>
+                                          <p:attrName>style.visibility</p:attrName>
+                                        </p:attrNameLst>
+                                      </p:cBhvr>
+                                      <p:to>
+                                        <p:strVal val="visible"/>
+                                      </p:to>
+                                    </p:set>
+                                    <p:anim calcmode="lin" valueType="num">
+                                      <p:cBhvr additive="base">
+                                        <p:cTn id="22" dur="500" fill="hold"/>
+                                        <p:tgtEl>
+                                          <p:spTgt spid="4"/>
+                                        </p:tgtEl>
+                                        <p:attrNameLst>
+                                          <p:attrName>ppt_x</p:attrName>
+                                        </p:attrNameLst>
+                                      </p:cBhvr>
+                                      <p:tavLst>
+                                        <p:tav tm="0">
+                                          <p:val>
+                                            <p:strVal val="#ppt_x"/>
+                                          </p:val>
+                                        </p:tav>
+                                        <p:tav tm="100000">
+                                          <p:val>
+                                            <p:strVal val="#ppt_x"/>
+                                          </p:val>
+                                        </p:tav>
+                                      </p:tavLst>
+                                    </p:anim>
+                                    <p:anim calcmode="lin" valueType="num">
+                                      <p:cBhvr additive="base">
+                                        <p:cTn id="23" dur="500" fill="hold"/>
+                                        <p:tgtEl>
+                                          <p:spTgt spid="4"/>
+                                        </p:tgtEl>
+                                        <p:attrNameLst>
+                                          <p:attrName>ppt_y</p:attrName>
+                                        </p:attrNameLst>
+                                      </p:cBhvr>
+                                      <p:tavLst>
+                                        <p:tav tm="0">
+                                          <p:val>
+                                            <p:strVal val="1+#ppt_h/2"/>
+                                          </p:val>
+                                        </p:tav>
+                                        <p:tav tm="100000">
+                                          <p:val>
+                                            <p:strVal val="#ppt_y"/>
+                                          </p:val>
+                                        </p:tav>
+                                      </p:tavLst>
+                                    </p:anim>
+                                  </p:childTnLst>
+                                </p:cTn>
+                              </p:par>
+                            </p:childTnLst>
+                          </p:cTn>
+                        </p:par>
+                      </p:childTnLst>
+                    </p:cTn>
+                  </p:par>
+                </p:childTnLst>
+              </p:cTn>
+              <p:prevCondLst>
+                <p:cond evt="onPrev" delay="0">
+                  <p:tgtEl>
+                    <p:sldTgt/>
+                  </p:tgtEl>
+                </p:cond>
+              </p:prevCondLst>
+              <p:nextCondLst>
+                <p:cond evt="onNext" delay="0">
+                  <p:tgtEl>
+                    <p:sldTgt/>
+                  </p:tgtEl>
+                </p:cond>
+              </p:nextCondLst>
+            </p:seq>
+          </p:childTnLst>
+        </p:cTn>
+      </p:par>
+    </p:tnLst>
+    <p:bldLst>
+      <p:bldP spid="4" grpId="0"/>
+    </p:bldLst>
+  </p:timing>
+</p:sld>
+</file>
+
+<file path=ppt/slides/slide17.xml><?xml version="1.0" encoding="utf-8"?>
+<p:sld xmlns:a="http://schemas.openxmlformats.org/drawingml/2006/main" xmlns:r="http://schemas.openxmlformats.org/officeDocument/2006/relationships" xmlns:p="http://schemas.openxmlformats.org/presentationml/2006/main">
+  <p:cSld>
+    <p:spTree>
+      <p:nvGrpSpPr>
+        <p:cNvPr id="1" name=""/>
+        <p:cNvGrpSpPr/>
+        <p:nvPr/>
+      </p:nvGrpSpPr>
+      <p:grpSpPr>
+        <a:xfrm>
+          <a:off x="0" y="0"/>
+          <a:ext cx="0" cy="0"/>
+          <a:chOff x="0" y="0"/>
+          <a:chExt cx="0" cy="0"/>
+        </a:xfrm>
+      </p:grpSpPr>
+      <p:sp>
+        <p:nvSpPr>
+          <p:cNvPr id="5123" name="AutoShape 6"/>
+          <p:cNvSpPr>
+            <a:spLocks noChangeArrowheads="1"/>
+          </p:cNvSpPr>
+          <p:nvPr/>
+        </p:nvSpPr>
+        <p:spPr bwMode="auto">
+          <a:xfrm>
+            <a:off x="2566988" y="1339851"/>
+            <a:ext cx="6711950" cy="4214813"/>
+          </a:xfrm>
+          <a:prstGeom prst="roundRect">
+            <a:avLst>
+              <a:gd name="adj" fmla="val 16667"/>
+            </a:avLst>
+          </a:prstGeom>
+          <a:noFill/>
+          <a:ln w="28575">
+            <a:solidFill>
+              <a:srgbClr val="C0C0C0"/>
+            </a:solidFill>
+            <a:prstDash val="sysDot"/>
+            <a:round/>
+          </a:ln>
+          <a:extLst>
+            <a:ext uri="{909E8E84-426E-40DD-AFC4-6F175D3DCCD1}">
+              <a14:hiddenFill xmlns:a14="http://schemas.microsoft.com/office/drawing/2010/main">
+                <a:solidFill>
+                  <a:srgbClr val="FFFFFF"/>
+                </a:solidFill>
+              </a14:hiddenFill>
+            </a:ext>
+          </a:extLst>
+        </p:spPr>
+        <p:txBody>
+          <a:bodyPr wrap="none" anchor="ctr"/>
+          <a:lstStyle>
+            <a:lvl1pPr marL="457200" indent="-457200">
+              <a:defRPr sz="3200">
+                <a:solidFill>
+                  <a:schemeClr val="tx1"/>
+                </a:solidFill>
+                <a:latin typeface="Arial" panose="020B0604020202020204" pitchFamily="34" charset="0"/>
+                <a:ea typeface="微软雅黑" panose="020B0503020204020204" pitchFamily="34" charset="-122"/>
+              </a:defRPr>
+            </a:lvl1pPr>
+            <a:lvl2pPr marL="742950" indent="-285750">
+              <a:defRPr sz="3200">
+                <a:solidFill>
+                  <a:schemeClr val="tx1"/>
+                </a:solidFill>
+                <a:latin typeface="Arial" panose="020B0604020202020204" pitchFamily="34" charset="0"/>
+                <a:ea typeface="微软雅黑" panose="020B0503020204020204" pitchFamily="34" charset="-122"/>
+              </a:defRPr>
+            </a:lvl2pPr>
+            <a:lvl3pPr marL="1143000" indent="-228600">
+              <a:defRPr sz="3200">
+                <a:solidFill>
+                  <a:schemeClr val="tx1"/>
+                </a:solidFill>
+                <a:latin typeface="Arial" panose="020B0604020202020204" pitchFamily="34" charset="0"/>
+                <a:ea typeface="微软雅黑" panose="020B0503020204020204" pitchFamily="34" charset="-122"/>
+              </a:defRPr>
+            </a:lvl3pPr>
+            <a:lvl4pPr marL="1600200" indent="-228600">
+              <a:defRPr sz="3200">
+                <a:solidFill>
+                  <a:schemeClr val="tx1"/>
+                </a:solidFill>
+                <a:latin typeface="Arial" panose="020B0604020202020204" pitchFamily="34" charset="0"/>
+                <a:ea typeface="微软雅黑" panose="020B0503020204020204" pitchFamily="34" charset="-122"/>
+              </a:defRPr>
+            </a:lvl4pPr>
+            <a:lvl5pPr marL="2057400" indent="-228600">
+              <a:defRPr sz="3200">
+                <a:solidFill>
+                  <a:schemeClr val="tx1"/>
+                </a:solidFill>
+                <a:latin typeface="Arial" panose="020B0604020202020204" pitchFamily="34" charset="0"/>
+                <a:ea typeface="微软雅黑" panose="020B0503020204020204" pitchFamily="34" charset="-122"/>
+              </a:defRPr>
+            </a:lvl5pPr>
+            <a:lvl6pPr marL="2514600" indent="-228600" eaLnBrk="0" fontAlgn="base" hangingPunct="0">
+              <a:spcBef>
+                <a:spcPct val="0"/>
+              </a:spcBef>
+              <a:spcAft>
+                <a:spcPct val="0"/>
+              </a:spcAft>
+              <a:defRPr sz="3200">
+                <a:solidFill>
+                  <a:schemeClr val="tx1"/>
+                </a:solidFill>
+                <a:latin typeface="Arial" panose="020B0604020202020204" pitchFamily="34" charset="0"/>
+                <a:ea typeface="微软雅黑" panose="020B0503020204020204" pitchFamily="34" charset="-122"/>
+              </a:defRPr>
+            </a:lvl6pPr>
+            <a:lvl7pPr marL="2971800" indent="-228600" eaLnBrk="0" fontAlgn="base" hangingPunct="0">
+              <a:spcBef>
+                <a:spcPct val="0"/>
+              </a:spcBef>
+              <a:spcAft>
+                <a:spcPct val="0"/>
+              </a:spcAft>
+              <a:defRPr sz="3200">
+                <a:solidFill>
+                  <a:schemeClr val="tx1"/>
+                </a:solidFill>
+                <a:latin typeface="Arial" panose="020B0604020202020204" pitchFamily="34" charset="0"/>
+                <a:ea typeface="微软雅黑" panose="020B0503020204020204" pitchFamily="34" charset="-122"/>
+              </a:defRPr>
+            </a:lvl7pPr>
+            <a:lvl8pPr marL="3429000" indent="-228600" eaLnBrk="0" fontAlgn="base" hangingPunct="0">
+              <a:spcBef>
+                <a:spcPct val="0"/>
+              </a:spcBef>
+              <a:spcAft>
+                <a:spcPct val="0"/>
+              </a:spcAft>
+              <a:defRPr sz="3200">
+                <a:solidFill>
+                  <a:schemeClr val="tx1"/>
+                </a:solidFill>
+                <a:latin typeface="Arial" panose="020B0604020202020204" pitchFamily="34" charset="0"/>
+                <a:ea typeface="微软雅黑" panose="020B0503020204020204" pitchFamily="34" charset="-122"/>
+              </a:defRPr>
+            </a:lvl8pPr>
+            <a:lvl9pPr marL="3886200" indent="-228600" eaLnBrk="0" fontAlgn="base" hangingPunct="0">
+              <a:spcBef>
+                <a:spcPct val="0"/>
+              </a:spcBef>
+              <a:spcAft>
+                <a:spcPct val="0"/>
+              </a:spcAft>
+              <a:defRPr sz="3200">
+                <a:solidFill>
+                  <a:schemeClr val="tx1"/>
+                </a:solidFill>
+                <a:latin typeface="Arial" panose="020B0604020202020204" pitchFamily="34" charset="0"/>
+                <a:ea typeface="微软雅黑" panose="020B0503020204020204" pitchFamily="34" charset="-122"/>
+              </a:defRPr>
+            </a:lvl9pPr>
+          </a:lstStyle>
+          <a:p>
+            <a:pPr algn="l">
+              <a:lnSpc>
+                <a:spcPct val="150000"/>
+              </a:lnSpc>
+              <a:spcBef>
+                <a:spcPts val="1200"/>
+              </a:spcBef>
+              <a:spcAft>
+                <a:spcPts val="1200"/>
+              </a:spcAft>
+              <a:buClr>
+                <a:srgbClr val="92D050"/>
+              </a:buClr>
+              <a:buFont typeface="Wingdings" panose="05000000000000000000" pitchFamily="2" charset="2"/>
+              <a:buChar char="Ø"/>
+            </a:pPr>
+            <a:r>
+              <a:rPr lang="en-US" altLang="zh-CN" sz="2800" b="1">
+                <a:solidFill>
+                  <a:schemeClr val="tx1"/>
+                </a:solidFill>
+              </a:rPr>
+              <a:t>JS this</a:t>
+            </a:r>
+            <a:r>
+              <a:rPr lang="zh-CN" altLang="en-US" sz="2800" b="1">
+                <a:solidFill>
+                  <a:schemeClr val="tx1"/>
+                </a:solidFill>
+              </a:rPr>
+              <a:t>简介及特点</a:t>
+            </a:r>
+            <a:endParaRPr lang="zh-CN" altLang="en-US" sz="2800" b="1">
+              <a:solidFill>
+                <a:schemeClr val="tx1"/>
+              </a:solidFill>
+            </a:endParaRPr>
+          </a:p>
+          <a:p>
+            <a:pPr algn="l">
+              <a:lnSpc>
+                <a:spcPct val="150000"/>
+              </a:lnSpc>
+              <a:spcBef>
+                <a:spcPts val="1200"/>
+              </a:spcBef>
+              <a:spcAft>
+                <a:spcPts val="1200"/>
+              </a:spcAft>
+              <a:buClr>
+                <a:srgbClr val="92D050"/>
+              </a:buClr>
+              <a:buFont typeface="Wingdings" panose="05000000000000000000" pitchFamily="2" charset="2"/>
+              <a:buChar char="Ø"/>
+            </a:pPr>
+            <a:r>
+              <a:rPr lang="en-US" altLang="zh-CN" sz="2800" b="1">
+                <a:solidFill>
+                  <a:schemeClr val="tx1"/>
+                </a:solidFill>
+                <a:sym typeface="+mn-ea"/>
+              </a:rPr>
+              <a:t>JS this</a:t>
+            </a:r>
+            <a:r>
+              <a:rPr lang="zh-CN" altLang="en-US" sz="2800" b="1">
+                <a:solidFill>
+                  <a:schemeClr val="tx1"/>
+                </a:solidFill>
+                <a:sym typeface="+mn-ea"/>
+              </a:rPr>
+              <a:t>四种应用场景</a:t>
+            </a:r>
+            <a:endParaRPr lang="zh-CN" altLang="en-US" sz="2800" b="1">
+              <a:solidFill>
+                <a:schemeClr val="tx1"/>
+              </a:solidFill>
+              <a:sym typeface="+mn-ea"/>
+            </a:endParaRPr>
+          </a:p>
+          <a:p>
+            <a:pPr algn="l">
+              <a:lnSpc>
+                <a:spcPct val="150000"/>
+              </a:lnSpc>
+              <a:spcBef>
+                <a:spcPts val="1200"/>
+              </a:spcBef>
+              <a:spcAft>
+                <a:spcPts val="1200"/>
+              </a:spcAft>
+              <a:buClr>
+                <a:srgbClr val="92D050"/>
+              </a:buClr>
+              <a:buFont typeface="Wingdings" panose="05000000000000000000" pitchFamily="2" charset="2"/>
+              <a:buChar char="Ø"/>
+            </a:pPr>
+            <a:r>
+              <a:rPr lang="en-US" altLang="zh-CN" sz="2800" b="1">
+                <a:solidFill>
+                  <a:schemeClr val="tx1"/>
+                </a:solidFill>
+                <a:sym typeface="+mn-ea"/>
+              </a:rPr>
+              <a:t>JS this</a:t>
+            </a:r>
+            <a:r>
+              <a:rPr lang="zh-CN" altLang="en-US" sz="2800" b="1">
+                <a:solidFill>
+                  <a:schemeClr val="tx1"/>
+                </a:solidFill>
+                <a:sym typeface="+mn-ea"/>
+              </a:rPr>
+              <a:t>缺陷和解决方法</a:t>
+            </a:r>
+            <a:endParaRPr lang="zh-CN" altLang="en-US" sz="2800" b="1">
+              <a:solidFill>
+                <a:schemeClr val="tx1"/>
+              </a:solidFill>
+              <a:sym typeface="+mn-ea"/>
+            </a:endParaRPr>
+          </a:p>
+        </p:txBody>
+      </p:sp>
+      <p:sp>
+        <p:nvSpPr>
+          <p:cNvPr id="4" name="内容占位符 3"/>
+          <p:cNvSpPr txBox="1"/>
+          <p:nvPr/>
+        </p:nvSpPr>
+        <p:spPr>
+          <a:xfrm>
+            <a:off x="981657" y="236943"/>
+            <a:ext cx="8191557" cy="490476"/>
+          </a:xfrm>
+          <a:prstGeom prst="rect">
+            <a:avLst/>
+          </a:prstGeom>
+        </p:spPr>
+        <p:txBody>
+          <a:bodyPr/>
+          <a:lstStyle>
+            <a:lvl1pPr marL="167005" indent="-167005" algn="l" defTabSz="0" rtl="0" eaLnBrk="0" fontAlgn="base" hangingPunct="0">
+              <a:spcBef>
+                <a:spcPct val="0"/>
+              </a:spcBef>
+              <a:spcAft>
+                <a:spcPct val="15000"/>
+              </a:spcAft>
+              <a:buClr>
+                <a:schemeClr val="tx2"/>
+              </a:buClr>
+              <a:buFont typeface="Arial" panose="020B0604020202020204" pitchFamily="34" charset="0"/>
+              <a:buChar char="•"/>
+              <a:defRPr kumimoji="1" sz="1600">
+                <a:solidFill>
+                  <a:srgbClr val="006F53"/>
+                </a:solidFill>
+                <a:latin typeface="微软雅黑" panose="020B0503020204020204" pitchFamily="34" charset="-122"/>
+                <a:ea typeface="微软雅黑" panose="020B0503020204020204" pitchFamily="34" charset="-122"/>
+                <a:cs typeface="微软雅黑" panose="020B0503020204020204" pitchFamily="34" charset="-122"/>
+              </a:defRPr>
+            </a:lvl1pPr>
+            <a:lvl2pPr marL="398780" indent="-230505" algn="l" defTabSz="0" rtl="0" eaLnBrk="0" fontAlgn="base" hangingPunct="0">
+              <a:spcBef>
+                <a:spcPct val="0"/>
+              </a:spcBef>
+              <a:spcAft>
+                <a:spcPct val="15000"/>
+              </a:spcAft>
+              <a:buClr>
+                <a:schemeClr val="tx2"/>
+              </a:buClr>
+              <a:buFont typeface="Arial" panose="020B0604020202020204" pitchFamily="34" charset="0"/>
+              <a:buChar char="–"/>
+              <a:defRPr kumimoji="1" sz="2800">
+                <a:solidFill>
+                  <a:schemeClr val="bg2"/>
+                </a:solidFill>
+                <a:latin typeface="微软雅黑" panose="020B0503020204020204" pitchFamily="34" charset="-122"/>
+                <a:ea typeface="微软雅黑" panose="020B0503020204020204" pitchFamily="34" charset="-122"/>
+                <a:cs typeface="微软雅黑" panose="020B0503020204020204" pitchFamily="34" charset="-122"/>
+              </a:defRPr>
+            </a:lvl2pPr>
+            <a:lvl3pPr marL="400050" indent="182880" algn="l" defTabSz="0" rtl="0" eaLnBrk="0" fontAlgn="base" hangingPunct="0">
+              <a:spcBef>
+                <a:spcPct val="0"/>
+              </a:spcBef>
+              <a:spcAft>
+                <a:spcPct val="15000"/>
+              </a:spcAft>
+              <a:buClr>
+                <a:schemeClr val="tx2"/>
+              </a:buClr>
+              <a:buFont typeface="Arial" panose="020B0604020202020204" pitchFamily="34" charset="0"/>
+              <a:buChar char="•"/>
+              <a:defRPr kumimoji="1" sz="1600">
+                <a:solidFill>
+                  <a:schemeClr val="bg2"/>
+                </a:solidFill>
+                <a:latin typeface="微软雅黑" panose="020B0503020204020204" pitchFamily="34" charset="-122"/>
+                <a:ea typeface="微软雅黑" panose="020B0503020204020204" pitchFamily="34" charset="-122"/>
+                <a:cs typeface="微软雅黑" panose="020B0503020204020204" pitchFamily="34" charset="-122"/>
+              </a:defRPr>
+            </a:lvl3pPr>
+            <a:lvl4pPr marL="825500" indent="-241300" algn="l" defTabSz="0" rtl="0" eaLnBrk="0" fontAlgn="base" hangingPunct="0">
+              <a:spcBef>
+                <a:spcPct val="0"/>
+              </a:spcBef>
+              <a:spcAft>
+                <a:spcPct val="15000"/>
+              </a:spcAft>
+              <a:buClr>
+                <a:schemeClr val="tx2"/>
+              </a:buClr>
+              <a:buFont typeface="Arial" panose="020B0604020202020204" pitchFamily="34" charset="0"/>
+              <a:buChar char="–"/>
+              <a:defRPr kumimoji="1" sz="1600">
+                <a:solidFill>
+                  <a:schemeClr val="bg2"/>
+                </a:solidFill>
+                <a:latin typeface="微软雅黑" panose="020B0503020204020204" pitchFamily="34" charset="-122"/>
+                <a:ea typeface="微软雅黑" panose="020B0503020204020204" pitchFamily="34" charset="-122"/>
+                <a:cs typeface="微软雅黑" panose="020B0503020204020204" pitchFamily="34" charset="-122"/>
+              </a:defRPr>
+            </a:lvl4pPr>
+            <a:lvl5pPr marL="2057400" indent="-228600" algn="l" defTabSz="0" rtl="0" eaLnBrk="0" fontAlgn="base" hangingPunct="0">
+              <a:spcBef>
+                <a:spcPct val="0"/>
+              </a:spcBef>
+              <a:spcAft>
+                <a:spcPct val="25000"/>
+              </a:spcAft>
+              <a:buClr>
+                <a:schemeClr val="tx2"/>
+              </a:buClr>
+              <a:buFont typeface="Arial" panose="020B0604020202020204" pitchFamily="34" charset="0"/>
+              <a:buChar char="–"/>
+              <a:defRPr kumimoji="1" sz="2000">
+                <a:solidFill>
+                  <a:schemeClr val="tx1"/>
+                </a:solidFill>
+                <a:latin typeface="+mn-lt"/>
+                <a:ea typeface="微软雅黑" panose="020B0503020204020204" pitchFamily="34" charset="-122"/>
+                <a:cs typeface="微软雅黑" panose="020B0503020204020204" pitchFamily="34" charset="-122"/>
+              </a:defRPr>
+            </a:lvl5pPr>
+            <a:lvl6pPr marL="2514600" indent="-228600" algn="l" defTabSz="0" rtl="0" eaLnBrk="0" fontAlgn="base" hangingPunct="0">
+              <a:spcBef>
+                <a:spcPct val="0"/>
+              </a:spcBef>
+              <a:spcAft>
+                <a:spcPct val="25000"/>
+              </a:spcAft>
+              <a:buClr>
+                <a:schemeClr val="tx2"/>
+              </a:buClr>
+              <a:buFont typeface="Arial" panose="020B0604020202020204" pitchFamily="34" charset="0"/>
+              <a:buChar char="–"/>
+              <a:defRPr>
+                <a:solidFill>
+                  <a:schemeClr val="tx1"/>
+                </a:solidFill>
+                <a:latin typeface="+mn-lt"/>
+              </a:defRPr>
+            </a:lvl6pPr>
+            <a:lvl7pPr marL="2971800" indent="-228600" algn="l" defTabSz="0" rtl="0" eaLnBrk="0" fontAlgn="base" hangingPunct="0">
+              <a:spcBef>
+                <a:spcPct val="0"/>
+              </a:spcBef>
+              <a:spcAft>
+                <a:spcPct val="25000"/>
+              </a:spcAft>
+              <a:buClr>
+                <a:schemeClr val="tx2"/>
+              </a:buClr>
+              <a:buFont typeface="Arial" panose="020B0604020202020204" pitchFamily="34" charset="0"/>
+              <a:buChar char="–"/>
+              <a:defRPr>
+                <a:solidFill>
+                  <a:schemeClr val="tx1"/>
+                </a:solidFill>
+                <a:latin typeface="+mn-lt"/>
+              </a:defRPr>
+            </a:lvl7pPr>
+            <a:lvl8pPr marL="3429000" indent="-228600" algn="l" defTabSz="0" rtl="0" eaLnBrk="0" fontAlgn="base" hangingPunct="0">
+              <a:spcBef>
+                <a:spcPct val="0"/>
+              </a:spcBef>
+              <a:spcAft>
+                <a:spcPct val="25000"/>
+              </a:spcAft>
+              <a:buClr>
+                <a:schemeClr val="tx2"/>
+              </a:buClr>
+              <a:buFont typeface="Arial" panose="020B0604020202020204" pitchFamily="34" charset="0"/>
+              <a:buChar char="–"/>
+              <a:defRPr>
+                <a:solidFill>
+                  <a:schemeClr val="tx1"/>
+                </a:solidFill>
+                <a:latin typeface="+mn-lt"/>
+              </a:defRPr>
+            </a:lvl8pPr>
+            <a:lvl9pPr marL="3886200" indent="-228600" algn="l" defTabSz="0" rtl="0" eaLnBrk="0" fontAlgn="base" hangingPunct="0">
+              <a:spcBef>
+                <a:spcPct val="0"/>
+              </a:spcBef>
+              <a:spcAft>
+                <a:spcPct val="25000"/>
+              </a:spcAft>
+              <a:buClr>
+                <a:schemeClr val="tx2"/>
+              </a:buClr>
+              <a:buFont typeface="Arial" panose="020B0604020202020204" pitchFamily="34" charset="0"/>
+              <a:buChar char="–"/>
+              <a:defRPr>
+                <a:solidFill>
+                  <a:schemeClr val="tx1"/>
+                </a:solidFill>
+                <a:latin typeface="+mn-lt"/>
+              </a:defRPr>
+            </a:lvl9pPr>
+          </a:lstStyle>
+          <a:p>
+            <a:pPr marL="0" indent="0">
+              <a:buNone/>
+            </a:pPr>
+            <a:r>
+              <a:rPr lang="zh-CN" altLang="en-US" sz="3200" dirty="0" smtClean="0">
+                <a:solidFill>
+                  <a:srgbClr val="C00000"/>
+                </a:solidFill>
+                <a:cs typeface="+mn-cs"/>
+                <a:sym typeface="+mn-ea"/>
+              </a:rPr>
+              <a:t>总结</a:t>
+            </a:r>
+            <a:endParaRPr lang="zh-CN" altLang="en-US" kern="0" dirty="0"/>
+          </a:p>
+        </p:txBody>
+      </p:sp>
+    </p:spTree>
+  </p:cSld>
+  <p:clrMapOvr>
+    <a:masterClrMapping/>
+  </p:clrMapOvr>
+  <p:timing>
+    <p:tnLst>
+      <p:par>
+        <p:cTn id="1" dur="indefinite" restart="never" nodeType="tmRoot"/>
+      </p:par>
+    </p:tnLst>
+  </p:timing>
+</p:sld>
+</file>
+
+<file path=ppt/slides/slide18.xml><?xml version="1.0" encoding="utf-8"?>
+<p:sld xmlns:a="http://schemas.openxmlformats.org/drawingml/2006/main" xmlns:r="http://schemas.openxmlformats.org/officeDocument/2006/relationships" xmlns:p="http://schemas.openxmlformats.org/presentationml/2006/main">
+  <p:cSld>
+    <p:spTree>
+      <p:nvGrpSpPr>
+        <p:cNvPr id="1" name=""/>
+        <p:cNvGrpSpPr/>
+        <p:nvPr/>
+      </p:nvGrpSpPr>
+      <p:grpSpPr>
+        <a:xfrm>
+          <a:off x="0" y="0"/>
+          <a:ext cx="0" cy="0"/>
+          <a:chOff x="0" y="0"/>
+          <a:chExt cx="0" cy="0"/>
+        </a:xfrm>
+      </p:grpSpPr>
+      <p:sp>
+        <p:nvSpPr>
+          <p:cNvPr id="30722" name="内容占位符 1"/>
+          <p:cNvSpPr>
+            <a:spLocks noGrp="1"/>
+          </p:cNvSpPr>
+          <p:nvPr>
+            <p:ph sz="quarter" idx="10"/>
+          </p:nvPr>
+        </p:nvSpPr>
+        <p:spPr bwMode="auto">
+          <a:xfrm>
+            <a:off x="947420" y="851535"/>
+            <a:ext cx="9940290" cy="5208905"/>
+          </a:xfrm>
+          <a:noFill/>
+          <a:extLst>
+            <a:ext uri="{909E8E84-426E-40DD-AFC4-6F175D3DCCD1}">
+              <a14:hiddenFill xmlns:a14="http://schemas.microsoft.com/office/drawing/2010/main">
+                <a:solidFill>
+                  <a:srgbClr val="FFFFFF"/>
+                </a:solidFill>
+              </a14:hiddenFill>
+            </a:ext>
+            <a:ext uri="{91240B29-F687-4F45-9708-019B960494DF}">
+              <a14:hiddenLine xmlns:a14="http://schemas.microsoft.com/office/drawing/2010/main" w="9525">
+                <a:solidFill>
+                  <a:srgbClr val="000000"/>
+                </a:solidFill>
+                <a:miter lim="800000"/>
+                <a:headEnd/>
+                <a:tailEnd/>
+              </a14:hiddenLine>
+            </a:ext>
+          </a:extLst>
+        </p:spPr>
+        <p:txBody>
+          <a:bodyPr vert="horz" wrap="square" lIns="91440" tIns="45720" rIns="91440" bIns="45720" numCol="1" anchor="t" anchorCtr="0" compatLnSpc="1"/>
+          <a:lstStyle/>
+          <a:p>
+            <a:pPr>
+              <a:lnSpc>
+                <a:spcPts val="3800"/>
+              </a:lnSpc>
+              <a:spcBef>
+                <a:spcPts val="600"/>
+              </a:spcBef>
+              <a:spcAft>
+                <a:spcPts val="600"/>
+              </a:spcAft>
+              <a:buFont typeface="Arial" panose="020B0604020202020204" pitchFamily="34" charset="0"/>
+              <a:buChar char="•"/>
+            </a:pPr>
+            <a:r>
+              <a:rPr kumimoji="0" lang="zh-CN" altLang="en-US" dirty="0" smtClean="0">
+                <a:solidFill>
+                  <a:schemeClr val="tx1"/>
+                </a:solidFill>
+                <a:sym typeface="+mn-ea"/>
+              </a:rPr>
+              <a:t>函数对象的内部方法 </a:t>
+            </a:r>
+            <a:r>
+              <a:rPr kumimoji="0" lang="en-US" altLang="zh-CN" dirty="0" smtClean="0">
+                <a:solidFill>
+                  <a:schemeClr val="tx1"/>
+                </a:solidFill>
+                <a:sym typeface="+mn-ea"/>
+              </a:rPr>
+              <a:t>[[call]]</a:t>
+            </a:r>
+            <a:br>
+              <a:rPr kumimoji="0" lang="zh-CN" altLang="en-US" dirty="0" smtClean="0">
+                <a:solidFill>
+                  <a:schemeClr val="tx1"/>
+                </a:solidFill>
+                <a:sym typeface="+mn-ea"/>
+              </a:rPr>
+            </a:br>
+            <a:r>
+              <a:rPr kumimoji="0" lang="en-US" altLang="zh-CN" sz="2000" dirty="0" smtClean="0">
+                <a:solidFill>
+                  <a:schemeClr val="tx1"/>
+                </a:solidFill>
+                <a:sym typeface="+mn-ea"/>
+              </a:rPr>
+              <a:t>- </a:t>
+            </a:r>
+            <a:r>
+              <a:rPr kumimoji="0" sz="2000" dirty="0" smtClean="0">
+                <a:solidFill>
+                  <a:schemeClr val="tx1"/>
+                </a:solidFill>
+                <a:sym typeface="+mn-ea"/>
+              </a:rPr>
+              <a:t>函数对象有一个叫[[Call]]内部方法，函数的执行其实是通过[[Call]]方法来执行的</a:t>
+            </a:r>
+            <a:br>
+              <a:rPr kumimoji="0" lang="zh-CN" altLang="en-US" sz="2000" dirty="0" smtClean="0">
+                <a:solidFill>
+                  <a:schemeClr val="tx1"/>
+                </a:solidFill>
+                <a:sym typeface="+mn-ea"/>
+              </a:rPr>
+            </a:br>
+            <a:r>
+              <a:rPr kumimoji="0" lang="en-US" altLang="zh-CN" sz="2000" dirty="0" smtClean="0">
+                <a:solidFill>
+                  <a:schemeClr val="tx1"/>
+                </a:solidFill>
+                <a:sym typeface="+mn-ea"/>
+              </a:rPr>
+              <a:t>- </a:t>
+            </a:r>
+            <a:r>
+              <a:rPr kumimoji="0" sz="2000" dirty="0" smtClean="0">
+                <a:solidFill>
+                  <a:schemeClr val="tx1"/>
+                </a:solidFill>
+                <a:sym typeface="+mn-ea"/>
+              </a:rPr>
+              <a:t>[[Call]]方法接收两个参数thisArg和argumentList</a:t>
+            </a:r>
+            <a:br>
+              <a:rPr kumimoji="0" sz="2000" dirty="0" smtClean="0">
+                <a:solidFill>
+                  <a:schemeClr val="tx1"/>
+                </a:solidFill>
+                <a:sym typeface="+mn-ea"/>
+              </a:rPr>
+            </a:br>
+            <a:r>
+              <a:rPr kumimoji="0" lang="en-US" sz="2000" dirty="0" smtClean="0">
+                <a:solidFill>
+                  <a:schemeClr val="tx1"/>
+                </a:solidFill>
+                <a:sym typeface="+mn-ea"/>
+              </a:rPr>
+              <a:t>- thisArg和this的指向有直接关系，argumentList为函数的实参列表</a:t>
+            </a:r>
+            <a:endParaRPr kumimoji="0" lang="en-US" sz="2000" dirty="0" smtClean="0">
+              <a:solidFill>
+                <a:schemeClr val="tx1"/>
+              </a:solidFill>
+              <a:sym typeface="+mn-ea"/>
+            </a:endParaRPr>
+          </a:p>
+          <a:p>
+            <a:pPr>
+              <a:lnSpc>
+                <a:spcPts val="3800"/>
+              </a:lnSpc>
+              <a:spcBef>
+                <a:spcPts val="600"/>
+              </a:spcBef>
+              <a:spcAft>
+                <a:spcPts val="600"/>
+              </a:spcAft>
+              <a:buFont typeface="Arial" panose="020B0604020202020204" pitchFamily="34" charset="0"/>
+              <a:buChar char="•"/>
+            </a:pPr>
+            <a:r>
+              <a:rPr kumimoji="0" lang="en-US" dirty="0" smtClean="0">
+                <a:solidFill>
+                  <a:schemeClr val="tx1"/>
+                </a:solidFill>
+                <a:sym typeface="+mn-ea"/>
+              </a:rPr>
+              <a:t>thisArg</a:t>
+            </a:r>
+            <a:r>
+              <a:rPr kumimoji="0" lang="zh-CN" altLang="en-US" dirty="0" smtClean="0">
+                <a:solidFill>
+                  <a:schemeClr val="tx1"/>
+                </a:solidFill>
+                <a:sym typeface="+mn-ea"/>
+              </a:rPr>
+              <a:t>与</a:t>
+            </a:r>
+            <a:r>
+              <a:rPr kumimoji="0" lang="en-US" altLang="zh-CN" dirty="0" smtClean="0">
+                <a:solidFill>
+                  <a:schemeClr val="tx1"/>
+                </a:solidFill>
+                <a:sym typeface="+mn-ea"/>
+              </a:rPr>
+              <a:t>4</a:t>
+            </a:r>
+            <a:r>
+              <a:rPr kumimoji="0" lang="zh-CN" altLang="en-US" dirty="0" smtClean="0">
+                <a:solidFill>
+                  <a:schemeClr val="tx1"/>
+                </a:solidFill>
+                <a:sym typeface="+mn-ea"/>
+              </a:rPr>
+              <a:t>种情况的对应关系</a:t>
+            </a:r>
+            <a:br>
+              <a:rPr kumimoji="0" lang="zh-CN" altLang="en-US" sz="2000" dirty="0" smtClean="0">
+                <a:solidFill>
+                  <a:schemeClr val="tx1"/>
+                </a:solidFill>
+                <a:sym typeface="+mn-ea"/>
+              </a:rPr>
+            </a:br>
+            <a:r>
+              <a:rPr kumimoji="0" lang="en-US" altLang="zh-CN" sz="2000" dirty="0" smtClean="0">
+                <a:solidFill>
+                  <a:schemeClr val="tx1"/>
+                </a:solidFill>
+                <a:sym typeface="+mn-ea"/>
+              </a:rPr>
+              <a:t>- </a:t>
+            </a:r>
+            <a:r>
+              <a:rPr kumimoji="0" lang="zh-CN" altLang="en-US" sz="2000" dirty="0" smtClean="0">
+                <a:solidFill>
+                  <a:schemeClr val="tx1"/>
+                </a:solidFill>
+                <a:sym typeface="+mn-ea"/>
+              </a:rPr>
+              <a:t>普通方法调用thisArg为undefined。</a:t>
+            </a:r>
+            <a:br>
+              <a:rPr kumimoji="0" lang="zh-CN" altLang="en-US" sz="2000" dirty="0" smtClean="0">
+                <a:solidFill>
+                  <a:schemeClr val="tx1"/>
+                </a:solidFill>
+                <a:sym typeface="+mn-ea"/>
+              </a:rPr>
+            </a:br>
+            <a:r>
+              <a:rPr kumimoji="0" lang="en-US" altLang="zh-CN" sz="2000" dirty="0" smtClean="0">
+                <a:solidFill>
+                  <a:schemeClr val="tx1"/>
+                </a:solidFill>
+                <a:sym typeface="+mn-ea"/>
+              </a:rPr>
+              <a:t>- </a:t>
+            </a:r>
+            <a:r>
+              <a:rPr kumimoji="0" lang="en-US" altLang="zh-CN" sz="2000" dirty="0" smtClean="0">
+                <a:solidFill>
+                  <a:schemeClr val="tx1"/>
+                </a:solidFill>
+                <a:latin typeface="微软雅黑" panose="020B0503020204020204" pitchFamily="34" charset="-122"/>
+                <a:ea typeface="微软雅黑" panose="020B0503020204020204" pitchFamily="34" charset="-122"/>
+                <a:sym typeface="+mn-ea"/>
+              </a:rPr>
+              <a:t>通过call或apply调用，thisArg既为第一个参数。</a:t>
+            </a:r>
+            <a:br>
+              <a:rPr kumimoji="0" lang="en-US" altLang="zh-CN" sz="2000" dirty="0" smtClean="0">
+                <a:solidFill>
+                  <a:schemeClr val="tx1"/>
+                </a:solidFill>
+                <a:latin typeface="微软雅黑" panose="020B0503020204020204" pitchFamily="34" charset="-122"/>
+                <a:ea typeface="微软雅黑" panose="020B0503020204020204" pitchFamily="34" charset="-122"/>
+                <a:sym typeface="+mn-ea"/>
+              </a:rPr>
+            </a:br>
+            <a:r>
+              <a:rPr kumimoji="0" lang="en-US" altLang="zh-CN" sz="2000" dirty="0" smtClean="0">
+                <a:solidFill>
+                  <a:schemeClr val="tx1"/>
+                </a:solidFill>
+                <a:latin typeface="微软雅黑" panose="020B0503020204020204" pitchFamily="34" charset="-122"/>
+                <a:ea typeface="微软雅黑" panose="020B0503020204020204" pitchFamily="34" charset="-122"/>
+                <a:sym typeface="+mn-ea"/>
+              </a:rPr>
+              <a:t>- 通过对象调用，thisArg指向该对象。</a:t>
+            </a:r>
+            <a:br>
+              <a:rPr kumimoji="0" lang="en-US" altLang="zh-CN" sz="2000" dirty="0" smtClean="0">
+                <a:solidFill>
+                  <a:schemeClr val="tx1"/>
+                </a:solidFill>
+                <a:latin typeface="微软雅黑" panose="020B0503020204020204" pitchFamily="34" charset="-122"/>
+                <a:ea typeface="微软雅黑" panose="020B0503020204020204" pitchFamily="34" charset="-122"/>
+                <a:sym typeface="+mn-ea"/>
+              </a:rPr>
+            </a:br>
+            <a:r>
+              <a:rPr kumimoji="0" lang="en-US" altLang="zh-CN" sz="2000" dirty="0" smtClean="0">
+                <a:solidFill>
+                  <a:schemeClr val="tx1"/>
+                </a:solidFill>
+                <a:latin typeface="微软雅黑" panose="020B0503020204020204" pitchFamily="34" charset="-122"/>
+                <a:ea typeface="微软雅黑" panose="020B0503020204020204" pitchFamily="34" charset="-122"/>
+                <a:sym typeface="+mn-ea"/>
+              </a:rPr>
+              <a:t>- 在构造方法中，thisArg为新构造的对象</a:t>
+            </a:r>
+            <a:endParaRPr kumimoji="0" lang="en-US" altLang="zh-CN" sz="2000" dirty="0" smtClean="0">
+              <a:solidFill>
+                <a:schemeClr val="tx1"/>
+              </a:solidFill>
+              <a:latin typeface="微软雅黑" panose="020B0503020204020204" pitchFamily="34" charset="-122"/>
+              <a:ea typeface="微软雅黑" panose="020B0503020204020204" pitchFamily="34" charset="-122"/>
+              <a:sym typeface="+mn-ea"/>
+            </a:endParaRPr>
+          </a:p>
+          <a:p>
+            <a:pPr>
+              <a:lnSpc>
+                <a:spcPts val="3800"/>
+              </a:lnSpc>
+              <a:spcBef>
+                <a:spcPts val="600"/>
+              </a:spcBef>
+              <a:spcAft>
+                <a:spcPts val="600"/>
+              </a:spcAft>
+              <a:buFont typeface="Arial" panose="020B0604020202020204" pitchFamily="34" charset="0"/>
+              <a:buChar char="•"/>
+            </a:pPr>
+            <a:r>
+              <a:rPr lang="zh-CN" altLang="en-US" dirty="0" smtClean="0">
+                <a:solidFill>
+                  <a:srgbClr val="000000"/>
+                </a:solidFill>
+                <a:sym typeface="+mn-ea"/>
+              </a:rPr>
+              <a:t>总原则：</a:t>
+            </a:r>
+            <a:r>
+              <a:rPr lang="en-US" altLang="zh-CN" dirty="0" smtClean="0">
+                <a:solidFill>
+                  <a:srgbClr val="000000"/>
+                </a:solidFill>
+                <a:sym typeface="+mn-ea"/>
+              </a:rPr>
+              <a:t>this</a:t>
+            </a:r>
+            <a:r>
+              <a:rPr lang="zh-CN" altLang="en-US" dirty="0">
+                <a:solidFill>
+                  <a:srgbClr val="000000"/>
+                </a:solidFill>
+                <a:sym typeface="+mn-ea"/>
+              </a:rPr>
+              <a:t>指的</a:t>
+            </a:r>
+            <a:r>
+              <a:rPr lang="zh-CN" altLang="en-US" dirty="0" smtClean="0">
+                <a:solidFill>
+                  <a:srgbClr val="000000"/>
+                </a:solidFill>
+                <a:sym typeface="+mn-ea"/>
+              </a:rPr>
+              <a:t>是调用</a:t>
+            </a:r>
+            <a:r>
+              <a:rPr lang="zh-CN" altLang="en-US" dirty="0">
+                <a:solidFill>
+                  <a:srgbClr val="000000"/>
+                </a:solidFill>
+                <a:sym typeface="+mn-ea"/>
+              </a:rPr>
+              <a:t>函数的那个主体</a:t>
+            </a:r>
+            <a:br>
+              <a:rPr kumimoji="0" lang="en-US" altLang="zh-CN" dirty="0" smtClean="0">
+                <a:solidFill>
+                  <a:schemeClr val="tx1"/>
+                </a:solidFill>
+                <a:latin typeface="微软雅黑" panose="020B0503020204020204" pitchFamily="34" charset="-122"/>
+                <a:ea typeface="微软雅黑" panose="020B0503020204020204" pitchFamily="34" charset="-122"/>
+                <a:sym typeface="+mn-ea"/>
+              </a:rPr>
+            </a:br>
+            <a:endParaRPr kumimoji="0" lang="en-US" altLang="zh-CN" dirty="0" smtClean="0">
+              <a:solidFill>
+                <a:schemeClr val="tx1"/>
+              </a:solidFill>
+              <a:latin typeface="微软雅黑" panose="020B0503020204020204" pitchFamily="34" charset="-122"/>
+              <a:ea typeface="微软雅黑" panose="020B0503020204020204" pitchFamily="34" charset="-122"/>
+              <a:sym typeface="+mn-ea"/>
+            </a:endParaRPr>
+          </a:p>
+        </p:txBody>
+      </p:sp>
+      <p:sp>
+        <p:nvSpPr>
+          <p:cNvPr id="3" name="内容占位符 2"/>
+          <p:cNvSpPr>
+            <a:spLocks noGrp="1"/>
+          </p:cNvSpPr>
+          <p:nvPr>
+            <p:ph sz="quarter" idx="11"/>
+          </p:nvPr>
+        </p:nvSpPr>
+        <p:spPr>
+          <a:xfrm>
+            <a:off x="947204" y="308698"/>
+            <a:ext cx="8191557" cy="490476"/>
+          </a:xfrm>
+        </p:spPr>
+        <p:txBody>
+          <a:bodyPr/>
+          <a:lstStyle/>
+          <a:p>
+            <a:r>
+              <a:rPr kumimoji="0" lang="zh-CN" altLang="en-US" b="0" dirty="0">
+                <a:solidFill>
+                  <a:srgbClr val="C00000"/>
+                </a:solidFill>
+              </a:rPr>
+              <a:t>补充：JS this本质概述</a:t>
+            </a:r>
+            <a:endParaRPr kumimoji="0" lang="zh-CN" altLang="en-US" b="0" dirty="0">
+              <a:solidFill>
+                <a:srgbClr val="C00000"/>
+              </a:solidFill>
+            </a:endParaRPr>
+          </a:p>
+        </p:txBody>
+      </p:sp>
+    </p:spTree>
+  </p:cSld>
+  <p:clrMapOvr>
+    <a:masterClrMapping/>
+  </p:clrMapOvr>
+  <p:timing>
+    <p:tnLst>
+      <p:par>
+        <p:cTn id="1" dur="indefinite" restart="never" nodeType="tmRoot">
+          <p:childTnLst>
+            <p:seq concurrent="1" nextAc="seek">
+              <p:cTn id="2" dur="indefinite" nodeType="mainSeq">
+                <p:childTnLst>
+                  <p:par>
+                    <p:cTn id="3" fill="hold">
+                      <p:stCondLst>
+                        <p:cond delay="indefinite"/>
+                      </p:stCondLst>
+                      <p:childTnLst>
+                        <p:par>
+                          <p:cTn id="4" fill="hold">
+                            <p:stCondLst>
+                              <p:cond delay="0"/>
+                            </p:stCondLst>
+                            <p:childTnLst>
+                              <p:par>
+                                <p:cTn id="5" presetID="2" presetClass="entr" presetSubtype="4" fill="hold" nodeType="clickEffect">
+                                  <p:stCondLst>
+                                    <p:cond delay="0"/>
+                                  </p:stCondLst>
+                                  <p:childTnLst>
+                                    <p:set>
+                                      <p:cBhvr>
+                                        <p:cTn id="6" dur="1" fill="hold">
+                                          <p:stCondLst>
+                                            <p:cond delay="0"/>
+                                          </p:stCondLst>
+                                        </p:cTn>
+                                        <p:tgtEl>
+                                          <p:spTgt spid="30722">
+                                            <p:txEl>
+                                              <p:pRg st="0" end="0"/>
+                                            </p:txEl>
+                                          </p:spTgt>
+                                        </p:tgtEl>
+                                        <p:attrNameLst>
+                                          <p:attrName>style.visibility</p:attrName>
+                                        </p:attrNameLst>
+                                      </p:cBhvr>
+                                      <p:to>
+                                        <p:strVal val="visible"/>
+                                      </p:to>
+                                    </p:set>
+                                    <p:anim calcmode="lin" valueType="num">
+                                      <p:cBhvr additive="base">
+                                        <p:cTn id="7" dur="500" fill="hold"/>
+                                        <p:tgtEl>
+                                          <p:spTgt spid="30722">
+                                            <p:txEl>
+                                              <p:pRg st="0" end="0"/>
+                                            </p:txEl>
+                                          </p:spTgt>
+                                        </p:tgtEl>
+                                        <p:attrNameLst>
+                                          <p:attrName>ppt_x</p:attrName>
+                                        </p:attrNameLst>
+                                      </p:cBhvr>
+                                      <p:tavLst>
+                                        <p:tav tm="0">
+                                          <p:val>
+                                            <p:strVal val="#ppt_x"/>
+                                          </p:val>
+                                        </p:tav>
+                                        <p:tav tm="100000">
+                                          <p:val>
+                                            <p:strVal val="#ppt_x"/>
+                                          </p:val>
+                                        </p:tav>
+                                      </p:tavLst>
+                                    </p:anim>
+                                    <p:anim calcmode="lin" valueType="num">
+                                      <p:cBhvr additive="base">
+                                        <p:cTn id="8" dur="500" fill="hold"/>
+                                        <p:tgtEl>
+                                          <p:spTgt spid="30722">
+                                            <p:txEl>
+                                              <p:pRg st="0" end="0"/>
+                                            </p:txEl>
+                                          </p:spTgt>
+                                        </p:tgtEl>
+                                        <p:attrNameLst>
+                                          <p:attrName>ppt_y</p:attrName>
+                                        </p:attrNameLst>
+                                      </p:cBhvr>
+                                      <p:tavLst>
+                                        <p:tav tm="0">
+                                          <p:val>
+                                            <p:strVal val="1+#ppt_h/2"/>
+                                          </p:val>
+                                        </p:tav>
+                                        <p:tav tm="100000">
+                                          <p:val>
+                                            <p:strVal val="#ppt_y"/>
+                                          </p:val>
+                                        </p:tav>
+                                      </p:tavLst>
+                                    </p:anim>
+                                  </p:childTnLst>
+                                </p:cTn>
+                              </p:par>
+                            </p:childTnLst>
+                          </p:cTn>
+                        </p:par>
                       </p:childTnLst>
                     </p:cTn>
                   </p:par>
@@ -8307,7 +9952,7 @@
 </p:sld>
 </file>
 
-<file path=ppt/slides/slide17.xml><?xml version="1.0" encoding="utf-8"?>
+<file path=ppt/slides/slide19.xml><?xml version="1.0" encoding="utf-8"?>
 <p:sld xmlns:a="http://schemas.openxmlformats.org/drawingml/2006/main" xmlns:r="http://schemas.openxmlformats.org/officeDocument/2006/relationships" xmlns:p="http://schemas.openxmlformats.org/presentationml/2006/main">
   <p:cSld>
     <p:spTree>
@@ -8333,7 +9978,7 @@
           <p:nvPr/>
         </p:nvPicPr>
         <p:blipFill>
-          <a:blip r:embed="rId2">
+          <a:blip r:embed="rId1">
             <a:extLst>
               <a:ext uri="{28A0092B-C50C-407E-A947-70E740481C1C}">
                 <a14:useLocalDpi xmlns:a14="http://schemas.microsoft.com/office/drawing/2010/main" val="0"/>
@@ -8451,7 +10096,7 @@
           <p:nvPr/>
         </p:nvPicPr>
         <p:blipFill>
-          <a:blip r:embed="rId3">
+          <a:blip r:embed="rId2">
             <a:extLst>
               <a:ext uri="{28A0092B-C50C-407E-A947-70E740481C1C}">
                 <a14:useLocalDpi xmlns:a14="http://schemas.microsoft.com/office/drawing/2010/main" val="0"/>
@@ -8494,654 +10139,6 @@
               </a14:hiddenLine>
             </a:ext>
           </a:extLst>
-        </p:spPr>
-      </p:pic>
-    </p:spTree>
-  </p:cSld>
-  <p:clrMapOvr>
-    <a:masterClrMapping/>
-  </p:clrMapOvr>
-  <p:timing>
-    <p:tnLst>
-      <p:par>
-        <p:cTn id="1" dur="indefinite" restart="never" nodeType="tmRoot"/>
-      </p:par>
-    </p:tnLst>
-  </p:timing>
-</p:sld>
-</file>
-
-<file path=ppt/slides/slide18.xml><?xml version="1.0" encoding="utf-8"?>
-<p:sld xmlns:a="http://schemas.openxmlformats.org/drawingml/2006/main" xmlns:r="http://schemas.openxmlformats.org/officeDocument/2006/relationships" xmlns:p="http://schemas.openxmlformats.org/presentationml/2006/main">
-  <p:cSld>
-    <p:spTree>
-      <p:nvGrpSpPr>
-        <p:cNvPr id="1" name=""/>
-        <p:cNvGrpSpPr/>
-        <p:nvPr/>
-      </p:nvGrpSpPr>
-      <p:grpSpPr>
-        <a:xfrm>
-          <a:off x="0" y="0"/>
-          <a:ext cx="0" cy="0"/>
-          <a:chOff x="0" y="0"/>
-          <a:chExt cx="0" cy="0"/>
-        </a:xfrm>
-      </p:grpSpPr>
-      <p:sp>
-        <p:nvSpPr>
-          <p:cNvPr id="30722" name="内容占位符 1"/>
-          <p:cNvSpPr>
-            <a:spLocks noGrp="1"/>
-          </p:cNvSpPr>
-          <p:nvPr>
-            <p:ph sz="quarter" idx="10"/>
-          </p:nvPr>
-        </p:nvSpPr>
-        <p:spPr bwMode="auto">
-          <a:xfrm>
-            <a:off x="947420" y="923290"/>
-            <a:ext cx="9940290" cy="5010785"/>
-          </a:xfrm>
-          <a:noFill/>
-          <a:extLst>
-            <a:ext uri="{909E8E84-426E-40DD-AFC4-6F175D3DCCD1}">
-              <a14:hiddenFill xmlns:a14="http://schemas.microsoft.com/office/drawing/2010/main">
-                <a:solidFill>
-                  <a:srgbClr val="FFFFFF"/>
-                </a:solidFill>
-              </a14:hiddenFill>
-            </a:ext>
-            <a:ext uri="{91240B29-F687-4F45-9708-019B960494DF}">
-              <a14:hiddenLine xmlns:a14="http://schemas.microsoft.com/office/drawing/2010/main" w="9525">
-                <a:solidFill>
-                  <a:srgbClr val="000000"/>
-                </a:solidFill>
-                <a:miter lim="800000"/>
-                <a:headEnd/>
-                <a:tailEnd/>
-              </a14:hiddenLine>
-            </a:ext>
-          </a:extLst>
-        </p:spPr>
-        <p:txBody>
-          <a:bodyPr vert="horz" wrap="square" lIns="91440" tIns="45720" rIns="91440" bIns="45720" numCol="1" anchor="t" anchorCtr="0" compatLnSpc="1"/>
-          <a:lstStyle/>
-          <a:p>
-            <a:pPr>
-              <a:lnSpc>
-                <a:spcPts val="3800"/>
-              </a:lnSpc>
-              <a:spcBef>
-                <a:spcPts val="600"/>
-              </a:spcBef>
-              <a:spcAft>
-                <a:spcPts val="600"/>
-              </a:spcAft>
-              <a:buFont typeface="Arial" panose="020B0604020202020204" pitchFamily="34" charset="0"/>
-              <a:buChar char="•"/>
-            </a:pPr>
-            <a:r>
-              <a:rPr lang="zh-CN" altLang="en-US" dirty="0" smtClean="0">
-                <a:solidFill>
-                  <a:srgbClr val="000000"/>
-                </a:solidFill>
-                <a:latin typeface="微软雅黑" panose="020B0503020204020204" pitchFamily="34" charset="-122"/>
-                <a:ea typeface="微软雅黑" panose="020B0503020204020204" pitchFamily="34" charset="-122"/>
-              </a:rPr>
-              <a:t>补充</a:t>
-            </a:r>
-            <a:r>
-              <a:rPr lang="en-US" altLang="zh-CN" dirty="0" smtClean="0">
-                <a:solidFill>
-                  <a:srgbClr val="000000"/>
-                </a:solidFill>
-                <a:latin typeface="微软雅黑" panose="020B0503020204020204" pitchFamily="34" charset="-122"/>
-                <a:ea typeface="微软雅黑" panose="020B0503020204020204" pitchFamily="34" charset="-122"/>
-              </a:rPr>
-              <a:t>bind</a:t>
-            </a:r>
-            <a:r>
-              <a:rPr lang="zh-CN" altLang="en-US" dirty="0" smtClean="0">
-                <a:solidFill>
-                  <a:srgbClr val="000000"/>
-                </a:solidFill>
-                <a:latin typeface="微软雅黑" panose="020B0503020204020204" pitchFamily="34" charset="-122"/>
-                <a:ea typeface="微软雅黑" panose="020B0503020204020204" pitchFamily="34" charset="-122"/>
-              </a:rPr>
-              <a:t>，思考</a:t>
-            </a:r>
-            <a:r>
-              <a:rPr lang="en-US" altLang="zh-CN" dirty="0" smtClean="0">
-                <a:solidFill>
-                  <a:srgbClr val="000000"/>
-                </a:solidFill>
-                <a:latin typeface="微软雅黑" panose="020B0503020204020204" pitchFamily="34" charset="-122"/>
-                <a:ea typeface="微软雅黑" panose="020B0503020204020204" pitchFamily="34" charset="-122"/>
-              </a:rPr>
-              <a:t>bind</a:t>
-            </a:r>
-            <a:r>
-              <a:rPr lang="zh-CN" altLang="en-US" dirty="0" smtClean="0">
-                <a:solidFill>
-                  <a:srgbClr val="000000"/>
-                </a:solidFill>
-                <a:latin typeface="微软雅黑" panose="020B0503020204020204" pitchFamily="34" charset="-122"/>
-                <a:ea typeface="微软雅黑" panose="020B0503020204020204" pitchFamily="34" charset="-122"/>
-              </a:rPr>
-              <a:t>与</a:t>
-            </a:r>
-            <a:r>
-              <a:rPr lang="en-US" altLang="zh-CN" dirty="0" smtClean="0">
-                <a:solidFill>
-                  <a:srgbClr val="000000"/>
-                </a:solidFill>
-                <a:latin typeface="微软雅黑" panose="020B0503020204020204" pitchFamily="34" charset="-122"/>
-                <a:ea typeface="微软雅黑" panose="020B0503020204020204" pitchFamily="34" charset="-122"/>
-              </a:rPr>
-              <a:t>call/apply</a:t>
-            </a:r>
-            <a:r>
-              <a:rPr lang="zh-CN" altLang="en-US" dirty="0" smtClean="0">
-                <a:solidFill>
-                  <a:srgbClr val="000000"/>
-                </a:solidFill>
-                <a:latin typeface="微软雅黑" panose="020B0503020204020204" pitchFamily="34" charset="-122"/>
-                <a:ea typeface="微软雅黑" panose="020B0503020204020204" pitchFamily="34" charset="-122"/>
-              </a:rPr>
-              <a:t>的优缺点</a:t>
-            </a:r>
-            <a:endParaRPr lang="en-US" altLang="zh-CN" dirty="0" smtClean="0">
-              <a:solidFill>
-                <a:schemeClr val="tx2">
-                  <a:lumMod val="75000"/>
-                </a:schemeClr>
-              </a:solidFill>
-              <a:latin typeface="微软雅黑" panose="020B0503020204020204" pitchFamily="34" charset="-122"/>
-              <a:ea typeface="微软雅黑" panose="020B0503020204020204" pitchFamily="34" charset="-122"/>
-            </a:endParaRPr>
-          </a:p>
-          <a:p>
-            <a:pPr>
-              <a:lnSpc>
-                <a:spcPts val="3800"/>
-              </a:lnSpc>
-              <a:spcBef>
-                <a:spcPts val="600"/>
-              </a:spcBef>
-              <a:spcAft>
-                <a:spcPts val="600"/>
-              </a:spcAft>
-              <a:buFont typeface="Arial" panose="020B0604020202020204" pitchFamily="34" charset="0"/>
-              <a:buChar char="•"/>
-            </a:pPr>
-            <a:r>
-              <a:rPr kumimoji="0" lang="zh-CN" altLang="en-US" dirty="0" smtClean="0">
-                <a:solidFill>
-                  <a:schemeClr val="tx1"/>
-                </a:solidFill>
-                <a:latin typeface="微软雅黑" panose="020B0503020204020204" pitchFamily="34" charset="-122"/>
-                <a:ea typeface="微软雅黑" panose="020B0503020204020204" pitchFamily="34" charset="-122"/>
-                <a:sym typeface="+mn-ea"/>
-              </a:rPr>
-              <a:t>思考：将一个对象方法赋值给某个变量后，变量调用时，此时的</a:t>
-            </a:r>
-            <a:r>
-              <a:rPr kumimoji="0" lang="en-US" altLang="zh-CN" dirty="0" smtClean="0">
-                <a:solidFill>
-                  <a:schemeClr val="tx1"/>
-                </a:solidFill>
-                <a:latin typeface="微软雅黑" panose="020B0503020204020204" pitchFamily="34" charset="-122"/>
-                <a:ea typeface="微软雅黑" panose="020B0503020204020204" pitchFamily="34" charset="-122"/>
-                <a:sym typeface="+mn-ea"/>
-              </a:rPr>
-              <a:t>this</a:t>
-            </a:r>
-            <a:r>
-              <a:rPr kumimoji="0" lang="zh-CN" altLang="en-US" dirty="0" smtClean="0">
-                <a:solidFill>
-                  <a:schemeClr val="tx1"/>
-                </a:solidFill>
-                <a:latin typeface="微软雅黑" panose="020B0503020204020204" pitchFamily="34" charset="-122"/>
-                <a:ea typeface="微软雅黑" panose="020B0503020204020204" pitchFamily="34" charset="-122"/>
-                <a:sym typeface="+mn-ea"/>
-              </a:rPr>
-              <a:t>指的是什么，是否会有问题</a:t>
-            </a:r>
-          </a:p>
-          <a:p>
-            <a:pPr>
-              <a:lnSpc>
-                <a:spcPts val="3800"/>
-              </a:lnSpc>
-              <a:spcBef>
-                <a:spcPts val="600"/>
-              </a:spcBef>
-              <a:spcAft>
-                <a:spcPts val="600"/>
-              </a:spcAft>
-              <a:buFont typeface="Arial" panose="020B0604020202020204" pitchFamily="34" charset="0"/>
-              <a:buChar char="•"/>
-            </a:pPr>
-            <a:r>
-              <a:rPr kumimoji="0" lang="zh-CN" altLang="en-US" dirty="0" smtClean="0">
-                <a:solidFill>
-                  <a:schemeClr val="tx1"/>
-                </a:solidFill>
-                <a:latin typeface="微软雅黑" panose="020B0503020204020204" pitchFamily="34" charset="-122"/>
-                <a:ea typeface="微软雅黑" panose="020B0503020204020204" pitchFamily="34" charset="-122"/>
-                <a:sym typeface="+mn-ea"/>
-              </a:rPr>
-              <a:t>更为深入理解</a:t>
-            </a:r>
-            <a:r>
-              <a:rPr kumimoji="0" lang="en-US" altLang="zh-CN" dirty="0" smtClean="0">
-                <a:solidFill>
-                  <a:schemeClr val="tx1"/>
-                </a:solidFill>
-                <a:latin typeface="微软雅黑" panose="020B0503020204020204" pitchFamily="34" charset="-122"/>
-                <a:ea typeface="微软雅黑" panose="020B0503020204020204" pitchFamily="34" charset="-122"/>
-                <a:sym typeface="+mn-ea"/>
-              </a:rPr>
-              <a:t>this</a:t>
-            </a:r>
-            <a:r>
-              <a:rPr kumimoji="0" lang="zh-CN" altLang="en-US" dirty="0" smtClean="0">
-                <a:solidFill>
-                  <a:schemeClr val="tx1"/>
-                </a:solidFill>
-                <a:latin typeface="微软雅黑" panose="020B0503020204020204" pitchFamily="34" charset="-122"/>
-                <a:ea typeface="微软雅黑" panose="020B0503020204020204" pitchFamily="34" charset="-122"/>
-                <a:sym typeface="+mn-ea"/>
-              </a:rPr>
-              <a:t>的</a:t>
-            </a:r>
-            <a:br>
-              <a:rPr kumimoji="0" lang="zh-CN" altLang="en-US" dirty="0" smtClean="0">
-                <a:solidFill>
-                  <a:schemeClr val="tx1"/>
-                </a:solidFill>
-                <a:latin typeface="微软雅黑" panose="020B0503020204020204" pitchFamily="34" charset="-122"/>
-                <a:ea typeface="微软雅黑" panose="020B0503020204020204" pitchFamily="34" charset="-122"/>
-                <a:sym typeface="+mn-ea"/>
-              </a:rPr>
-            </a:br>
-            <a:r>
-              <a:rPr kumimoji="0" lang="en-US" altLang="zh-CN" sz="2400" dirty="0" smtClean="0">
-                <a:solidFill>
-                  <a:schemeClr val="tx1"/>
-                </a:solidFill>
-                <a:latin typeface="微软雅黑" panose="020B0503020204020204" pitchFamily="34" charset="-122"/>
-                <a:ea typeface="微软雅黑" panose="020B0503020204020204" pitchFamily="34" charset="-122"/>
-                <a:sym typeface="+mn-ea"/>
-              </a:rPr>
-              <a:t>- https://segmentfault.com/a/1190000003906484</a:t>
-            </a:r>
-            <a:br>
-              <a:rPr kumimoji="0" lang="en-US" altLang="zh-CN" sz="2400" dirty="0" smtClean="0">
-                <a:solidFill>
-                  <a:schemeClr val="tx1"/>
-                </a:solidFill>
-                <a:latin typeface="微软雅黑" panose="020B0503020204020204" pitchFamily="34" charset="-122"/>
-                <a:ea typeface="微软雅黑" panose="020B0503020204020204" pitchFamily="34" charset="-122"/>
-                <a:sym typeface="+mn-ea"/>
-              </a:rPr>
-            </a:br>
-            <a:r>
-              <a:rPr kumimoji="0" lang="en-US" altLang="zh-CN" sz="2400" dirty="0" smtClean="0">
-                <a:solidFill>
-                  <a:schemeClr val="tx1"/>
-                </a:solidFill>
-                <a:latin typeface="微软雅黑" panose="020B0503020204020204" pitchFamily="34" charset="-122"/>
-                <a:ea typeface="微软雅黑" panose="020B0503020204020204" pitchFamily="34" charset="-122"/>
-                <a:sym typeface="+mn-ea"/>
-              </a:rPr>
-              <a:t>- https://segmentfault.com/a/1190000003802851</a:t>
-            </a:r>
-            <a:br>
-              <a:rPr kumimoji="0" lang="en-US" altLang="zh-CN" sz="2400" dirty="0" smtClean="0">
-                <a:solidFill>
-                  <a:schemeClr val="tx1"/>
-                </a:solidFill>
-                <a:latin typeface="微软雅黑" panose="020B0503020204020204" pitchFamily="34" charset="-122"/>
-                <a:ea typeface="微软雅黑" panose="020B0503020204020204" pitchFamily="34" charset="-122"/>
-                <a:sym typeface="+mn-ea"/>
-              </a:rPr>
-            </a:br>
-            <a:r>
-              <a:rPr kumimoji="0" lang="en-US" altLang="zh-CN" sz="2400" dirty="0" smtClean="0">
-                <a:solidFill>
-                  <a:schemeClr val="tx1"/>
-                </a:solidFill>
-                <a:latin typeface="微软雅黑" panose="020B0503020204020204" pitchFamily="34" charset="-122"/>
-                <a:ea typeface="微软雅黑" panose="020B0503020204020204" pitchFamily="34" charset="-122"/>
-                <a:sym typeface="+mn-ea"/>
-              </a:rPr>
-              <a:t>- http://es5.github.io/#x15.3</a:t>
-            </a:r>
-          </a:p>
-        </p:txBody>
-      </p:sp>
-      <p:sp>
-        <p:nvSpPr>
-          <p:cNvPr id="3" name="内容占位符 2"/>
-          <p:cNvSpPr>
-            <a:spLocks noGrp="1"/>
-          </p:cNvSpPr>
-          <p:nvPr>
-            <p:ph sz="quarter" idx="11"/>
-          </p:nvPr>
-        </p:nvSpPr>
-        <p:spPr>
-          <a:xfrm>
-            <a:off x="947204" y="308698"/>
-            <a:ext cx="8191557" cy="490476"/>
-          </a:xfrm>
-        </p:spPr>
-        <p:txBody>
-          <a:bodyPr/>
-          <a:lstStyle/>
-          <a:p>
-            <a:r>
-              <a:rPr kumimoji="0" lang="zh-CN" altLang="en-US" b="0" dirty="0">
-                <a:solidFill>
-                  <a:srgbClr val="C00000"/>
-                </a:solidFill>
-              </a:rPr>
-              <a:t>补充内容：函数对象的</a:t>
-            </a:r>
-            <a:r>
-              <a:rPr kumimoji="0" lang="en-US" altLang="zh-CN" b="0" dirty="0">
-                <a:solidFill>
-                  <a:srgbClr val="C00000"/>
-                </a:solidFill>
-              </a:rPr>
-              <a:t>bind</a:t>
-            </a:r>
-            <a:r>
-              <a:rPr kumimoji="0" lang="zh-CN" altLang="en-US" b="0" dirty="0">
-                <a:solidFill>
-                  <a:srgbClr val="C00000"/>
-                </a:solidFill>
-              </a:rPr>
-              <a:t>方法</a:t>
-            </a:r>
-          </a:p>
-          <a:p>
-            <a:endParaRPr lang="zh-CN" altLang="en-US" dirty="0"/>
-          </a:p>
-        </p:txBody>
-      </p:sp>
-    </p:spTree>
-  </p:cSld>
-  <p:clrMapOvr>
-    <a:masterClrMapping/>
-  </p:clrMapOvr>
-  <p:timing>
-    <p:tnLst>
-      <p:par>
-        <p:cTn id="1" dur="indefinite" restart="never" nodeType="tmRoot"/>
-      </p:par>
-    </p:tnLst>
-  </p:timing>
-</p:sld>
-</file>
-
-<file path=ppt/slides/slide19.xml><?xml version="1.0" encoding="utf-8"?>
-<p:sld xmlns:a="http://schemas.openxmlformats.org/drawingml/2006/main" xmlns:r="http://schemas.openxmlformats.org/officeDocument/2006/relationships" xmlns:p="http://schemas.openxmlformats.org/presentationml/2006/main">
-  <p:cSld>
-    <p:spTree>
-      <p:nvGrpSpPr>
-        <p:cNvPr id="1" name=""/>
-        <p:cNvGrpSpPr/>
-        <p:nvPr/>
-      </p:nvGrpSpPr>
-      <p:grpSpPr>
-        <a:xfrm>
-          <a:off x="0" y="0"/>
-          <a:ext cx="0" cy="0"/>
-          <a:chOff x="0" y="0"/>
-          <a:chExt cx="0" cy="0"/>
-        </a:xfrm>
-      </p:grpSpPr>
-      <p:sp>
-        <p:nvSpPr>
-          <p:cNvPr id="30722" name="内容占位符 1"/>
-          <p:cNvSpPr>
-            <a:spLocks noGrp="1"/>
-          </p:cNvSpPr>
-          <p:nvPr>
-            <p:ph sz="quarter" idx="10"/>
-          </p:nvPr>
-        </p:nvSpPr>
-        <p:spPr bwMode="auto">
-          <a:xfrm>
-            <a:off x="947420" y="851535"/>
-            <a:ext cx="9940290" cy="5010785"/>
-          </a:xfrm>
-          <a:noFill/>
-          <a:extLst>
-            <a:ext uri="{909E8E84-426E-40DD-AFC4-6F175D3DCCD1}">
-              <a14:hiddenFill xmlns:a14="http://schemas.microsoft.com/office/drawing/2010/main">
-                <a:solidFill>
-                  <a:srgbClr val="FFFFFF"/>
-                </a:solidFill>
-              </a14:hiddenFill>
-            </a:ext>
-            <a:ext uri="{91240B29-F687-4F45-9708-019B960494DF}">
-              <a14:hiddenLine xmlns:a14="http://schemas.microsoft.com/office/drawing/2010/main" w="9525">
-                <a:solidFill>
-                  <a:srgbClr val="000000"/>
-                </a:solidFill>
-                <a:miter lim="800000"/>
-                <a:headEnd/>
-                <a:tailEnd/>
-              </a14:hiddenLine>
-            </a:ext>
-          </a:extLst>
-        </p:spPr>
-        <p:txBody>
-          <a:bodyPr vert="horz" wrap="square" lIns="91440" tIns="45720" rIns="91440" bIns="45720" numCol="1" anchor="t" anchorCtr="0" compatLnSpc="1"/>
-          <a:lstStyle/>
-          <a:p>
-            <a:pPr>
-              <a:lnSpc>
-                <a:spcPts val="3800"/>
-              </a:lnSpc>
-              <a:spcBef>
-                <a:spcPts val="600"/>
-              </a:spcBef>
-              <a:spcAft>
-                <a:spcPts val="600"/>
-              </a:spcAft>
-              <a:buFont typeface="Arial" panose="020B0604020202020204" pitchFamily="34" charset="0"/>
-              <a:buChar char="•"/>
-            </a:pPr>
-            <a:r>
-              <a:rPr kumimoji="0" lang="en-US" altLang="zh-CN" sz="3200" dirty="0" smtClean="0">
-                <a:solidFill>
-                  <a:schemeClr val="tx1"/>
-                </a:solidFill>
-                <a:latin typeface="微软雅黑" panose="020B0503020204020204" pitchFamily="34" charset="-122"/>
-                <a:ea typeface="微软雅黑" panose="020B0503020204020204" pitchFamily="34" charset="-122"/>
-                <a:sym typeface="+mn-ea"/>
-              </a:rPr>
-              <a:t>bind</a:t>
-            </a:r>
-            <a:r>
-              <a:rPr kumimoji="0" lang="zh-CN" altLang="en-US" sz="3200" dirty="0" smtClean="0">
-                <a:solidFill>
-                  <a:schemeClr val="tx1"/>
-                </a:solidFill>
-                <a:latin typeface="微软雅黑" panose="020B0503020204020204" pitchFamily="34" charset="-122"/>
-                <a:ea typeface="微软雅黑" panose="020B0503020204020204" pitchFamily="34" charset="-122"/>
-                <a:sym typeface="+mn-ea"/>
-              </a:rPr>
-              <a:t>后，函数中的</a:t>
-            </a:r>
-            <a:r>
-              <a:rPr kumimoji="0" lang="en-US" altLang="zh-CN" sz="3200" dirty="0" smtClean="0">
-                <a:solidFill>
-                  <a:schemeClr val="tx1"/>
-                </a:solidFill>
-                <a:latin typeface="微软雅黑" panose="020B0503020204020204" pitchFamily="34" charset="-122"/>
-                <a:ea typeface="微软雅黑" panose="020B0503020204020204" pitchFamily="34" charset="-122"/>
-                <a:sym typeface="+mn-ea"/>
-              </a:rPr>
-              <a:t>this</a:t>
-            </a:r>
-            <a:r>
-              <a:rPr kumimoji="0" lang="zh-CN" altLang="en-US" sz="3200" dirty="0" smtClean="0">
-                <a:solidFill>
-                  <a:schemeClr val="tx1"/>
-                </a:solidFill>
-                <a:latin typeface="微软雅黑" panose="020B0503020204020204" pitchFamily="34" charset="-122"/>
-                <a:ea typeface="微软雅黑" panose="020B0503020204020204" pitchFamily="34" charset="-122"/>
-                <a:sym typeface="+mn-ea"/>
-              </a:rPr>
-              <a:t>指向绑定的对象，硬绑定</a:t>
-            </a:r>
-          </a:p>
-          <a:p>
-            <a:pPr marL="0" indent="0">
-              <a:lnSpc>
-                <a:spcPts val="3800"/>
-              </a:lnSpc>
-              <a:spcBef>
-                <a:spcPts val="600"/>
-              </a:spcBef>
-              <a:spcAft>
-                <a:spcPts val="600"/>
-              </a:spcAft>
-              <a:buFont typeface="Arial" panose="020B0604020202020204" pitchFamily="34" charset="0"/>
-              <a:buNone/>
-            </a:pPr>
-            <a:r>
-              <a:rPr kumimoji="0" lang="en-US" altLang="zh-CN" dirty="0" smtClean="0">
-                <a:solidFill>
-                  <a:schemeClr val="tx1"/>
-                </a:solidFill>
-                <a:latin typeface="微软雅黑" panose="020B0503020204020204" pitchFamily="34" charset="-122"/>
-                <a:ea typeface="微软雅黑" panose="020B0503020204020204" pitchFamily="34" charset="-122"/>
-                <a:sym typeface="+mn-ea"/>
-              </a:rPr>
-              <a:t/>
-            </a:r>
-            <a:br>
-              <a:rPr kumimoji="0" lang="en-US" altLang="zh-CN" dirty="0" smtClean="0">
-                <a:solidFill>
-                  <a:schemeClr val="tx1"/>
-                </a:solidFill>
-                <a:latin typeface="微软雅黑" panose="020B0503020204020204" pitchFamily="34" charset="-122"/>
-                <a:ea typeface="微软雅黑" panose="020B0503020204020204" pitchFamily="34" charset="-122"/>
-                <a:sym typeface="+mn-ea"/>
-              </a:rPr>
-            </a:br>
-            <a:endParaRPr kumimoji="0" lang="en-US" altLang="zh-CN" dirty="0" smtClean="0">
-              <a:solidFill>
-                <a:schemeClr val="tx1"/>
-              </a:solidFill>
-              <a:latin typeface="微软雅黑" panose="020B0503020204020204" pitchFamily="34" charset="-122"/>
-              <a:ea typeface="微软雅黑" panose="020B0503020204020204" pitchFamily="34" charset="-122"/>
-              <a:sym typeface="+mn-ea"/>
-            </a:endParaRPr>
-          </a:p>
-        </p:txBody>
-      </p:sp>
-      <p:sp>
-        <p:nvSpPr>
-          <p:cNvPr id="3" name="内容占位符 2"/>
-          <p:cNvSpPr>
-            <a:spLocks noGrp="1"/>
-          </p:cNvSpPr>
-          <p:nvPr>
-            <p:ph sz="quarter" idx="11"/>
-          </p:nvPr>
-        </p:nvSpPr>
-        <p:spPr>
-          <a:xfrm>
-            <a:off x="947204" y="308698"/>
-            <a:ext cx="8191557" cy="490476"/>
-          </a:xfrm>
-        </p:spPr>
-        <p:txBody>
-          <a:bodyPr/>
-          <a:lstStyle/>
-          <a:p>
-            <a:r>
-              <a:rPr kumimoji="0" lang="zh-CN" altLang="en-US" b="0" dirty="0">
-                <a:solidFill>
-                  <a:srgbClr val="C00000"/>
-                </a:solidFill>
-              </a:rPr>
-              <a:t>间接调用</a:t>
-            </a:r>
-            <a:r>
-              <a:rPr kumimoji="0" lang="zh-CN" b="0" dirty="0">
-                <a:solidFill>
-                  <a:srgbClr val="C00000"/>
-                </a:solidFill>
-              </a:rPr>
-              <a:t>中的</a:t>
-            </a:r>
-            <a:r>
-              <a:rPr kumimoji="0" lang="en-US" altLang="zh-CN" b="0" dirty="0">
-                <a:solidFill>
-                  <a:srgbClr val="C00000"/>
-                </a:solidFill>
-              </a:rPr>
-              <a:t>this</a:t>
-            </a:r>
-            <a:r>
-              <a:rPr kumimoji="0" lang="zh-CN" altLang="en-US" b="0" dirty="0">
-                <a:solidFill>
-                  <a:srgbClr val="C00000"/>
-                </a:solidFill>
-              </a:rPr>
-              <a:t>（</a:t>
-            </a:r>
-            <a:r>
-              <a:rPr kumimoji="0" lang="en-US" b="0" dirty="0">
-                <a:solidFill>
-                  <a:srgbClr val="C00000"/>
-                </a:solidFill>
-              </a:rPr>
-              <a:t>bind</a:t>
-            </a:r>
-            <a:r>
-              <a:rPr kumimoji="0" lang="zh-CN" altLang="en-US" b="0" dirty="0">
-                <a:solidFill>
-                  <a:srgbClr val="C00000"/>
-                </a:solidFill>
-              </a:rPr>
-              <a:t>）</a:t>
-            </a:r>
-            <a:endParaRPr lang="zh-CN" altLang="en-US" dirty="0"/>
-          </a:p>
-        </p:txBody>
-      </p:sp>
-      <p:pic>
-        <p:nvPicPr>
-          <p:cNvPr id="4" name="图片 3"/>
-          <p:cNvPicPr>
-            <a:picLocks noChangeAspect="1"/>
-          </p:cNvPicPr>
-          <p:nvPr/>
-        </p:nvPicPr>
-        <p:blipFill>
-          <a:blip r:embed="rId2"/>
-          <a:stretch>
-            <a:fillRect/>
-          </a:stretch>
-        </p:blipFill>
-        <p:spPr>
-          <a:xfrm>
-            <a:off x="1175385" y="1714500"/>
-            <a:ext cx="6617335" cy="3716655"/>
-          </a:xfrm>
-          <a:prstGeom prst="rect">
-            <a:avLst/>
-          </a:prstGeom>
         </p:spPr>
       </p:pic>
     </p:spTree>
@@ -9354,6 +10351,11 @@
               </a:rPr>
               <a:t>简介及特点</a:t>
             </a:r>
+            <a:endParaRPr lang="zh-CN" altLang="en-US" sz="2800" b="1">
+              <a:solidFill>
+                <a:srgbClr val="FF0000"/>
+              </a:solidFill>
+            </a:endParaRPr>
           </a:p>
           <a:p>
             <a:pPr algn="l">
@@ -9390,6 +10392,12 @@
               </a:rPr>
               <a:t>四种应用场景</a:t>
             </a:r>
+            <a:endParaRPr lang="zh-CN" altLang="en-US" sz="2800" b="1">
+              <a:solidFill>
+                <a:schemeClr val="tx1"/>
+              </a:solidFill>
+              <a:sym typeface="+mn-ea"/>
+            </a:endParaRPr>
           </a:p>
           <a:p>
             <a:pPr algn="l">
@@ -9426,6 +10434,12 @@
               </a:rPr>
               <a:t>缺陷及解决方法</a:t>
             </a:r>
+            <a:endParaRPr lang="zh-CN" altLang="en-US" sz="2800" b="1">
+              <a:solidFill>
+                <a:schemeClr val="tx1"/>
+              </a:solidFill>
+              <a:sym typeface="+mn-ea"/>
+            </a:endParaRPr>
           </a:p>
         </p:txBody>
       </p:sp>
@@ -9852,14 +10866,6 @@
               </a:rPr>
               <a:t>this</a:t>
             </a:r>
-            <a:r>
-              <a:rPr kumimoji="0" lang="en-US" altLang="zh-CN" sz="3600" dirty="0" smtClean="0">
-                <a:solidFill>
-                  <a:schemeClr val="tx1"/>
-                </a:solidFill>
-              </a:rPr>
-              <a:t/>
-            </a:r>
             <a:br>
               <a:rPr kumimoji="0" lang="en-US" altLang="zh-CN" sz="3600" dirty="0" smtClean="0">
                 <a:solidFill>
@@ -9948,6 +10954,12 @@
               </a:rPr>
               <a:t>，这完全取决于函数的调用方式</a:t>
             </a:r>
+            <a:endParaRPr lang="zh-CN" altLang="en-US" sz="2000" dirty="0">
+              <a:solidFill>
+                <a:schemeClr val="tx1"/>
+              </a:solidFill>
+              <a:sym typeface="+mn-ea"/>
+            </a:endParaRPr>
           </a:p>
           <a:p>
             <a:pPr eaLnBrk="1" hangingPunct="1">
@@ -9991,6 +11003,12 @@
               </a:rPr>
               <a:t>缺陷）</a:t>
             </a:r>
+            <a:endParaRPr kumimoji="0" lang="zh-CN" altLang="en-US" sz="3200" dirty="0" smtClean="0">
+              <a:solidFill>
+                <a:schemeClr val="tx1"/>
+              </a:solidFill>
+              <a:sym typeface="+mn-ea"/>
+            </a:endParaRPr>
           </a:p>
           <a:p>
             <a:pPr eaLnBrk="1" hangingPunct="1">
@@ -10067,7 +11085,7 @@
           <p:nvPr/>
         </p:nvPicPr>
         <p:blipFill>
-          <a:blip r:embed="rId3"/>
+          <a:blip r:embed="rId1"/>
           <a:srcRect l="10284"/>
           <a:stretch>
             <a:fillRect/>
@@ -10707,6 +11725,11 @@
               </a:rPr>
               <a:t>简介及特点</a:t>
             </a:r>
+            <a:endParaRPr lang="zh-CN" altLang="en-US" sz="2800" b="1">
+              <a:solidFill>
+                <a:schemeClr val="tx1"/>
+              </a:solidFill>
+            </a:endParaRPr>
           </a:p>
           <a:p>
             <a:pPr algn="l">
@@ -10743,6 +11766,12 @@
               </a:rPr>
               <a:t>四种应用场景</a:t>
             </a:r>
+            <a:endParaRPr lang="zh-CN" altLang="en-US" sz="2800" b="1">
+              <a:solidFill>
+                <a:schemeClr val="accent3"/>
+              </a:solidFill>
+              <a:sym typeface="+mn-ea"/>
+            </a:endParaRPr>
           </a:p>
           <a:p>
             <a:pPr algn="l">
@@ -10779,6 +11808,12 @@
               </a:rPr>
               <a:t>缺陷和解决方法</a:t>
             </a:r>
+            <a:endParaRPr lang="zh-CN" altLang="en-US" sz="2800" b="1">
+              <a:solidFill>
+                <a:schemeClr val="tx1"/>
+              </a:solidFill>
+              <a:sym typeface="+mn-ea"/>
+            </a:endParaRPr>
           </a:p>
         </p:txBody>
       </p:sp>
@@ -11095,6 +12130,12 @@
               </a:rPr>
               <a:t>this</a:t>
             </a:r>
+            <a:endParaRPr kumimoji="0" lang="en-US" altLang="zh-CN" sz="3200" dirty="0" smtClean="0">
+              <a:solidFill>
+                <a:schemeClr val="tx1"/>
+              </a:solidFill>
+              <a:sym typeface="+mn-ea"/>
+            </a:endParaRPr>
           </a:p>
           <a:p>
             <a:pPr>
@@ -11111,6 +12152,12 @@
               </a:rPr>
               <a:t>对象方法中的this</a:t>
             </a:r>
+            <a:endParaRPr kumimoji="0" lang="zh-CN" altLang="en-US" sz="3200" dirty="0" smtClean="0">
+              <a:solidFill>
+                <a:schemeClr val="tx1"/>
+              </a:solidFill>
+              <a:sym typeface="+mn-ea"/>
+            </a:endParaRPr>
           </a:p>
           <a:p>
             <a:pPr>
@@ -11136,6 +12183,12 @@
               </a:rPr>
               <a:t>this</a:t>
             </a:r>
+            <a:endParaRPr kumimoji="0" lang="en-US" altLang="zh-CN" sz="3200" dirty="0" smtClean="0">
+              <a:solidFill>
+                <a:schemeClr val="tx1"/>
+              </a:solidFill>
+              <a:sym typeface="+mn-ea"/>
+            </a:endParaRPr>
           </a:p>
           <a:p>
             <a:pPr>
@@ -11161,10 +12214,24 @@
               </a:rPr>
               <a:t>this</a:t>
             </a:r>
-            <a:endParaRPr kumimoji="0" lang="en-US" altLang="zh-CN" dirty="0" smtClean="0">
+            <a:endParaRPr kumimoji="0" lang="en-US" altLang="zh-CN" sz="3200" dirty="0" smtClean="0">
               <a:solidFill>
                 <a:schemeClr val="tx1"/>
               </a:solidFill>
+              <a:sym typeface="+mn-ea"/>
+            </a:endParaRPr>
+          </a:p>
+          <a:p>
+            <a:pPr>
+              <a:lnSpc>
+                <a:spcPct val="150000"/>
+              </a:lnSpc>
+            </a:pPr>
+            <a:endParaRPr kumimoji="0" lang="zh-CN" altLang="en-US" sz="3200" dirty="0" smtClean="0">
+              <a:solidFill>
+                <a:schemeClr val="tx1"/>
+              </a:solidFill>
+              <a:sym typeface="+mn-ea"/>
             </a:endParaRPr>
           </a:p>
           <a:p>
@@ -11232,6 +12299,60 @@
               <a:t>主要有以下4种应用场景</a:t>
             </a:r>
             <a:endParaRPr kumimoji="0" lang="zh-CN" altLang="en-US" dirty="0" smtClean="0">
+              <a:solidFill>
+                <a:srgbClr val="FF0000"/>
+              </a:solidFill>
+              <a:sym typeface="+mn-ea"/>
+            </a:endParaRPr>
+          </a:p>
+        </p:txBody>
+      </p:sp>
+      <p:sp>
+        <p:nvSpPr>
+          <p:cNvPr id="3" name="文本框 2"/>
+          <p:cNvSpPr txBox="1"/>
+          <p:nvPr/>
+        </p:nvSpPr>
+        <p:spPr>
+          <a:xfrm>
+            <a:off x="6011545" y="1823085"/>
+            <a:ext cx="4141470" cy="1568450"/>
+          </a:xfrm>
+          <a:prstGeom prst="rect">
+            <a:avLst/>
+          </a:prstGeom>
+          <a:noFill/>
+        </p:spPr>
+        <p:txBody>
+          <a:bodyPr wrap="square" rtlCol="0">
+            <a:spAutoFit/>
+          </a:bodyPr>
+          <a:p>
+            <a:r>
+              <a:rPr lang="zh-CN" altLang="en-US" dirty="0" smtClean="0">
+                <a:sym typeface="+mn-ea"/>
+              </a:rPr>
+              <a:t>注意：不管哪种场景下调用，</a:t>
+            </a:r>
+            <a:r>
+              <a:rPr lang="en-US" altLang="zh-CN" dirty="0" smtClean="0">
+                <a:solidFill>
+                  <a:srgbClr val="FF0000"/>
+                </a:solidFill>
+                <a:sym typeface="+mn-ea"/>
+              </a:rPr>
+              <a:t>this</a:t>
+            </a:r>
+            <a:r>
+              <a:rPr lang="zh-CN" altLang="en-US" dirty="0" smtClean="0">
+                <a:solidFill>
+                  <a:srgbClr val="FF0000"/>
+                </a:solidFill>
+                <a:sym typeface="+mn-ea"/>
+              </a:rPr>
+              <a:t>指向的都是调用此函数的主体</a:t>
+            </a:r>
+            <a:endParaRPr lang="zh-CN" altLang="en-US" dirty="0" smtClean="0">
               <a:solidFill>
                 <a:srgbClr val="FF0000"/>
               </a:solidFill>
@@ -11611,6 +12732,97 @@
                       </p:childTnLst>
                     </p:cTn>
                   </p:par>
+                  <p:par>
+                    <p:cTn id="21" fill="hold">
+                      <p:stCondLst>
+                        <p:cond delay="indefinite"/>
+                      </p:stCondLst>
+                      <p:childTnLst>
+                        <p:par>
+                          <p:cTn id="22" fill="hold">
+                            <p:stCondLst>
+                              <p:cond delay="0"/>
+                            </p:stCondLst>
+                            <p:childTnLst>
+                              <p:par>
+                                <p:cTn id="23" presetID="2" presetClass="entr" presetSubtype="4" fill="hold" grpId="0" nodeType="clickEffect">
+                                  <p:stCondLst>
+                                    <p:cond delay="0"/>
+                                  </p:stCondLst>
+                                  <p:childTnLst>
+                                    <p:set>
+                                      <p:cBhvr>
+                                        <p:cTn id="24" dur="1" fill="hold">
+                                          <p:stCondLst>
+                                            <p:cond delay="0"/>
+                                          </p:stCondLst>
+                                        </p:cTn>
+                                        <p:tgtEl>
+                                          <p:spTgt spid="3"/>
+                                        </p:tgtEl>
+                                        <p:attrNameLst>
+                                          <p:attrName>style.visibility</p:attrName>
+                                        </p:attrNameLst>
+                                      </p:cBhvr>
+                                      <p:to>
+                                        <p:strVal val="visible"/>
+                                      </p:to>
+                                    </p:set>
+                                    <p:anim calcmode="lin" valueType="num">
+                                      <p:cBhvr additive="base">
+                                        <p:cTn id="25" dur="500" fill="hold"/>
+                                        <p:tgtEl>
+                                          <p:spTgt spid="3"/>
+                                        </p:tgtEl>
+                                        <p:attrNameLst>
+                                          <p:attrName>ppt_x</p:attrName>
+                                        </p:attrNameLst>
+                                      </p:cBhvr>
+                                      <p:tavLst>
+                                        <p:tav tm="0">
+                                          <p:val>
+                                            <p:strVal val="#ppt_x"/>
+                                          </p:val>
+                                        </p:tav>
+                                        <p:tav tm="100000">
+                                          <p:val>
+                                            <p:strVal val="#ppt_x"/>
+                                          </p:val>
+                                        </p:tav>
+                                      </p:tavLst>
+                                    </p:anim>
+                                    <p:anim calcmode="lin" valueType="num">
+                                      <p:cBhvr additive="base">
+                                        <p:cTn id="26" dur="500" fill="hold"/>
+                                        <p:tgtEl>
+                                          <p:spTgt spid="3"/>
+                                        </p:tgtEl>
+                                        <p:attrNameLst>
+                                          <p:attrName>ppt_y</p:attrName>
+                                        </p:attrNameLst>
+                                      </p:cBhvr>
+                                      <p:tavLst>
+                                        <p:tav tm="0">
+                                          <p:val>
+                                            <p:strVal val="1+#ppt_h/2"/>
+                                          </p:val>
+                                        </p:tav>
+                                        <p:tav tm="100000">
+                                          <p:val>
+                                            <p:strVal val="#ppt_y"/>
+                                          </p:val>
+                                        </p:tav>
+                                      </p:tavLst>
+                                    </p:anim>
+                                  </p:childTnLst>
+                                </p:cTn>
+                              </p:par>
+                            </p:childTnLst>
+                          </p:cTn>
+                        </p:par>
+                      </p:childTnLst>
+                    </p:cTn>
+                  </p:par>
                 </p:childTnLst>
               </p:cTn>
               <p:prevCondLst>
@@ -11632,6 +12844,9 @@
         </p:cTn>
       </p:par>
     </p:tnLst>
+    <p:bldLst>
+      <p:bldP spid="3" grpId="0"/>
+    </p:bldLst>
   </p:timing>
 </p:sld>
 </file>
@@ -11919,7 +13134,7 @@
           <p:nvPr/>
         </p:nvPicPr>
         <p:blipFill>
-          <a:blip r:embed="rId3"/>
+          <a:blip r:embed="rId1"/>
           <a:stretch>
             <a:fillRect/>
           </a:stretch>
@@ -11943,7 +13158,7 @@
           <p:nvPr/>
         </p:nvPicPr>
         <p:blipFill>
-          <a:blip r:embed="rId4"/>
+          <a:blip r:embed="rId2"/>
           <a:stretch>
             <a:fillRect/>
           </a:stretch>
@@ -12031,6 +13246,13 @@
               </a:rPr>
               <a:t>（非严格模式下）</a:t>
             </a:r>
+            <a:endParaRPr lang="zh-CN" altLang="en-US" sz="2200">
+              <a:solidFill>
+                <a:srgbClr val="FF0000"/>
+              </a:solidFill>
+              <a:latin typeface="+mn-ea"/>
+              <a:ea typeface="+mn-ea"/>
+            </a:endParaRPr>
           </a:p>
         </p:txBody>
       </p:sp>
@@ -12637,6 +13859,13 @@
               </a:rPr>
               <a:t>undefined</a:t>
             </a:r>
+            <a:endParaRPr lang="en-US" altLang="zh-CN" dirty="0" smtClean="0">
+              <a:solidFill>
+                <a:srgbClr val="FF0000"/>
+              </a:solidFill>
+              <a:latin typeface="微软雅黑" panose="020B0503020204020204" pitchFamily="34" charset="-122"/>
+              <a:ea typeface="微软雅黑" panose="020B0503020204020204" pitchFamily="34" charset="-122"/>
+            </a:endParaRPr>
           </a:p>
           <a:p>
             <a:pPr>
@@ -12737,16 +13966,6 @@
                 <a:ea typeface="微软雅黑" panose="020B0503020204020204" pitchFamily="34" charset="-122"/>
               </a:rPr>
             </a:br>
-            <a:r>
-              <a:rPr lang="zh-CN" altLang="en-US" dirty="0" smtClean="0">
-                <a:solidFill>
-                  <a:srgbClr val="000000"/>
-                </a:solidFill>
-                <a:latin typeface="微软雅黑" panose="020B0503020204020204" pitchFamily="34" charset="-122"/>
-                <a:ea typeface="微软雅黑" panose="020B0503020204020204" pitchFamily="34" charset="-122"/>
-              </a:rPr>
-              <a:t/>
-            </a:r>
             <a:br>
               <a:rPr lang="zh-CN" altLang="en-US" dirty="0" smtClean="0">
                 <a:solidFill>
@@ -12824,7 +14043,7 @@
           <p:nvPr/>
         </p:nvPicPr>
         <p:blipFill>
-          <a:blip r:embed="rId3"/>
+          <a:blip r:embed="rId1"/>
           <a:stretch>
             <a:fillRect/>
           </a:stretch>
@@ -12848,7 +14067,7 @@
           <p:nvPr/>
         </p:nvPicPr>
         <p:blipFill>
-          <a:blip r:embed="rId4"/>
+          <a:blip r:embed="rId2"/>
           <a:stretch>
             <a:fillRect/>
           </a:stretch>
@@ -12935,792 +14154,6 @@
                 <a:ea typeface="+mn-ea"/>
               </a:rPr>
               <a:t>（严格模式下）</a:t>
-            </a:r>
-          </a:p>
-        </p:txBody>
-      </p:sp>
-    </p:spTree>
-  </p:cSld>
-  <p:clrMapOvr>
-    <a:masterClrMapping/>
-  </p:clrMapOvr>
-  <p:timing>
-    <p:tnLst>
-      <p:par>
-        <p:cTn id="1" dur="indefinite" restart="never" nodeType="tmRoot">
-          <p:childTnLst>
-            <p:seq concurrent="1" nextAc="seek">
-              <p:cTn id="2" dur="indefinite" nodeType="mainSeq">
-                <p:childTnLst>
-                  <p:par>
-                    <p:cTn id="3" fill="hold">
-                      <p:stCondLst>
-                        <p:cond delay="indefinite"/>
-                      </p:stCondLst>
-                      <p:childTnLst>
-                        <p:par>
-                          <p:cTn id="4" fill="hold">
-                            <p:stCondLst>
-                              <p:cond delay="0"/>
-                            </p:stCondLst>
-                            <p:childTnLst>
-                              <p:par>
-                                <p:cTn id="5" presetID="2" presetClass="entr" presetSubtype="4" fill="hold" nodeType="clickEffect">
-                                  <p:stCondLst>
-                                    <p:cond delay="0"/>
-                                  </p:stCondLst>
-                                  <p:childTnLst>
-                                    <p:set>
-                                      <p:cBhvr>
-                                        <p:cTn id="6" dur="1" fill="hold">
-                                          <p:stCondLst>
-                                            <p:cond delay="0"/>
-                                          </p:stCondLst>
-                                        </p:cTn>
-                                        <p:tgtEl>
-                                          <p:spTgt spid="30722">
-                                            <p:txEl>
-                                              <p:pRg st="0" end="0"/>
-                                            </p:txEl>
-                                          </p:spTgt>
-                                        </p:tgtEl>
-                                        <p:attrNameLst>
-                                          <p:attrName>style.visibility</p:attrName>
-                                        </p:attrNameLst>
-                                      </p:cBhvr>
-                                      <p:to>
-                                        <p:strVal val="visible"/>
-                                      </p:to>
-                                    </p:set>
-                                    <p:anim calcmode="lin" valueType="num">
-                                      <p:cBhvr additive="base">
-                                        <p:cTn id="7" dur="500" fill="hold"/>
-                                        <p:tgtEl>
-                                          <p:spTgt spid="30722">
-                                            <p:txEl>
-                                              <p:pRg st="0" end="0"/>
-                                            </p:txEl>
-                                          </p:spTgt>
-                                        </p:tgtEl>
-                                        <p:attrNameLst>
-                                          <p:attrName>ppt_x</p:attrName>
-                                        </p:attrNameLst>
-                                      </p:cBhvr>
-                                      <p:tavLst>
-                                        <p:tav tm="0">
-                                          <p:val>
-                                            <p:strVal val="#ppt_x"/>
-                                          </p:val>
-                                        </p:tav>
-                                        <p:tav tm="100000">
-                                          <p:val>
-                                            <p:strVal val="#ppt_x"/>
-                                          </p:val>
-                                        </p:tav>
-                                      </p:tavLst>
-                                    </p:anim>
-                                    <p:anim calcmode="lin" valueType="num">
-                                      <p:cBhvr additive="base">
-                                        <p:cTn id="8" dur="500" fill="hold"/>
-                                        <p:tgtEl>
-                                          <p:spTgt spid="30722">
-                                            <p:txEl>
-                                              <p:pRg st="0" end="0"/>
-                                            </p:txEl>
-                                          </p:spTgt>
-                                        </p:tgtEl>
-                                        <p:attrNameLst>
-                                          <p:attrName>ppt_y</p:attrName>
-                                        </p:attrNameLst>
-                                      </p:cBhvr>
-                                      <p:tavLst>
-                                        <p:tav tm="0">
-                                          <p:val>
-                                            <p:strVal val="1+#ppt_h/2"/>
-                                          </p:val>
-                                        </p:tav>
-                                        <p:tav tm="100000">
-                                          <p:val>
-                                            <p:strVal val="#ppt_y"/>
-                                          </p:val>
-                                        </p:tav>
-                                      </p:tavLst>
-                                    </p:anim>
-                                  </p:childTnLst>
-                                </p:cTn>
-                              </p:par>
-                            </p:childTnLst>
-                          </p:cTn>
-                        </p:par>
-                        <p:par>
-                          <p:cTn id="9" fill="hold">
-                            <p:stCondLst>
-                              <p:cond delay="500"/>
-                            </p:stCondLst>
-                            <p:childTnLst>
-                              <p:par>
-                                <p:cTn id="10" presetID="2" presetClass="entr" presetSubtype="4" fill="hold" nodeType="afterEffect">
-                                  <p:stCondLst>
-                                    <p:cond delay="0"/>
-                                  </p:stCondLst>
-                                  <p:childTnLst>
-                                    <p:set>
-                                      <p:cBhvr>
-                                        <p:cTn id="11" dur="1" fill="hold">
-                                          <p:stCondLst>
-                                            <p:cond delay="0"/>
-                                          </p:stCondLst>
-                                        </p:cTn>
-                                        <p:tgtEl>
-                                          <p:spTgt spid="6"/>
-                                        </p:tgtEl>
-                                        <p:attrNameLst>
-                                          <p:attrName>style.visibility</p:attrName>
-                                        </p:attrNameLst>
-                                      </p:cBhvr>
-                                      <p:to>
-                                        <p:strVal val="visible"/>
-                                      </p:to>
-                                    </p:set>
-                                    <p:anim calcmode="lin" valueType="num">
-                                      <p:cBhvr additive="base">
-                                        <p:cTn id="12" dur="500" fill="hold"/>
-                                        <p:tgtEl>
-                                          <p:spTgt spid="6"/>
-                                        </p:tgtEl>
-                                        <p:attrNameLst>
-                                          <p:attrName>ppt_x</p:attrName>
-                                        </p:attrNameLst>
-                                      </p:cBhvr>
-                                      <p:tavLst>
-                                        <p:tav tm="0">
-                                          <p:val>
-                                            <p:strVal val="#ppt_x"/>
-                                          </p:val>
-                                        </p:tav>
-                                        <p:tav tm="100000">
-                                          <p:val>
-                                            <p:strVal val="#ppt_x"/>
-                                          </p:val>
-                                        </p:tav>
-                                      </p:tavLst>
-                                    </p:anim>
-                                    <p:anim calcmode="lin" valueType="num">
-                                      <p:cBhvr additive="base">
-                                        <p:cTn id="13" dur="500" fill="hold"/>
-                                        <p:tgtEl>
-                                          <p:spTgt spid="6"/>
-                                        </p:tgtEl>
-                                        <p:attrNameLst>
-                                          <p:attrName>ppt_y</p:attrName>
-                                        </p:attrNameLst>
-                                      </p:cBhvr>
-                                      <p:tavLst>
-                                        <p:tav tm="0">
-                                          <p:val>
-                                            <p:strVal val="1+#ppt_h/2"/>
-                                          </p:val>
-                                        </p:tav>
-                                        <p:tav tm="100000">
-                                          <p:val>
-                                            <p:strVal val="#ppt_y"/>
-                                          </p:val>
-                                        </p:tav>
-                                      </p:tavLst>
-                                    </p:anim>
-                                  </p:childTnLst>
-                                </p:cTn>
-                              </p:par>
-                            </p:childTnLst>
-                          </p:cTn>
-                        </p:par>
-                      </p:childTnLst>
-                    </p:cTn>
-                  </p:par>
-                  <p:par>
-                    <p:cTn id="14" fill="hold">
-                      <p:stCondLst>
-                        <p:cond delay="indefinite"/>
-                      </p:stCondLst>
-                      <p:childTnLst>
-                        <p:par>
-                          <p:cTn id="15" fill="hold">
-                            <p:stCondLst>
-                              <p:cond delay="0"/>
-                            </p:stCondLst>
-                            <p:childTnLst>
-                              <p:par>
-                                <p:cTn id="16" presetID="2" presetClass="entr" presetSubtype="4" fill="hold" nodeType="clickEffect">
-                                  <p:stCondLst>
-                                    <p:cond delay="0"/>
-                                  </p:stCondLst>
-                                  <p:childTnLst>
-                                    <p:set>
-                                      <p:cBhvr>
-                                        <p:cTn id="17" dur="1" fill="hold">
-                                          <p:stCondLst>
-                                            <p:cond delay="0"/>
-                                          </p:stCondLst>
-                                        </p:cTn>
-                                        <p:tgtEl>
-                                          <p:spTgt spid="30722">
-                                            <p:txEl>
-                                              <p:pRg st="4" end="4"/>
-                                            </p:txEl>
-                                          </p:spTgt>
-                                        </p:tgtEl>
-                                        <p:attrNameLst>
-                                          <p:attrName>style.visibility</p:attrName>
-                                        </p:attrNameLst>
-                                      </p:cBhvr>
-                                      <p:to>
-                                        <p:strVal val="visible"/>
-                                      </p:to>
-                                    </p:set>
-                                    <p:anim calcmode="lin" valueType="num">
-                                      <p:cBhvr additive="base">
-                                        <p:cTn id="18" dur="500" fill="hold"/>
-                                        <p:tgtEl>
-                                          <p:spTgt spid="30722">
-                                            <p:txEl>
-                                              <p:pRg st="4" end="4"/>
-                                            </p:txEl>
-                                          </p:spTgt>
-                                        </p:tgtEl>
-                                        <p:attrNameLst>
-                                          <p:attrName>ppt_x</p:attrName>
-                                        </p:attrNameLst>
-                                      </p:cBhvr>
-                                      <p:tavLst>
-                                        <p:tav tm="0">
-                                          <p:val>
-                                            <p:strVal val="#ppt_x"/>
-                                          </p:val>
-                                        </p:tav>
-                                        <p:tav tm="100000">
-                                          <p:val>
-                                            <p:strVal val="#ppt_x"/>
-                                          </p:val>
-                                        </p:tav>
-                                      </p:tavLst>
-                                    </p:anim>
-                                    <p:anim calcmode="lin" valueType="num">
-                                      <p:cBhvr additive="base">
-                                        <p:cTn id="19" dur="500" fill="hold"/>
-                                        <p:tgtEl>
-                                          <p:spTgt spid="30722">
-                                            <p:txEl>
-                                              <p:pRg st="4" end="4"/>
-                                            </p:txEl>
-                                          </p:spTgt>
-                                        </p:tgtEl>
-                                        <p:attrNameLst>
-                                          <p:attrName>ppt_y</p:attrName>
-                                        </p:attrNameLst>
-                                      </p:cBhvr>
-                                      <p:tavLst>
-                                        <p:tav tm="0">
-                                          <p:val>
-                                            <p:strVal val="1+#ppt_h/2"/>
-                                          </p:val>
-                                        </p:tav>
-                                        <p:tav tm="100000">
-                                          <p:val>
-                                            <p:strVal val="#ppt_y"/>
-                                          </p:val>
-                                        </p:tav>
-                                      </p:tavLst>
-                                    </p:anim>
-                                  </p:childTnLst>
-                                </p:cTn>
-                              </p:par>
-                            </p:childTnLst>
-                          </p:cTn>
-                        </p:par>
-                        <p:par>
-                          <p:cTn id="20" fill="hold">
-                            <p:stCondLst>
-                              <p:cond delay="500"/>
-                            </p:stCondLst>
-                            <p:childTnLst>
-                              <p:par>
-                                <p:cTn id="21" presetID="2" presetClass="entr" presetSubtype="4" fill="hold" nodeType="afterEffect">
-                                  <p:stCondLst>
-                                    <p:cond delay="0"/>
-                                  </p:stCondLst>
-                                  <p:childTnLst>
-                                    <p:set>
-                                      <p:cBhvr>
-                                        <p:cTn id="22" dur="1" fill="hold">
-                                          <p:stCondLst>
-                                            <p:cond delay="0"/>
-                                          </p:stCondLst>
-                                        </p:cTn>
-                                        <p:tgtEl>
-                                          <p:spTgt spid="7"/>
-                                        </p:tgtEl>
-                                        <p:attrNameLst>
-                                          <p:attrName>style.visibility</p:attrName>
-                                        </p:attrNameLst>
-                                      </p:cBhvr>
-                                      <p:to>
-                                        <p:strVal val="visible"/>
-                                      </p:to>
-                                    </p:set>
-                                    <p:anim calcmode="lin" valueType="num">
-                                      <p:cBhvr additive="base">
-                                        <p:cTn id="23" dur="500" fill="hold"/>
-                                        <p:tgtEl>
-                                          <p:spTgt spid="7"/>
-                                        </p:tgtEl>
-                                        <p:attrNameLst>
-                                          <p:attrName>ppt_x</p:attrName>
-                                        </p:attrNameLst>
-                                      </p:cBhvr>
-                                      <p:tavLst>
-                                        <p:tav tm="0">
-                                          <p:val>
-                                            <p:strVal val="#ppt_x"/>
-                                          </p:val>
-                                        </p:tav>
-                                        <p:tav tm="100000">
-                                          <p:val>
-                                            <p:strVal val="#ppt_x"/>
-                                          </p:val>
-                                        </p:tav>
-                                      </p:tavLst>
-                                    </p:anim>
-                                    <p:anim calcmode="lin" valueType="num">
-                                      <p:cBhvr additive="base">
-                                        <p:cTn id="24" dur="500" fill="hold"/>
-                                        <p:tgtEl>
-                                          <p:spTgt spid="7"/>
-                                        </p:tgtEl>
-                                        <p:attrNameLst>
-                                          <p:attrName>ppt_y</p:attrName>
-                                        </p:attrNameLst>
-                                      </p:cBhvr>
-                                      <p:tavLst>
-                                        <p:tav tm="0">
-                                          <p:val>
-                                            <p:strVal val="1+#ppt_h/2"/>
-                                          </p:val>
-                                        </p:tav>
-                                        <p:tav tm="100000">
-                                          <p:val>
-                                            <p:strVal val="#ppt_y"/>
-                                          </p:val>
-                                        </p:tav>
-                                      </p:tavLst>
-                                    </p:anim>
-                                  </p:childTnLst>
-                                </p:cTn>
-                              </p:par>
-                            </p:childTnLst>
-                          </p:cTn>
-                        </p:par>
-                        <p:par>
-                          <p:cTn id="25" fill="hold">
-                            <p:stCondLst>
-                              <p:cond delay="1000"/>
-                            </p:stCondLst>
-                            <p:childTnLst>
-                              <p:par>
-                                <p:cTn id="26" presetID="2" presetClass="entr" presetSubtype="4" fill="hold" grpId="0" nodeType="afterEffect">
-                                  <p:stCondLst>
-                                    <p:cond delay="0"/>
-                                  </p:stCondLst>
-                                  <p:childTnLst>
-                                    <p:set>
-                                      <p:cBhvr>
-                                        <p:cTn id="27" dur="1" fill="hold">
-                                          <p:stCondLst>
-                                            <p:cond delay="0"/>
-                                          </p:stCondLst>
-                                        </p:cTn>
-                                        <p:tgtEl>
-                                          <p:spTgt spid="2"/>
-                                        </p:tgtEl>
-                                        <p:attrNameLst>
-                                          <p:attrName>style.visibility</p:attrName>
-                                        </p:attrNameLst>
-                                      </p:cBhvr>
-                                      <p:to>
-                                        <p:strVal val="visible"/>
-                                      </p:to>
-                                    </p:set>
-                                    <p:anim calcmode="lin" valueType="num">
-                                      <p:cBhvr additive="base">
-                                        <p:cTn id="28" dur="500" fill="hold"/>
-                                        <p:tgtEl>
-                                          <p:spTgt spid="2"/>
-                                        </p:tgtEl>
-                                        <p:attrNameLst>
-                                          <p:attrName>ppt_x</p:attrName>
-                                        </p:attrNameLst>
-                                      </p:cBhvr>
-                                      <p:tavLst>
-                                        <p:tav tm="0">
-                                          <p:val>
-                                            <p:strVal val="#ppt_x"/>
-                                          </p:val>
-                                        </p:tav>
-                                        <p:tav tm="100000">
-                                          <p:val>
-                                            <p:strVal val="#ppt_x"/>
-                                          </p:val>
-                                        </p:tav>
-                                      </p:tavLst>
-                                    </p:anim>
-                                    <p:anim calcmode="lin" valueType="num">
-                                      <p:cBhvr additive="base">
-                                        <p:cTn id="29" dur="500" fill="hold"/>
-                                        <p:tgtEl>
-                                          <p:spTgt spid="2"/>
-                                        </p:tgtEl>
-                                        <p:attrNameLst>
-                                          <p:attrName>ppt_y</p:attrName>
-                                        </p:attrNameLst>
-                                      </p:cBhvr>
-                                      <p:tavLst>
-                                        <p:tav tm="0">
-                                          <p:val>
-                                            <p:strVal val="1+#ppt_h/2"/>
-                                          </p:val>
-                                        </p:tav>
-                                        <p:tav tm="100000">
-                                          <p:val>
-                                            <p:strVal val="#ppt_y"/>
-                                          </p:val>
-                                        </p:tav>
-                                      </p:tavLst>
-                                    </p:anim>
-                                  </p:childTnLst>
-                                </p:cTn>
-                              </p:par>
-                            </p:childTnLst>
-                          </p:cTn>
-                        </p:par>
-                      </p:childTnLst>
-                    </p:cTn>
-                  </p:par>
-                </p:childTnLst>
-              </p:cTn>
-              <p:prevCondLst>
-                <p:cond evt="onPrev" delay="0">
-                  <p:tgtEl>
-                    <p:sldTgt/>
-                  </p:tgtEl>
-                </p:cond>
-              </p:prevCondLst>
-              <p:nextCondLst>
-                <p:cond evt="onNext" delay="0">
-                  <p:tgtEl>
-                    <p:sldTgt/>
-                  </p:tgtEl>
-                </p:cond>
-              </p:nextCondLst>
-            </p:seq>
-          </p:childTnLst>
-        </p:cTn>
-      </p:par>
-    </p:tnLst>
-    <p:bldLst>
-      <p:bldP spid="2" grpId="0"/>
-    </p:bldLst>
-  </p:timing>
-</p:sld>
-</file>
-
-<file path=ppt/slides/slide8.xml><?xml version="1.0" encoding="utf-8"?>
-<p:sld xmlns:a="http://schemas.openxmlformats.org/drawingml/2006/main" xmlns:r="http://schemas.openxmlformats.org/officeDocument/2006/relationships" xmlns:p="http://schemas.openxmlformats.org/presentationml/2006/main">
-  <p:cSld>
-    <p:spTree>
-      <p:nvGrpSpPr>
-        <p:cNvPr id="1" name=""/>
-        <p:cNvGrpSpPr/>
-        <p:nvPr/>
-      </p:nvGrpSpPr>
-      <p:grpSpPr>
-        <a:xfrm>
-          <a:off x="0" y="0"/>
-          <a:ext cx="0" cy="0"/>
-          <a:chOff x="0" y="0"/>
-          <a:chExt cx="0" cy="0"/>
-        </a:xfrm>
-      </p:grpSpPr>
-      <p:sp>
-        <p:nvSpPr>
-          <p:cNvPr id="30722" name="内容占位符 1"/>
-          <p:cNvSpPr>
-            <a:spLocks noGrp="1"/>
-          </p:cNvSpPr>
-          <p:nvPr>
-            <p:ph sz="quarter" idx="10"/>
-          </p:nvPr>
-        </p:nvSpPr>
-        <p:spPr bwMode="auto">
-          <a:xfrm>
-            <a:off x="947420" y="923290"/>
-            <a:ext cx="9940290" cy="5010785"/>
-          </a:xfrm>
-          <a:noFill/>
-          <a:extLst>
-            <a:ext uri="{909E8E84-426E-40DD-AFC4-6F175D3DCCD1}">
-              <a14:hiddenFill xmlns:a14="http://schemas.microsoft.com/office/drawing/2010/main">
-                <a:solidFill>
-                  <a:srgbClr val="FFFFFF"/>
-                </a:solidFill>
-              </a14:hiddenFill>
-            </a:ext>
-            <a:ext uri="{91240B29-F687-4F45-9708-019B960494DF}">
-              <a14:hiddenLine xmlns:a14="http://schemas.microsoft.com/office/drawing/2010/main" w="9525">
-                <a:solidFill>
-                  <a:srgbClr val="000000"/>
-                </a:solidFill>
-                <a:miter lim="800000"/>
-                <a:headEnd/>
-                <a:tailEnd/>
-              </a14:hiddenLine>
-            </a:ext>
-          </a:extLst>
-        </p:spPr>
-        <p:txBody>
-          <a:bodyPr vert="horz" wrap="square" lIns="91440" tIns="45720" rIns="91440" bIns="45720" numCol="1" anchor="t" anchorCtr="0" compatLnSpc="1"/>
-          <a:lstStyle/>
-          <a:p>
-            <a:pPr>
-              <a:lnSpc>
-                <a:spcPts val="3800"/>
-              </a:lnSpc>
-              <a:spcBef>
-                <a:spcPts val="600"/>
-              </a:spcBef>
-              <a:spcAft>
-                <a:spcPts val="600"/>
-              </a:spcAft>
-              <a:buFont typeface="Arial" panose="020B0604020202020204" pitchFamily="34" charset="0"/>
-              <a:buChar char="•"/>
-            </a:pPr>
-            <a:r>
-              <a:rPr lang="zh-CN" altLang="en-US" dirty="0" smtClean="0">
-                <a:solidFill>
-                  <a:srgbClr val="000000"/>
-                </a:solidFill>
-                <a:latin typeface="微软雅黑" panose="020B0503020204020204" pitchFamily="34" charset="-122"/>
-                <a:ea typeface="微软雅黑" panose="020B0503020204020204" pitchFamily="34" charset="-122"/>
-              </a:rPr>
-              <a:t>函数作为对象的一个属性时，称之为对象的方法</a:t>
-            </a:r>
-          </a:p>
-          <a:p>
-            <a:pPr>
-              <a:lnSpc>
-                <a:spcPts val="3800"/>
-              </a:lnSpc>
-              <a:spcBef>
-                <a:spcPts val="600"/>
-              </a:spcBef>
-              <a:spcAft>
-                <a:spcPts val="600"/>
-              </a:spcAft>
-              <a:buFont typeface="Arial" panose="020B0604020202020204" pitchFamily="34" charset="0"/>
-              <a:buChar char="•"/>
-            </a:pPr>
-            <a:r>
-              <a:rPr lang="zh-CN" altLang="en-US" dirty="0" smtClean="0">
-                <a:solidFill>
-                  <a:srgbClr val="000000"/>
-                </a:solidFill>
-                <a:latin typeface="微软雅黑" panose="020B0503020204020204" pitchFamily="34" charset="-122"/>
-                <a:ea typeface="微软雅黑" panose="020B0503020204020204" pitchFamily="34" charset="-122"/>
-              </a:rPr>
-              <a:t>对象方法中的</a:t>
-            </a:r>
-            <a:r>
-              <a:rPr lang="en-US" altLang="zh-CN" dirty="0" smtClean="0">
-                <a:solidFill>
-                  <a:srgbClr val="000000"/>
-                </a:solidFill>
-                <a:latin typeface="微软雅黑" panose="020B0503020204020204" pitchFamily="34" charset="-122"/>
-                <a:ea typeface="微软雅黑" panose="020B0503020204020204" pitchFamily="34" charset="-122"/>
-              </a:rPr>
-              <a:t>this</a:t>
-            </a:r>
-            <a:r>
-              <a:rPr lang="zh-CN" altLang="en-US" dirty="0" smtClean="0">
-                <a:solidFill>
-                  <a:srgbClr val="000000"/>
-                </a:solidFill>
-                <a:latin typeface="微软雅黑" panose="020B0503020204020204" pitchFamily="34" charset="-122"/>
-                <a:ea typeface="微软雅黑" panose="020B0503020204020204" pitchFamily="34" charset="-122"/>
-              </a:rPr>
-              <a:t>指代</a:t>
-            </a:r>
-            <a:r>
-              <a:rPr lang="zh-CN" altLang="en-US" dirty="0" smtClean="0">
-                <a:solidFill>
-                  <a:srgbClr val="FF0000"/>
-                </a:solidFill>
-                <a:latin typeface="微软雅黑" panose="020B0503020204020204" pitchFamily="34" charset="-122"/>
-                <a:ea typeface="微软雅黑" panose="020B0503020204020204" pitchFamily="34" charset="-122"/>
-              </a:rPr>
-              <a:t>调用此方法的对象（无嵌套的情况下）</a:t>
-            </a:r>
-            <a:br>
-              <a:rPr lang="zh-CN" altLang="en-US" dirty="0" smtClean="0">
-                <a:solidFill>
-                  <a:srgbClr val="FF0000"/>
-                </a:solidFill>
-                <a:latin typeface="微软雅黑" panose="020B0503020204020204" pitchFamily="34" charset="-122"/>
-                <a:ea typeface="微软雅黑" panose="020B0503020204020204" pitchFamily="34" charset="-122"/>
-              </a:rPr>
-            </a:br>
-            <a:endParaRPr kumimoji="0" lang="zh-CN" altLang="en-US" dirty="0" smtClean="0">
-              <a:solidFill>
-                <a:srgbClr val="FF0000"/>
-              </a:solidFill>
-              <a:latin typeface="微软雅黑" panose="020B0503020204020204" pitchFamily="34" charset="-122"/>
-              <a:ea typeface="微软雅黑" panose="020B0503020204020204" pitchFamily="34" charset="-122"/>
-              <a:sym typeface="+mn-ea"/>
-            </a:endParaRPr>
-          </a:p>
-        </p:txBody>
-      </p:sp>
-      <p:sp>
-        <p:nvSpPr>
-          <p:cNvPr id="3" name="内容占位符 2"/>
-          <p:cNvSpPr>
-            <a:spLocks noGrp="1"/>
-          </p:cNvSpPr>
-          <p:nvPr>
-            <p:ph sz="quarter" idx="11"/>
-          </p:nvPr>
-        </p:nvSpPr>
-        <p:spPr>
-          <a:xfrm>
-            <a:off x="947420" y="308610"/>
-            <a:ext cx="9257665" cy="490220"/>
-          </a:xfrm>
-        </p:spPr>
-        <p:txBody>
-          <a:bodyPr/>
-          <a:lstStyle/>
-          <a:p>
-            <a:r>
-              <a:rPr kumimoji="0" lang="zh-CN" b="0" dirty="0">
-                <a:solidFill>
-                  <a:srgbClr val="C00000"/>
-                </a:solidFill>
-              </a:rPr>
-              <a:t>二、对象方法中的</a:t>
-            </a:r>
-            <a:r>
-              <a:rPr kumimoji="0" lang="en-US" altLang="zh-CN" b="0" dirty="0">
-                <a:solidFill>
-                  <a:srgbClr val="C00000"/>
-                </a:solidFill>
-              </a:rPr>
-              <a:t>this</a:t>
-            </a:r>
-            <a:r>
-              <a:rPr kumimoji="0" lang="zh-CN" altLang="en-US" b="0" dirty="0">
-                <a:solidFill>
-                  <a:srgbClr val="C00000"/>
-                </a:solidFill>
-              </a:rPr>
-              <a:t>（无函数嵌套的情况下）</a:t>
-            </a:r>
-            <a:endParaRPr lang="zh-CN" altLang="en-US" dirty="0"/>
-          </a:p>
-        </p:txBody>
-      </p:sp>
-      <p:pic>
-        <p:nvPicPr>
-          <p:cNvPr id="4" name="图片 3" descr="HDYBU@BNI3@YE%9CG%C$8CQ"/>
-          <p:cNvPicPr>
-            <a:picLocks noChangeAspect="1"/>
-          </p:cNvPicPr>
-          <p:nvPr/>
-        </p:nvPicPr>
-        <p:blipFill>
-          <a:blip r:embed="rId2"/>
-          <a:stretch>
-            <a:fillRect/>
-          </a:stretch>
-        </p:blipFill>
-        <p:spPr>
-          <a:xfrm>
-            <a:off x="1099820" y="2159000"/>
-            <a:ext cx="8590915" cy="3775075"/>
-          </a:xfrm>
-          <a:prstGeom prst="rect">
-            <a:avLst/>
-          </a:prstGeom>
-        </p:spPr>
-      </p:pic>
-      <p:sp>
-        <p:nvSpPr>
-          <p:cNvPr id="2" name="文本框 1"/>
-          <p:cNvSpPr txBox="1"/>
-          <p:nvPr/>
-        </p:nvSpPr>
-        <p:spPr>
-          <a:xfrm>
-            <a:off x="5153025" y="6036945"/>
-            <a:ext cx="4793615" cy="429895"/>
-          </a:xfrm>
-          <a:prstGeom prst="rect">
-            <a:avLst/>
-          </a:prstGeom>
-          <a:noFill/>
-        </p:spPr>
-        <p:txBody>
-          <a:bodyPr wrap="square" rtlCol="0">
-            <a:spAutoFit/>
-          </a:bodyPr>
-          <a:lstStyle/>
-          <a:p>
-            <a:pPr algn="l"/>
-            <a:r>
-              <a:rPr lang="zh-CN" altLang="en-US" sz="2200">
-                <a:solidFill>
-                  <a:srgbClr val="FF0000"/>
-                </a:solidFill>
-                <a:latin typeface="+mn-ea"/>
-                <a:ea typeface="+mn-ea"/>
-              </a:rPr>
-              <a:t>参见实例</a:t>
-            </a:r>
-            <a:r>
-              <a:rPr lang="en-US" altLang="zh-CN" sz="2200">
-                <a:solidFill>
-                  <a:srgbClr val="FF0000"/>
-                </a:solidFill>
-                <a:latin typeface="+mn-ea"/>
-                <a:ea typeface="+mn-ea"/>
-              </a:rPr>
-              <a:t>demo03 </a:t>
-            </a:r>
-            <a:r>
-              <a:rPr lang="zh-CN" altLang="en-US" sz="2200">
-                <a:solidFill>
-                  <a:srgbClr val="FF0000"/>
-                </a:solidFill>
-                <a:latin typeface="+mn-ea"/>
-                <a:ea typeface="+mn-ea"/>
-              </a:rPr>
-              <a:t>对象方法中的</a:t>
-            </a:r>
-            <a:r>
-              <a:rPr lang="en-US" altLang="zh-CN" sz="2200">
-                <a:solidFill>
-                  <a:srgbClr val="FF0000"/>
-                </a:solidFill>
-                <a:latin typeface="+mn-ea"/>
-                <a:ea typeface="+mn-ea"/>
-              </a:rPr>
-              <a:t>this</a:t>
             </a:r>
             <a:endParaRPr lang="zh-CN" altLang="en-US" sz="2200">
               <a:solidFill>
@@ -13842,15 +14275,115 @@
                                   </p:childTnLst>
                                 </p:cTn>
                               </p:par>
+                            </p:childTnLst>
+                          </p:cTn>
+                        </p:par>
+                        <p:par>
+                          <p:cTn id="9" fill="hold">
+                            <p:stCondLst>
+                              <p:cond delay="500"/>
+                            </p:stCondLst>
+                            <p:childTnLst>
                               <p:par>
-                                <p:cTn id="9" presetID="2" presetClass="entr" presetSubtype="4" fill="hold" nodeType="withEffect">
+                                <p:cTn id="10" presetID="2" presetClass="entr" presetSubtype="4" fill="hold" nodeType="afterEffect">
                                   <p:stCondLst>
                                     <p:cond delay="0"/>
                                   </p:stCondLst>
                                   <p:childTnLst>
                                     <p:set>
                                       <p:cBhvr>
-                                        <p:cTn id="10" dur="1" fill="hold">
+                                        <p:cTn id="11" dur="1" fill="hold">
+                                          <p:stCondLst>
+                                            <p:cond delay="0"/>
+                                          </p:stCondLst>
+                                        </p:cTn>
+                                        <p:tgtEl>
+                                          <p:spTgt spid="6"/>
+                                        </p:tgtEl>
+                                        <p:attrNameLst>
+                                          <p:attrName>style.visibility</p:attrName>
+                                        </p:attrNameLst>
+                                      </p:cBhvr>
+                                      <p:to>
+                                        <p:strVal val="visible"/>
+                                      </p:to>
+                                    </p:set>
+                                    <p:anim calcmode="lin" valueType="num">
+                                      <p:cBhvr additive="base">
+                                        <p:cTn id="12" dur="500" fill="hold"/>
+                                        <p:tgtEl>
+                                          <p:spTgt spid="6"/>
+                                        </p:tgtEl>
+                                        <p:attrNameLst>
+                                          <p:attrName>ppt_x</p:attrName>
+                                        </p:attrNameLst>
+                                      </p:cBhvr>
+                                      <p:tavLst>
+                                        <p:tav tm="0">
+                                          <p:val>
+                                            <p:strVal val="#ppt_x"/>
+                                          </p:val>
+                                        </p:tav>
+                                        <p:tav tm="100000">
+                                          <p:val>
+                                            <p:strVal val="#ppt_x"/>
+                                          </p:val>
+                                        </p:tav>
+                                      </p:tavLst>
+                                    </p:anim>
+                                    <p:anim calcmode="lin" valueType="num">
+                                      <p:cBhvr additive="base">
+                                        <p:cTn id="13" dur="500" fill="hold"/>
+                                        <p:tgtEl>
+                                          <p:spTgt spid="6"/>
+                                        </p:tgtEl>
+                                        <p:attrNameLst>
+                                          <p:attrName>ppt_y</p:attrName>
+                                        </p:attrNameLst>
+                                      </p:cBhvr>
+                                      <p:tavLst>
+                                        <p:tav tm="0">
+                                          <p:val>
+                                            <p:strVal val="1+#ppt_h/2"/>
+                                          </p:val>
+                                        </p:tav>
+                                        <p:tav tm="100000">
+                                          <p:val>
+                                            <p:strVal val="#ppt_y"/>
+                                          </p:val>
+                                        </p:tav>
+                                      </p:tavLst>
+                                    </p:anim>
+                                  </p:childTnLst>
+                                </p:cTn>
+                              </p:par>
+                            </p:childTnLst>
+                          </p:cTn>
+                        </p:par>
+                      </p:childTnLst>
+                    </p:cTn>
+                  </p:par>
+                  <p:par>
+                    <p:cTn id="14" fill="hold">
+                      <p:stCondLst>
+                        <p:cond delay="indefinite"/>
+                      </p:stCondLst>
+                      <p:childTnLst>
+                        <p:par>
+                          <p:cTn id="15" fill="hold">
+                            <p:stCondLst>
+                              <p:cond delay="0"/>
+                            </p:stCondLst>
+                            <p:childTnLst>
+                              <p:par>
+                                <p:cTn id="16" presetID="2" presetClass="entr" presetSubtype="4" fill="hold" nodeType="clickEffect">
+                                  <p:stCondLst>
+                                    <p:cond delay="0"/>
+                                  </p:stCondLst>
+                                  <p:childTnLst>
+                                    <p:set>
+                                      <p:cBhvr>
+                                        <p:cTn id="17" dur="1" fill="hold">
                                           <p:stCondLst>
                                             <p:cond delay="0"/>
                                           </p:stCondLst>
@@ -13858,7 +14391,7 @@
                                         <p:tgtEl>
                                           <p:spTgt spid="30722">
                                             <p:txEl>
-                                              <p:pRg st="1" end="1"/>
+                                              <p:pRg st="4" end="4"/>
                                             </p:txEl>
                                           </p:spTgt>
                                         </p:tgtEl>
@@ -13872,11 +14405,11 @@
                                     </p:set>
                                     <p:anim calcmode="lin" valueType="num">
                                       <p:cBhvr additive="base">
-                                        <p:cTn id="11" dur="500" fill="hold"/>
+                                        <p:cTn id="18" dur="500" fill="hold"/>
                                         <p:tgtEl>
                                           <p:spTgt spid="30722">
                                             <p:txEl>
-                                              <p:pRg st="1" end="1"/>
+                                              <p:pRg st="4" end="4"/>
                                             </p:txEl>
                                           </p:spTgt>
                                         </p:tgtEl>
@@ -13899,11 +14432,11 @@
                                     </p:anim>
                                     <p:anim calcmode="lin" valueType="num">
                                       <p:cBhvr additive="base">
-                                        <p:cTn id="12" dur="500" fill="hold"/>
+                                        <p:cTn id="19" dur="500" fill="hold"/>
                                         <p:tgtEl>
                                           <p:spTgt spid="30722">
                                             <p:txEl>
-                                              <p:pRg st="1" end="1"/>
+                                              <p:pRg st="4" end="4"/>
                                             </p:txEl>
                                           </p:spTgt>
                                         </p:tgtEl>
@@ -13930,36 +14463,27 @@
                             </p:childTnLst>
                           </p:cTn>
                         </p:par>
-                      </p:childTnLst>
-                    </p:cTn>
-                  </p:par>
-                  <p:par>
-                    <p:cTn id="13" fill="hold">
-                      <p:stCondLst>
-                        <p:cond delay="indefinite"/>
-                      </p:stCondLst>
-                      <p:childTnLst>
                         <p:par>
-                          <p:cTn id="14" fill="hold">
+                          <p:cTn id="20" fill="hold">
                             <p:stCondLst>
-                              <p:cond delay="0"/>
+                              <p:cond delay="500"/>
                             </p:stCondLst>
                             <p:childTnLst>
                               <p:par>
-                                <p:cTn id="15" presetID="2" presetClass="entr" presetSubtype="4" fill="hold" nodeType="clickEffect">
+                                <p:cTn id="21" presetID="2" presetClass="entr" presetSubtype="4" fill="hold" nodeType="afterEffect">
                                   <p:stCondLst>
                                     <p:cond delay="0"/>
                                   </p:stCondLst>
                                   <p:childTnLst>
                                     <p:set>
                                       <p:cBhvr>
-                                        <p:cTn id="16" dur="1" fill="hold">
+                                        <p:cTn id="22" dur="1" fill="hold">
                                           <p:stCondLst>
                                             <p:cond delay="0"/>
                                           </p:stCondLst>
                                         </p:cTn>
                                         <p:tgtEl>
-                                          <p:spTgt spid="4"/>
+                                          <p:spTgt spid="7"/>
                                         </p:tgtEl>
                                         <p:attrNameLst>
                                           <p:attrName>style.visibility</p:attrName>
@@ -13971,9 +14495,9 @@
                                     </p:set>
                                     <p:anim calcmode="lin" valueType="num">
                                       <p:cBhvr additive="base">
-                                        <p:cTn id="17" dur="500" fill="hold"/>
+                                        <p:cTn id="23" dur="500" fill="hold"/>
                                         <p:tgtEl>
-                                          <p:spTgt spid="4"/>
+                                          <p:spTgt spid="7"/>
                                         </p:tgtEl>
                                         <p:attrNameLst>
                                           <p:attrName>ppt_x</p:attrName>
@@ -13994,9 +14518,9 @@
                                     </p:anim>
                                     <p:anim calcmode="lin" valueType="num">
                                       <p:cBhvr additive="base">
-                                        <p:cTn id="18" dur="500" fill="hold"/>
+                                        <p:cTn id="24" dur="500" fill="hold"/>
                                         <p:tgtEl>
-                                          <p:spTgt spid="4"/>
+                                          <p:spTgt spid="7"/>
                                         </p:tgtEl>
                                         <p:attrNameLst>
                                           <p:attrName>ppt_y</p:attrName>
@@ -14022,20 +14546,20 @@
                           </p:cTn>
                         </p:par>
                         <p:par>
-                          <p:cTn id="19" fill="hold">
+                          <p:cTn id="25" fill="hold">
                             <p:stCondLst>
-                              <p:cond delay="500"/>
+                              <p:cond delay="1000"/>
                             </p:stCondLst>
                             <p:childTnLst>
                               <p:par>
-                                <p:cTn id="20" presetID="2" presetClass="entr" presetSubtype="4" fill="hold" grpId="0" nodeType="afterEffect">
+                                <p:cTn id="26" presetID="2" presetClass="entr" presetSubtype="4" fill="hold" grpId="0" nodeType="afterEffect">
                                   <p:stCondLst>
                                     <p:cond delay="0"/>
                                   </p:stCondLst>
                                   <p:childTnLst>
                                     <p:set>
                                       <p:cBhvr>
-                                        <p:cTn id="21" dur="1" fill="hold">
+                                        <p:cTn id="27" dur="1" fill="hold">
                                           <p:stCondLst>
                                             <p:cond delay="0"/>
                                           </p:stCondLst>
@@ -14053,7 +14577,7 @@
                                     </p:set>
                                     <p:anim calcmode="lin" valueType="num">
                                       <p:cBhvr additive="base">
-                                        <p:cTn id="22" dur="500" fill="hold"/>
+                                        <p:cTn id="28" dur="500" fill="hold"/>
                                         <p:tgtEl>
                                           <p:spTgt spid="2"/>
                                         </p:tgtEl>
@@ -14076,7 +14600,7 @@
                                     </p:anim>
                                     <p:anim calcmode="lin" valueType="num">
                                       <p:cBhvr additive="base">
-                                        <p:cTn id="23" dur="500" fill="hold"/>
+                                        <p:cTn id="29" dur="500" fill="hold"/>
                                         <p:tgtEl>
                                           <p:spTgt spid="2"/>
                                         </p:tgtEl>
@@ -14134,7 +14658,7 @@
 </p:sld>
 </file>
 
-<file path=ppt/slides/slide9.xml><?xml version="1.0" encoding="utf-8"?>
+<file path=ppt/slides/slide8.xml><?xml version="1.0" encoding="utf-8"?>
 <p:sld xmlns:a="http://schemas.openxmlformats.org/drawingml/2006/main" xmlns:r="http://schemas.openxmlformats.org/officeDocument/2006/relationships" xmlns:p="http://schemas.openxmlformats.org/presentationml/2006/main">
   <p:cSld>
     <p:spTree>
@@ -14212,250 +14736,86 @@
                 <a:latin typeface="微软雅黑" panose="020B0503020204020204" pitchFamily="34" charset="-122"/>
                 <a:ea typeface="微软雅黑" panose="020B0503020204020204" pitchFamily="34" charset="-122"/>
               </a:rPr>
-              <a:t>构造函数中的</a:t>
-            </a:r>
-            <a:r>
-              <a:rPr lang="en-US" altLang="zh-CN" dirty="0" smtClean="0">
-                <a:solidFill>
-                  <a:srgbClr val="000000"/>
-                </a:solidFill>
-                <a:latin typeface="微软雅黑" panose="020B0503020204020204" pitchFamily="34" charset="-122"/>
-                <a:ea typeface="微软雅黑" panose="020B0503020204020204" pitchFamily="34" charset="-122"/>
-              </a:rPr>
-              <a:t>this</a:t>
-            </a:r>
-            <a:r>
-              <a:rPr lang="zh-CN" altLang="en-US" dirty="0" smtClean="0">
-                <a:solidFill>
-                  <a:srgbClr val="000000"/>
-                </a:solidFill>
-                <a:latin typeface="微软雅黑" panose="020B0503020204020204" pitchFamily="34" charset="-122"/>
-                <a:ea typeface="微软雅黑" panose="020B0503020204020204" pitchFamily="34" charset="-122"/>
-              </a:rPr>
-              <a:t>指代</a:t>
-            </a:r>
-            <a:r>
-              <a:rPr lang="zh-CN" altLang="en-US" dirty="0" smtClean="0">
-                <a:solidFill>
-                  <a:srgbClr val="FF0000"/>
-                </a:solidFill>
-                <a:latin typeface="微软雅黑" panose="020B0503020204020204" pitchFamily="34" charset="-122"/>
-                <a:ea typeface="微软雅黑" panose="020B0503020204020204" pitchFamily="34" charset="-122"/>
-              </a:rPr>
-              <a:t>通过</a:t>
-            </a:r>
-            <a:r>
-              <a:rPr lang="en-US" altLang="zh-CN" dirty="0" smtClean="0">
-                <a:solidFill>
-                  <a:srgbClr val="FF0000"/>
-                </a:solidFill>
-                <a:latin typeface="微软雅黑" panose="020B0503020204020204" pitchFamily="34" charset="-122"/>
-                <a:ea typeface="微软雅黑" panose="020B0503020204020204" pitchFamily="34" charset="-122"/>
-              </a:rPr>
-              <a:t>new</a:t>
-            </a:r>
-            <a:r>
-              <a:rPr lang="zh-CN" altLang="en-US" dirty="0" smtClean="0">
-                <a:solidFill>
-                  <a:srgbClr val="FF0000"/>
-                </a:solidFill>
-                <a:latin typeface="微软雅黑" panose="020B0503020204020204" pitchFamily="34" charset="-122"/>
-                <a:ea typeface="微软雅黑" panose="020B0503020204020204" pitchFamily="34" charset="-122"/>
-              </a:rPr>
-              <a:t>新创建的对象</a:t>
-            </a:r>
-            <a:r>
-              <a:rPr lang="zh-CN" altLang="en-US" dirty="0" smtClean="0">
-                <a:solidFill>
-                  <a:srgbClr val="000000"/>
-                </a:solidFill>
-                <a:latin typeface="微软雅黑" panose="020B0503020204020204" pitchFamily="34" charset="-122"/>
-                <a:ea typeface="微软雅黑" panose="020B0503020204020204" pitchFamily="34" charset="-122"/>
-              </a:rPr>
-              <a:t/>
-            </a:r>
-            <a:br>
-              <a:rPr lang="zh-CN" altLang="en-US" dirty="0" smtClean="0">
-                <a:solidFill>
-                  <a:srgbClr val="000000"/>
-                </a:solidFill>
-                <a:latin typeface="微软雅黑" panose="020B0503020204020204" pitchFamily="34" charset="-122"/>
-                <a:ea typeface="微软雅黑" panose="020B0503020204020204" pitchFamily="34" charset="-122"/>
-              </a:rPr>
-            </a:br>
-            <a:r>
-              <a:rPr kumimoji="0" lang="en-US" altLang="zh-CN" sz="1800" dirty="0" smtClean="0">
-                <a:solidFill>
-                  <a:schemeClr val="tx1"/>
-                </a:solidFill>
-                <a:latin typeface="微软雅黑" panose="020B0503020204020204" pitchFamily="34" charset="-122"/>
-                <a:ea typeface="微软雅黑" panose="020B0503020204020204" pitchFamily="34" charset="-122"/>
-              </a:rPr>
-              <a:t>- JS</a:t>
-            </a:r>
-            <a:r>
-              <a:rPr kumimoji="0" lang="zh-CN" altLang="en-US" sz="1800" dirty="0" smtClean="0">
-                <a:solidFill>
-                  <a:schemeClr val="tx1"/>
-                </a:solidFill>
-                <a:latin typeface="微软雅黑" panose="020B0503020204020204" pitchFamily="34" charset="-122"/>
-                <a:ea typeface="微软雅黑" panose="020B0503020204020204" pitchFamily="34" charset="-122"/>
-              </a:rPr>
-              <a:t>（</a:t>
-            </a:r>
-            <a:r>
-              <a:rPr kumimoji="0" lang="en-US" altLang="zh-CN" sz="1800" dirty="0" smtClean="0">
-                <a:solidFill>
-                  <a:schemeClr val="tx1"/>
-                </a:solidFill>
-                <a:latin typeface="微软雅黑" panose="020B0503020204020204" pitchFamily="34" charset="-122"/>
-                <a:ea typeface="微软雅黑" panose="020B0503020204020204" pitchFamily="34" charset="-122"/>
-              </a:rPr>
-              <a:t>ES5</a:t>
-            </a:r>
-            <a:r>
-              <a:rPr kumimoji="0" lang="zh-CN" altLang="en-US" sz="1800" dirty="0" smtClean="0">
-                <a:solidFill>
-                  <a:schemeClr val="tx1"/>
-                </a:solidFill>
-                <a:latin typeface="微软雅黑" panose="020B0503020204020204" pitchFamily="34" charset="-122"/>
-                <a:ea typeface="微软雅黑" panose="020B0503020204020204" pitchFamily="34" charset="-122"/>
-              </a:rPr>
-              <a:t>）</a:t>
-            </a:r>
-            <a:r>
-              <a:rPr kumimoji="0" lang="en-US" altLang="zh-CN" sz="1800" dirty="0" smtClean="0">
-                <a:solidFill>
-                  <a:schemeClr val="tx1"/>
-                </a:solidFill>
-                <a:latin typeface="微软雅黑" panose="020B0503020204020204" pitchFamily="34" charset="-122"/>
-                <a:ea typeface="微软雅黑" panose="020B0503020204020204" pitchFamily="34" charset="-122"/>
-              </a:rPr>
-              <a:t> 并没有类（class）的概念，</a:t>
-            </a:r>
-            <a:r>
-              <a:rPr kumimoji="0" lang="en-US" altLang="zh-CN" sz="1800" dirty="0" smtClean="0">
-                <a:solidFill>
-                  <a:schemeClr val="tx1"/>
-                </a:solidFill>
-                <a:sym typeface="+mn-ea"/>
-              </a:rPr>
-              <a:t>而是使用基于原型（prototype）的继承方式</a:t>
-            </a:r>
-            <a:r>
-              <a:rPr kumimoji="0" lang="en-US" altLang="zh-CN" sz="1800" dirty="0" smtClean="0">
-                <a:solidFill>
-                  <a:schemeClr val="tx1"/>
-                </a:solidFill>
-                <a:latin typeface="微软雅黑" panose="020B0503020204020204" pitchFamily="34" charset="-122"/>
-                <a:ea typeface="微软雅黑" panose="020B0503020204020204" pitchFamily="34" charset="-122"/>
-              </a:rPr>
-              <a:t/>
-            </a:r>
-            <a:br>
-              <a:rPr kumimoji="0" lang="en-US" altLang="zh-CN" sz="1800" dirty="0" smtClean="0">
-                <a:solidFill>
-                  <a:schemeClr val="tx1"/>
-                </a:solidFill>
-                <a:latin typeface="微软雅黑" panose="020B0503020204020204" pitchFamily="34" charset="-122"/>
-                <a:ea typeface="微软雅黑" panose="020B0503020204020204" pitchFamily="34" charset="-122"/>
-              </a:rPr>
-            </a:br>
-            <a:r>
-              <a:rPr kumimoji="0" lang="en-US" altLang="zh-CN" sz="1800" dirty="0" smtClean="0">
-                <a:solidFill>
-                  <a:schemeClr val="tx1"/>
-                </a:solidFill>
-                <a:latin typeface="微软雅黑" panose="020B0503020204020204" pitchFamily="34" charset="-122"/>
-                <a:ea typeface="微软雅黑" panose="020B0503020204020204" pitchFamily="34" charset="-122"/>
-              </a:rPr>
-              <a:t>- JS中的构造函数</a:t>
-            </a:r>
-            <a:r>
-              <a:rPr kumimoji="0" lang="zh-CN" altLang="en-US" sz="1800" dirty="0" smtClean="0">
-                <a:solidFill>
-                  <a:schemeClr val="tx1"/>
-                </a:solidFill>
-                <a:latin typeface="微软雅黑" panose="020B0503020204020204" pitchFamily="34" charset="-122"/>
-                <a:ea typeface="微软雅黑" panose="020B0503020204020204" pitchFamily="34" charset="-122"/>
-              </a:rPr>
-              <a:t>充当了类的角色</a:t>
-            </a:r>
-            <a:r>
-              <a:rPr kumimoji="0" lang="en-US" altLang="zh-CN" sz="1800" dirty="0" smtClean="0">
-                <a:solidFill>
-                  <a:schemeClr val="tx1"/>
-                </a:solidFill>
-                <a:latin typeface="微软雅黑" panose="020B0503020204020204" pitchFamily="34" charset="-122"/>
-                <a:ea typeface="微软雅黑" panose="020B0503020204020204" pitchFamily="34" charset="-122"/>
-              </a:rPr>
-              <a:t>，如果不使用 new 调用，则和普通函数一样。</a:t>
-            </a:r>
-            <a:br>
-              <a:rPr kumimoji="0" lang="en-US" altLang="zh-CN" sz="1800" dirty="0" smtClean="0">
-                <a:solidFill>
-                  <a:schemeClr val="tx1"/>
-                </a:solidFill>
-                <a:latin typeface="微软雅黑" panose="020B0503020204020204" pitchFamily="34" charset="-122"/>
-                <a:ea typeface="微软雅黑" panose="020B0503020204020204" pitchFamily="34" charset="-122"/>
-              </a:rPr>
-            </a:br>
-            <a:r>
-              <a:rPr kumimoji="0" lang="en-US" altLang="zh-CN" sz="1800" dirty="0" smtClean="0">
-                <a:solidFill>
-                  <a:schemeClr val="tx1"/>
-                </a:solidFill>
-                <a:latin typeface="微软雅黑" panose="020B0503020204020204" pitchFamily="34" charset="-122"/>
-                <a:ea typeface="微软雅黑" panose="020B0503020204020204" pitchFamily="34" charset="-122"/>
-              </a:rPr>
-              <a:t>- 如果</a:t>
-            </a:r>
-            <a:r>
-              <a:rPr kumimoji="0" lang="zh-CN" altLang="en-US" sz="1800" dirty="0" smtClean="0">
-                <a:solidFill>
-                  <a:schemeClr val="tx1"/>
-                </a:solidFill>
-                <a:latin typeface="微软雅黑" panose="020B0503020204020204" pitchFamily="34" charset="-122"/>
-                <a:ea typeface="微软雅黑" panose="020B0503020204020204" pitchFamily="34" charset="-122"/>
-              </a:rPr>
-              <a:t>作为构造函数正确调用时</a:t>
-            </a:r>
-            <a:r>
-              <a:rPr kumimoji="0" lang="en-US" altLang="zh-CN" sz="1800" dirty="0" smtClean="0">
-                <a:solidFill>
-                  <a:schemeClr val="tx1"/>
-                </a:solidFill>
-                <a:latin typeface="微软雅黑" panose="020B0503020204020204" pitchFamily="34" charset="-122"/>
-                <a:ea typeface="微软雅黑" panose="020B0503020204020204" pitchFamily="34" charset="-122"/>
-              </a:rPr>
-              <a:t>，</a:t>
-            </a:r>
-            <a:r>
-              <a:rPr kumimoji="0" lang="zh-CN" altLang="en-US" sz="1800" dirty="0" smtClean="0">
-                <a:solidFill>
-                  <a:schemeClr val="tx1"/>
-                </a:solidFill>
-                <a:latin typeface="微软雅黑" panose="020B0503020204020204" pitchFamily="34" charset="-122"/>
-                <a:ea typeface="微软雅黑" panose="020B0503020204020204" pitchFamily="34" charset="-122"/>
-              </a:rPr>
-              <a:t>构造函数中的</a:t>
-            </a:r>
-            <a:r>
-              <a:rPr kumimoji="0" lang="en-US" altLang="zh-CN" sz="1800" dirty="0" smtClean="0">
-                <a:solidFill>
-                  <a:schemeClr val="tx1"/>
-                </a:solidFill>
-                <a:latin typeface="微软雅黑" panose="020B0503020204020204" pitchFamily="34" charset="-122"/>
-                <a:ea typeface="微软雅黑" panose="020B0503020204020204" pitchFamily="34" charset="-122"/>
-              </a:rPr>
-              <a:t>this 绑定到新创建的对象上</a:t>
-            </a:r>
-            <a:endParaRPr kumimoji="0" lang="zh-CN" altLang="en-US" sz="1800" dirty="0" smtClean="0">
+              <a:t>函数作为对象的一个属性时，称之为对象的方法</a:t>
+            </a:r>
+            <a:endParaRPr lang="zh-CN" altLang="en-US" dirty="0" smtClean="0">
               <a:solidFill>
-                <a:schemeClr val="tx1"/>
+                <a:srgbClr val="000000"/>
               </a:solidFill>
               <a:latin typeface="微软雅黑" panose="020B0503020204020204" pitchFamily="34" charset="-122"/>
               <a:ea typeface="微软雅黑" panose="020B0503020204020204" pitchFamily="34" charset="-122"/>
+            </a:endParaRPr>
+          </a:p>
+          <a:p>
+            <a:pPr>
+              <a:lnSpc>
+                <a:spcPts val="3800"/>
+              </a:lnSpc>
+              <a:spcBef>
+                <a:spcPts val="600"/>
+              </a:spcBef>
+              <a:spcAft>
+                <a:spcPts val="600"/>
+              </a:spcAft>
+              <a:buFont typeface="Arial" panose="020B0604020202020204" pitchFamily="34" charset="0"/>
+              <a:buChar char="•"/>
+            </a:pPr>
+            <a:r>
+              <a:rPr lang="zh-CN" altLang="en-US" dirty="0" smtClean="0">
+                <a:solidFill>
+                  <a:srgbClr val="000000"/>
+                </a:solidFill>
+                <a:latin typeface="微软雅黑" panose="020B0503020204020204" pitchFamily="34" charset="-122"/>
+                <a:ea typeface="微软雅黑" panose="020B0503020204020204" pitchFamily="34" charset="-122"/>
+              </a:rPr>
+              <a:t>对象方法中的</a:t>
+            </a:r>
+            <a:r>
+              <a:rPr lang="en-US" altLang="zh-CN" dirty="0" smtClean="0">
+                <a:solidFill>
+                  <a:srgbClr val="000000"/>
+                </a:solidFill>
+                <a:latin typeface="微软雅黑" panose="020B0503020204020204" pitchFamily="34" charset="-122"/>
+                <a:ea typeface="微软雅黑" panose="020B0503020204020204" pitchFamily="34" charset="-122"/>
+              </a:rPr>
+              <a:t>this</a:t>
+            </a:r>
+            <a:r>
+              <a:rPr lang="zh-CN" altLang="en-US" dirty="0" smtClean="0">
+                <a:solidFill>
+                  <a:srgbClr val="000000"/>
+                </a:solidFill>
+                <a:latin typeface="微软雅黑" panose="020B0503020204020204" pitchFamily="34" charset="-122"/>
+                <a:ea typeface="微软雅黑" panose="020B0503020204020204" pitchFamily="34" charset="-122"/>
+              </a:rPr>
+              <a:t>指代</a:t>
+            </a:r>
+            <a:r>
+              <a:rPr lang="zh-CN" altLang="en-US" dirty="0" smtClean="0">
+                <a:solidFill>
+                  <a:srgbClr val="FF0000"/>
+                </a:solidFill>
+                <a:latin typeface="微软雅黑" panose="020B0503020204020204" pitchFamily="34" charset="-122"/>
+                <a:ea typeface="微软雅黑" panose="020B0503020204020204" pitchFamily="34" charset="-122"/>
+              </a:rPr>
+              <a:t>调用此方法的对象（无嵌套的情况下）</a:t>
+            </a:r>
+            <a:br>
+              <a:rPr lang="zh-CN" altLang="en-US" dirty="0" smtClean="0">
+                <a:solidFill>
+                  <a:srgbClr val="FF0000"/>
+                </a:solidFill>
+                <a:latin typeface="微软雅黑" panose="020B0503020204020204" pitchFamily="34" charset="-122"/>
+                <a:ea typeface="微软雅黑" panose="020B0503020204020204" pitchFamily="34" charset="-122"/>
+              </a:rPr>
+            </a:br>
+            <a:endParaRPr kumimoji="0" lang="zh-CN" altLang="en-US" dirty="0" smtClean="0">
+              <a:solidFill>
+                <a:srgbClr val="FF0000"/>
+              </a:solidFill>
+              <a:latin typeface="微软雅黑" panose="020B0503020204020204" pitchFamily="34" charset="-122"/>
+              <a:ea typeface="微软雅黑" panose="020B0503020204020204" pitchFamily="34" charset="-122"/>
+              <a:sym typeface="+mn-ea"/>
             </a:endParaRPr>
           </a:p>
         </p:txBody>
@@ -14472,8 +14832,8 @@
         </p:nvSpPr>
         <p:spPr>
           <a:xfrm>
-            <a:off x="947204" y="308698"/>
-            <a:ext cx="8191557" cy="490476"/>
+            <a:off x="947420" y="308610"/>
+            <a:ext cx="9257665" cy="490220"/>
           </a:xfrm>
         </p:spPr>
         <p:txBody>
@@ -14486,7 +14846,7 @@
                   <a:srgbClr val="C00000"/>
                 </a:solidFill>
               </a:rPr>
-              <a:t>三、构造函数中的</a:t>
+              <a:t>二、对象方法中的</a:t>
             </a:r>
             <a:r>
               <a:rPr kumimoji="0" lang="en-US" altLang="zh-CN" b="0" dirty="0">
@@ -14496,35 +14856,36 @@
               </a:rPr>
               <a:t>this</a:t>
             </a:r>
-            <a:endParaRPr kumimoji="0" lang="zh-CN" altLang="en-US" b="0" dirty="0">
-              <a:solidFill>
-                <a:srgbClr val="C00000"/>
-              </a:solidFill>
-            </a:endParaRPr>
-          </a:p>
-          <a:p>
+            <a:r>
+              <a:rPr kumimoji="0" lang="zh-CN" altLang="en-US" b="0" dirty="0">
+                <a:solidFill>
+                  <a:srgbClr val="C00000"/>
+                </a:solidFill>
+              </a:rPr>
+              <a:t>（无函数嵌套的情况下）</a:t>
+            </a:r>
             <a:endParaRPr lang="zh-CN" altLang="en-US" dirty="0"/>
           </a:p>
         </p:txBody>
       </p:sp>
       <p:pic>
         <p:nvPicPr>
-          <p:cNvPr id="2" name="图片 1" descr="02OLZ9HCUUST$M3[5$(C_%V"/>
+          <p:cNvPr id="4" name="图片 3" descr="HDYBU@BNI3@YE%9CG%C$8CQ"/>
           <p:cNvPicPr>
             <a:picLocks noChangeAspect="1"/>
           </p:cNvPicPr>
           <p:nvPr/>
         </p:nvPicPr>
         <p:blipFill>
-          <a:blip r:embed="rId2"/>
+          <a:blip r:embed="rId1"/>
           <a:stretch>
             <a:fillRect/>
           </a:stretch>
         </p:blipFill>
         <p:spPr>
           <a:xfrm>
-            <a:off x="1154430" y="3093720"/>
-            <a:ext cx="4782820" cy="2839720"/>
+            <a:off x="1099820" y="2159000"/>
+            <a:ext cx="8590915" cy="3775075"/>
           </a:xfrm>
           <a:prstGeom prst="rect">
             <a:avLst/>
@@ -14533,7 +14894,7 @@
       </p:pic>
       <p:sp>
         <p:nvSpPr>
-          <p:cNvPr id="4" name="文本框 3"/>
+          <p:cNvPr id="2" name="文本框 1"/>
           <p:cNvSpPr txBox="1"/>
           <p:nvPr/>
         </p:nvSpPr>
@@ -14572,7 +14933,7 @@
                 <a:latin typeface="+mn-ea"/>
                 <a:ea typeface="+mn-ea"/>
               </a:rPr>
-              <a:t>demo04 </a:t>
+              <a:t>demo03 </a:t>
             </a:r>
             <a:r>
               <a:rPr lang="zh-CN" altLang="en-US" sz="2200">
@@ -14582,7 +14943,7 @@
                 <a:latin typeface="+mn-ea"/>
                 <a:ea typeface="+mn-ea"/>
               </a:rPr>
-              <a:t>构造函数中的</a:t>
+              <a:t>对象方法中的</a:t>
             </a:r>
             <a:r>
               <a:rPr lang="en-US" altLang="zh-CN" sz="2200">
@@ -14714,6 +15075,940 @@
                                   </p:childTnLst>
                                 </p:cTn>
                               </p:par>
+                              <p:par>
+                                <p:cTn id="9" presetID="2" presetClass="entr" presetSubtype="4" fill="hold" nodeType="withEffect">
+                                  <p:stCondLst>
+                                    <p:cond delay="0"/>
+                                  </p:stCondLst>
+                                  <p:childTnLst>
+                                    <p:set>
+                                      <p:cBhvr>
+                                        <p:cTn id="10" dur="1" fill="hold">
+                                          <p:stCondLst>
+                                            <p:cond delay="0"/>
+                                          </p:stCondLst>
+                                        </p:cTn>
+                                        <p:tgtEl>
+                                          <p:spTgt spid="30722">
+                                            <p:txEl>
+                                              <p:pRg st="1" end="1"/>
+                                            </p:txEl>
+                                          </p:spTgt>
+                                        </p:tgtEl>
+                                        <p:attrNameLst>
+                                          <p:attrName>style.visibility</p:attrName>
+                                        </p:attrNameLst>
+                                      </p:cBhvr>
+                                      <p:to>
+                                        <p:strVal val="visible"/>
+                                      </p:to>
+                                    </p:set>
+                                    <p:anim calcmode="lin" valueType="num">
+                                      <p:cBhvr additive="base">
+                                        <p:cTn id="11" dur="500" fill="hold"/>
+                                        <p:tgtEl>
+                                          <p:spTgt spid="30722">
+                                            <p:txEl>
+                                              <p:pRg st="1" end="1"/>
+                                            </p:txEl>
+                                          </p:spTgt>
+                                        </p:tgtEl>
+                                        <p:attrNameLst>
+                                          <p:attrName>ppt_x</p:attrName>
+                                        </p:attrNameLst>
+                                      </p:cBhvr>
+                                      <p:tavLst>
+                                        <p:tav tm="0">
+                                          <p:val>
+                                            <p:strVal val="#ppt_x"/>
+                                          </p:val>
+                                        </p:tav>
+                                        <p:tav tm="100000">
+                                          <p:val>
+                                            <p:strVal val="#ppt_x"/>
+                                          </p:val>
+                                        </p:tav>
+                                      </p:tavLst>
+                                    </p:anim>
+                                    <p:anim calcmode="lin" valueType="num">
+                                      <p:cBhvr additive="base">
+                                        <p:cTn id="12" dur="500" fill="hold"/>
+                                        <p:tgtEl>
+                                          <p:spTgt spid="30722">
+                                            <p:txEl>
+                                              <p:pRg st="1" end="1"/>
+                                            </p:txEl>
+                                          </p:spTgt>
+                                        </p:tgtEl>
+                                        <p:attrNameLst>
+                                          <p:attrName>ppt_y</p:attrName>
+                                        </p:attrNameLst>
+                                      </p:cBhvr>
+                                      <p:tavLst>
+                                        <p:tav tm="0">
+                                          <p:val>
+                                            <p:strVal val="1+#ppt_h/2"/>
+                                          </p:val>
+                                        </p:tav>
+                                        <p:tav tm="100000">
+                                          <p:val>
+                                            <p:strVal val="#ppt_y"/>
+                                          </p:val>
+                                        </p:tav>
+                                      </p:tavLst>
+                                    </p:anim>
+                                  </p:childTnLst>
+                                </p:cTn>
+                              </p:par>
+                            </p:childTnLst>
+                          </p:cTn>
+                        </p:par>
+                      </p:childTnLst>
+                    </p:cTn>
+                  </p:par>
+                  <p:par>
+                    <p:cTn id="13" fill="hold">
+                      <p:stCondLst>
+                        <p:cond delay="indefinite"/>
+                      </p:stCondLst>
+                      <p:childTnLst>
+                        <p:par>
+                          <p:cTn id="14" fill="hold">
+                            <p:stCondLst>
+                              <p:cond delay="0"/>
+                            </p:stCondLst>
+                            <p:childTnLst>
+                              <p:par>
+                                <p:cTn id="15" presetID="2" presetClass="entr" presetSubtype="4" fill="hold" nodeType="clickEffect">
+                                  <p:stCondLst>
+                                    <p:cond delay="0"/>
+                                  </p:stCondLst>
+                                  <p:childTnLst>
+                                    <p:set>
+                                      <p:cBhvr>
+                                        <p:cTn id="16" dur="1" fill="hold">
+                                          <p:stCondLst>
+                                            <p:cond delay="0"/>
+                                          </p:stCondLst>
+                                        </p:cTn>
+                                        <p:tgtEl>
+                                          <p:spTgt spid="4"/>
+                                        </p:tgtEl>
+                                        <p:attrNameLst>
+                                          <p:attrName>style.visibility</p:attrName>
+                                        </p:attrNameLst>
+                                      </p:cBhvr>
+                                      <p:to>
+                                        <p:strVal val="visible"/>
+                                      </p:to>
+                                    </p:set>
+                                    <p:anim calcmode="lin" valueType="num">
+                                      <p:cBhvr additive="base">
+                                        <p:cTn id="17" dur="500" fill="hold"/>
+                                        <p:tgtEl>
+                                          <p:spTgt spid="4"/>
+                                        </p:tgtEl>
+                                        <p:attrNameLst>
+                                          <p:attrName>ppt_x</p:attrName>
+                                        </p:attrNameLst>
+                                      </p:cBhvr>
+                                      <p:tavLst>
+                                        <p:tav tm="0">
+                                          <p:val>
+                                            <p:strVal val="#ppt_x"/>
+                                          </p:val>
+                                        </p:tav>
+                                        <p:tav tm="100000">
+                                          <p:val>
+                                            <p:strVal val="#ppt_x"/>
+                                          </p:val>
+                                        </p:tav>
+                                      </p:tavLst>
+                                    </p:anim>
+                                    <p:anim calcmode="lin" valueType="num">
+                                      <p:cBhvr additive="base">
+                                        <p:cTn id="18" dur="500" fill="hold"/>
+                                        <p:tgtEl>
+                                          <p:spTgt spid="4"/>
+                                        </p:tgtEl>
+                                        <p:attrNameLst>
+                                          <p:attrName>ppt_y</p:attrName>
+                                        </p:attrNameLst>
+                                      </p:cBhvr>
+                                      <p:tavLst>
+                                        <p:tav tm="0">
+                                          <p:val>
+                                            <p:strVal val="1+#ppt_h/2"/>
+                                          </p:val>
+                                        </p:tav>
+                                        <p:tav tm="100000">
+                                          <p:val>
+                                            <p:strVal val="#ppt_y"/>
+                                          </p:val>
+                                        </p:tav>
+                                      </p:tavLst>
+                                    </p:anim>
+                                  </p:childTnLst>
+                                </p:cTn>
+                              </p:par>
+                            </p:childTnLst>
+                          </p:cTn>
+                        </p:par>
+                        <p:par>
+                          <p:cTn id="19" fill="hold">
+                            <p:stCondLst>
+                              <p:cond delay="500"/>
+                            </p:stCondLst>
+                            <p:childTnLst>
+                              <p:par>
+                                <p:cTn id="20" presetID="2" presetClass="entr" presetSubtype="4" fill="hold" grpId="0" nodeType="afterEffect">
+                                  <p:stCondLst>
+                                    <p:cond delay="0"/>
+                                  </p:stCondLst>
+                                  <p:childTnLst>
+                                    <p:set>
+                                      <p:cBhvr>
+                                        <p:cTn id="21" dur="1" fill="hold">
+                                          <p:stCondLst>
+                                            <p:cond delay="0"/>
+                                          </p:stCondLst>
+                                        </p:cTn>
+                                        <p:tgtEl>
+                                          <p:spTgt spid="2"/>
+                                        </p:tgtEl>
+                                        <p:attrNameLst>
+                                          <p:attrName>style.visibility</p:attrName>
+                                        </p:attrNameLst>
+                                      </p:cBhvr>
+                                      <p:to>
+                                        <p:strVal val="visible"/>
+                                      </p:to>
+                                    </p:set>
+                                    <p:anim calcmode="lin" valueType="num">
+                                      <p:cBhvr additive="base">
+                                        <p:cTn id="22" dur="500" fill="hold"/>
+                                        <p:tgtEl>
+                                          <p:spTgt spid="2"/>
+                                        </p:tgtEl>
+                                        <p:attrNameLst>
+                                          <p:attrName>ppt_x</p:attrName>
+                                        </p:attrNameLst>
+                                      </p:cBhvr>
+                                      <p:tavLst>
+                                        <p:tav tm="0">
+                                          <p:val>
+                                            <p:strVal val="#ppt_x"/>
+                                          </p:val>
+                                        </p:tav>
+                                        <p:tav tm="100000">
+                                          <p:val>
+                                            <p:strVal val="#ppt_x"/>
+                                          </p:val>
+                                        </p:tav>
+                                      </p:tavLst>
+                                    </p:anim>
+                                    <p:anim calcmode="lin" valueType="num">
+                                      <p:cBhvr additive="base">
+                                        <p:cTn id="23" dur="500" fill="hold"/>
+                                        <p:tgtEl>
+                                          <p:spTgt spid="2"/>
+                                        </p:tgtEl>
+                                        <p:attrNameLst>
+                                          <p:attrName>ppt_y</p:attrName>
+                                        </p:attrNameLst>
+                                      </p:cBhvr>
+                                      <p:tavLst>
+                                        <p:tav tm="0">
+                                          <p:val>
+                                            <p:strVal val="1+#ppt_h/2"/>
+                                          </p:val>
+                                        </p:tav>
+                                        <p:tav tm="100000">
+                                          <p:val>
+                                            <p:strVal val="#ppt_y"/>
+                                          </p:val>
+                                        </p:tav>
+                                      </p:tavLst>
+                                    </p:anim>
+                                  </p:childTnLst>
+                                </p:cTn>
+                              </p:par>
+                            </p:childTnLst>
+                          </p:cTn>
+                        </p:par>
+                      </p:childTnLst>
+                    </p:cTn>
+                  </p:par>
+                </p:childTnLst>
+              </p:cTn>
+              <p:prevCondLst>
+                <p:cond evt="onPrev" delay="0">
+                  <p:tgtEl>
+                    <p:sldTgt/>
+                  </p:tgtEl>
+                </p:cond>
+              </p:prevCondLst>
+              <p:nextCondLst>
+                <p:cond evt="onNext" delay="0">
+                  <p:tgtEl>
+                    <p:sldTgt/>
+                  </p:tgtEl>
+                </p:cond>
+              </p:nextCondLst>
+            </p:seq>
+          </p:childTnLst>
+        </p:cTn>
+      </p:par>
+    </p:tnLst>
+    <p:bldLst>
+      <p:bldP spid="2" grpId="0"/>
+    </p:bldLst>
+  </p:timing>
+</p:sld>
+</file>
+
+<file path=ppt/slides/slide9.xml><?xml version="1.0" encoding="utf-8"?>
+<p:sld xmlns:a="http://schemas.openxmlformats.org/drawingml/2006/main" xmlns:r="http://schemas.openxmlformats.org/officeDocument/2006/relationships" xmlns:p="http://schemas.openxmlformats.org/presentationml/2006/main">
+  <p:cSld>
+    <p:spTree>
+      <p:nvGrpSpPr>
+        <p:cNvPr id="1" name=""/>
+        <p:cNvGrpSpPr/>
+        <p:nvPr/>
+      </p:nvGrpSpPr>
+      <p:grpSpPr>
+        <a:xfrm>
+          <a:off x="0" y="0"/>
+          <a:ext cx="0" cy="0"/>
+          <a:chOff x="0" y="0"/>
+          <a:chExt cx="0" cy="0"/>
+        </a:xfrm>
+      </p:grpSpPr>
+      <p:sp>
+        <p:nvSpPr>
+          <p:cNvPr id="30722" name="内容占位符 1"/>
+          <p:cNvSpPr>
+            <a:spLocks noGrp="1"/>
+          </p:cNvSpPr>
+          <p:nvPr>
+            <p:ph sz="quarter" idx="10"/>
+          </p:nvPr>
+        </p:nvSpPr>
+        <p:spPr bwMode="auto">
+          <a:xfrm>
+            <a:off x="947420" y="923290"/>
+            <a:ext cx="9940290" cy="5010785"/>
+          </a:xfrm>
+          <a:noFill/>
+          <a:extLst>
+            <a:ext uri="{909E8E84-426E-40DD-AFC4-6F175D3DCCD1}">
+              <a14:hiddenFill xmlns:a14="http://schemas.microsoft.com/office/drawing/2010/main">
+                <a:solidFill>
+                  <a:srgbClr val="FFFFFF"/>
+                </a:solidFill>
+              </a14:hiddenFill>
+            </a:ext>
+            <a:ext uri="{91240B29-F687-4F45-9708-019B960494DF}">
+              <a14:hiddenLine xmlns:a14="http://schemas.microsoft.com/office/drawing/2010/main" w="9525">
+                <a:solidFill>
+                  <a:srgbClr val="000000"/>
+                </a:solidFill>
+                <a:miter lim="800000"/>
+                <a:headEnd/>
+                <a:tailEnd/>
+              </a14:hiddenLine>
+            </a:ext>
+          </a:extLst>
+        </p:spPr>
+        <p:txBody>
+          <a:bodyPr vert="horz" wrap="square" lIns="91440" tIns="45720" rIns="91440" bIns="45720" numCol="1" anchor="t" anchorCtr="0" compatLnSpc="1"/>
+          <a:lstStyle/>
+          <a:p>
+            <a:pPr>
+              <a:lnSpc>
+                <a:spcPts val="3800"/>
+              </a:lnSpc>
+              <a:spcBef>
+                <a:spcPts val="600"/>
+              </a:spcBef>
+              <a:spcAft>
+                <a:spcPts val="600"/>
+              </a:spcAft>
+              <a:buFont typeface="Arial" panose="020B0604020202020204" pitchFamily="34" charset="0"/>
+              <a:buChar char="•"/>
+            </a:pPr>
+            <a:r>
+              <a:rPr lang="zh-CN" altLang="en-US" dirty="0" smtClean="0">
+                <a:solidFill>
+                  <a:srgbClr val="000000"/>
+                </a:solidFill>
+                <a:latin typeface="微软雅黑" panose="020B0503020204020204" pitchFamily="34" charset="-122"/>
+                <a:ea typeface="微软雅黑" panose="020B0503020204020204" pitchFamily="34" charset="-122"/>
+              </a:rPr>
+              <a:t>构造函数中的</a:t>
+            </a:r>
+            <a:r>
+              <a:rPr lang="en-US" altLang="zh-CN" dirty="0" smtClean="0">
+                <a:solidFill>
+                  <a:srgbClr val="000000"/>
+                </a:solidFill>
+                <a:latin typeface="微软雅黑" panose="020B0503020204020204" pitchFamily="34" charset="-122"/>
+                <a:ea typeface="微软雅黑" panose="020B0503020204020204" pitchFamily="34" charset="-122"/>
+              </a:rPr>
+              <a:t>this</a:t>
+            </a:r>
+            <a:r>
+              <a:rPr lang="zh-CN" altLang="en-US" dirty="0" smtClean="0">
+                <a:solidFill>
+                  <a:srgbClr val="000000"/>
+                </a:solidFill>
+                <a:latin typeface="微软雅黑" panose="020B0503020204020204" pitchFamily="34" charset="-122"/>
+                <a:ea typeface="微软雅黑" panose="020B0503020204020204" pitchFamily="34" charset="-122"/>
+              </a:rPr>
+              <a:t>指代</a:t>
+            </a:r>
+            <a:r>
+              <a:rPr lang="zh-CN" altLang="en-US" dirty="0" smtClean="0">
+                <a:solidFill>
+                  <a:srgbClr val="FF0000"/>
+                </a:solidFill>
+                <a:latin typeface="微软雅黑" panose="020B0503020204020204" pitchFamily="34" charset="-122"/>
+                <a:ea typeface="微软雅黑" panose="020B0503020204020204" pitchFamily="34" charset="-122"/>
+              </a:rPr>
+              <a:t>通过</a:t>
+            </a:r>
+            <a:r>
+              <a:rPr lang="en-US" altLang="zh-CN" dirty="0" smtClean="0">
+                <a:solidFill>
+                  <a:srgbClr val="FF0000"/>
+                </a:solidFill>
+                <a:latin typeface="微软雅黑" panose="020B0503020204020204" pitchFamily="34" charset="-122"/>
+                <a:ea typeface="微软雅黑" panose="020B0503020204020204" pitchFamily="34" charset="-122"/>
+              </a:rPr>
+              <a:t>new</a:t>
+            </a:r>
+            <a:r>
+              <a:rPr lang="zh-CN" altLang="en-US" dirty="0" smtClean="0">
+                <a:solidFill>
+                  <a:srgbClr val="FF0000"/>
+                </a:solidFill>
+                <a:latin typeface="微软雅黑" panose="020B0503020204020204" pitchFamily="34" charset="-122"/>
+                <a:ea typeface="微软雅黑" panose="020B0503020204020204" pitchFamily="34" charset="-122"/>
+              </a:rPr>
+              <a:t>新创建的对象</a:t>
+            </a:r>
+            <a:br>
+              <a:rPr lang="zh-CN" altLang="en-US" dirty="0" smtClean="0">
+                <a:solidFill>
+                  <a:srgbClr val="000000"/>
+                </a:solidFill>
+                <a:latin typeface="微软雅黑" panose="020B0503020204020204" pitchFamily="34" charset="-122"/>
+                <a:ea typeface="微软雅黑" panose="020B0503020204020204" pitchFamily="34" charset="-122"/>
+              </a:rPr>
+            </a:br>
+            <a:r>
+              <a:rPr kumimoji="0" lang="en-US" altLang="zh-CN" sz="1800" dirty="0" smtClean="0">
+                <a:solidFill>
+                  <a:schemeClr val="tx1"/>
+                </a:solidFill>
+                <a:latin typeface="微软雅黑" panose="020B0503020204020204" pitchFamily="34" charset="-122"/>
+                <a:ea typeface="微软雅黑" panose="020B0503020204020204" pitchFamily="34" charset="-122"/>
+              </a:rPr>
+              <a:t>- JS</a:t>
+            </a:r>
+            <a:r>
+              <a:rPr kumimoji="0" lang="zh-CN" altLang="en-US" sz="1800" dirty="0" smtClean="0">
+                <a:solidFill>
+                  <a:schemeClr val="tx1"/>
+                </a:solidFill>
+                <a:latin typeface="微软雅黑" panose="020B0503020204020204" pitchFamily="34" charset="-122"/>
+                <a:ea typeface="微软雅黑" panose="020B0503020204020204" pitchFamily="34" charset="-122"/>
+              </a:rPr>
+              <a:t>（</a:t>
+            </a:r>
+            <a:r>
+              <a:rPr kumimoji="0" lang="en-US" altLang="zh-CN" sz="1800" dirty="0" smtClean="0">
+                <a:solidFill>
+                  <a:schemeClr val="tx1"/>
+                </a:solidFill>
+                <a:latin typeface="微软雅黑" panose="020B0503020204020204" pitchFamily="34" charset="-122"/>
+                <a:ea typeface="微软雅黑" panose="020B0503020204020204" pitchFamily="34" charset="-122"/>
+              </a:rPr>
+              <a:t>ES5</a:t>
+            </a:r>
+            <a:r>
+              <a:rPr kumimoji="0" lang="zh-CN" altLang="en-US" sz="1800" dirty="0" smtClean="0">
+                <a:solidFill>
+                  <a:schemeClr val="tx1"/>
+                </a:solidFill>
+                <a:latin typeface="微软雅黑" panose="020B0503020204020204" pitchFamily="34" charset="-122"/>
+                <a:ea typeface="微软雅黑" panose="020B0503020204020204" pitchFamily="34" charset="-122"/>
+              </a:rPr>
+              <a:t>）</a:t>
+            </a:r>
+            <a:r>
+              <a:rPr kumimoji="0" lang="en-US" altLang="zh-CN" sz="1800" dirty="0" smtClean="0">
+                <a:solidFill>
+                  <a:schemeClr val="tx1"/>
+                </a:solidFill>
+                <a:latin typeface="微软雅黑" panose="020B0503020204020204" pitchFamily="34" charset="-122"/>
+                <a:ea typeface="微软雅黑" panose="020B0503020204020204" pitchFamily="34" charset="-122"/>
+              </a:rPr>
+              <a:t> 并没有类（class）的概念，</a:t>
+            </a:r>
+            <a:r>
+              <a:rPr kumimoji="0" lang="en-US" altLang="zh-CN" sz="1800" dirty="0" smtClean="0">
+                <a:solidFill>
+                  <a:schemeClr val="tx1"/>
+                </a:solidFill>
+                <a:sym typeface="+mn-ea"/>
+              </a:rPr>
+              <a:t>而是使用基于原型（prototype）的继承方式</a:t>
+            </a:r>
+            <a:br>
+              <a:rPr kumimoji="0" lang="en-US" altLang="zh-CN" sz="1800" dirty="0" smtClean="0">
+                <a:solidFill>
+                  <a:schemeClr val="tx1"/>
+                </a:solidFill>
+                <a:latin typeface="微软雅黑" panose="020B0503020204020204" pitchFamily="34" charset="-122"/>
+                <a:ea typeface="微软雅黑" panose="020B0503020204020204" pitchFamily="34" charset="-122"/>
+              </a:rPr>
+            </a:br>
+            <a:r>
+              <a:rPr kumimoji="0" lang="en-US" altLang="zh-CN" sz="1800" dirty="0" smtClean="0">
+                <a:solidFill>
+                  <a:schemeClr val="tx1"/>
+                </a:solidFill>
+                <a:latin typeface="微软雅黑" panose="020B0503020204020204" pitchFamily="34" charset="-122"/>
+                <a:ea typeface="微软雅黑" panose="020B0503020204020204" pitchFamily="34" charset="-122"/>
+              </a:rPr>
+              <a:t>- JS中的构造函数</a:t>
+            </a:r>
+            <a:r>
+              <a:rPr kumimoji="0" lang="zh-CN" altLang="en-US" sz="1800" dirty="0" smtClean="0">
+                <a:solidFill>
+                  <a:schemeClr val="tx1"/>
+                </a:solidFill>
+                <a:latin typeface="微软雅黑" panose="020B0503020204020204" pitchFamily="34" charset="-122"/>
+                <a:ea typeface="微软雅黑" panose="020B0503020204020204" pitchFamily="34" charset="-122"/>
+              </a:rPr>
+              <a:t>充当了类的角色</a:t>
+            </a:r>
+            <a:r>
+              <a:rPr kumimoji="0" lang="en-US" altLang="zh-CN" sz="1800" dirty="0" smtClean="0">
+                <a:solidFill>
+                  <a:schemeClr val="tx1"/>
+                </a:solidFill>
+                <a:latin typeface="微软雅黑" panose="020B0503020204020204" pitchFamily="34" charset="-122"/>
+                <a:ea typeface="微软雅黑" panose="020B0503020204020204" pitchFamily="34" charset="-122"/>
+              </a:rPr>
+              <a:t>，如果不使用 new 调用，则和普通函数一样。</a:t>
+            </a:r>
+            <a:br>
+              <a:rPr kumimoji="0" lang="en-US" altLang="zh-CN" sz="1800" dirty="0" smtClean="0">
+                <a:solidFill>
+                  <a:schemeClr val="tx1"/>
+                </a:solidFill>
+                <a:latin typeface="微软雅黑" panose="020B0503020204020204" pitchFamily="34" charset="-122"/>
+                <a:ea typeface="微软雅黑" panose="020B0503020204020204" pitchFamily="34" charset="-122"/>
+              </a:rPr>
+            </a:br>
+            <a:r>
+              <a:rPr kumimoji="0" lang="en-US" altLang="zh-CN" sz="1800" dirty="0" smtClean="0">
+                <a:solidFill>
+                  <a:schemeClr val="tx1"/>
+                </a:solidFill>
+                <a:latin typeface="微软雅黑" panose="020B0503020204020204" pitchFamily="34" charset="-122"/>
+                <a:ea typeface="微软雅黑" panose="020B0503020204020204" pitchFamily="34" charset="-122"/>
+              </a:rPr>
+              <a:t>- 如果</a:t>
+            </a:r>
+            <a:r>
+              <a:rPr kumimoji="0" lang="zh-CN" altLang="en-US" sz="1800" dirty="0" smtClean="0">
+                <a:solidFill>
+                  <a:schemeClr val="tx1"/>
+                </a:solidFill>
+                <a:latin typeface="微软雅黑" panose="020B0503020204020204" pitchFamily="34" charset="-122"/>
+                <a:ea typeface="微软雅黑" panose="020B0503020204020204" pitchFamily="34" charset="-122"/>
+              </a:rPr>
+              <a:t>作为构造函数正确调用时</a:t>
+            </a:r>
+            <a:r>
+              <a:rPr kumimoji="0" lang="en-US" altLang="zh-CN" sz="1800" dirty="0" smtClean="0">
+                <a:solidFill>
+                  <a:schemeClr val="tx1"/>
+                </a:solidFill>
+                <a:latin typeface="微软雅黑" panose="020B0503020204020204" pitchFamily="34" charset="-122"/>
+                <a:ea typeface="微软雅黑" panose="020B0503020204020204" pitchFamily="34" charset="-122"/>
+              </a:rPr>
+              <a:t>，</a:t>
+            </a:r>
+            <a:r>
+              <a:rPr kumimoji="0" lang="zh-CN" altLang="en-US" sz="1800" dirty="0" smtClean="0">
+                <a:solidFill>
+                  <a:schemeClr val="tx1"/>
+                </a:solidFill>
+                <a:latin typeface="微软雅黑" panose="020B0503020204020204" pitchFamily="34" charset="-122"/>
+                <a:ea typeface="微软雅黑" panose="020B0503020204020204" pitchFamily="34" charset="-122"/>
+              </a:rPr>
+              <a:t>构造函数中的</a:t>
+            </a:r>
+            <a:r>
+              <a:rPr kumimoji="0" lang="en-US" altLang="zh-CN" sz="1800" dirty="0" smtClean="0">
+                <a:solidFill>
+                  <a:schemeClr val="tx1"/>
+                </a:solidFill>
+                <a:latin typeface="微软雅黑" panose="020B0503020204020204" pitchFamily="34" charset="-122"/>
+                <a:ea typeface="微软雅黑" panose="020B0503020204020204" pitchFamily="34" charset="-122"/>
+              </a:rPr>
+              <a:t>this 绑定到新创建的对象上</a:t>
+            </a:r>
+            <a:endParaRPr kumimoji="0" lang="zh-CN" altLang="en-US" sz="1800" dirty="0" smtClean="0">
+              <a:solidFill>
+                <a:schemeClr val="tx1"/>
+              </a:solidFill>
+              <a:latin typeface="微软雅黑" panose="020B0503020204020204" pitchFamily="34" charset="-122"/>
+              <a:ea typeface="微软雅黑" panose="020B0503020204020204" pitchFamily="34" charset="-122"/>
+            </a:endParaRPr>
+          </a:p>
+        </p:txBody>
+      </p:sp>
+      <p:sp>
+        <p:nvSpPr>
+          <p:cNvPr id="3" name="内容占位符 2"/>
+          <p:cNvSpPr>
+            <a:spLocks noGrp="1"/>
+          </p:cNvSpPr>
+          <p:nvPr>
+            <p:ph sz="quarter" idx="11"/>
+          </p:nvPr>
+        </p:nvSpPr>
+        <p:spPr>
+          <a:xfrm>
+            <a:off x="947204" y="308698"/>
+            <a:ext cx="8191557" cy="490476"/>
+          </a:xfrm>
+        </p:spPr>
+        <p:txBody>
+          <a:bodyPr/>
+          <a:lstStyle/>
+          <a:p>
+            <a:r>
+              <a:rPr kumimoji="0" lang="zh-CN" b="0" dirty="0">
+                <a:solidFill>
+                  <a:srgbClr val="C00000"/>
+                </a:solidFill>
+              </a:rPr>
+              <a:t>三、构造函数中的</a:t>
+            </a:r>
+            <a:r>
+              <a:rPr kumimoji="0" lang="en-US" altLang="zh-CN" b="0" dirty="0">
+                <a:solidFill>
+                  <a:srgbClr val="C00000"/>
+                </a:solidFill>
+              </a:rPr>
+              <a:t>this</a:t>
+            </a:r>
+            <a:endParaRPr kumimoji="0" lang="zh-CN" altLang="en-US" b="0" dirty="0">
+              <a:solidFill>
+                <a:srgbClr val="C00000"/>
+              </a:solidFill>
+            </a:endParaRPr>
+          </a:p>
+          <a:p>
+            <a:endParaRPr lang="zh-CN" altLang="en-US" dirty="0"/>
+          </a:p>
+        </p:txBody>
+      </p:sp>
+      <p:pic>
+        <p:nvPicPr>
+          <p:cNvPr id="2" name="图片 1" descr="02OLZ9HCUUST$M3[5$(C_%V"/>
+          <p:cNvPicPr>
+            <a:picLocks noChangeAspect="1"/>
+          </p:cNvPicPr>
+          <p:nvPr/>
+        </p:nvPicPr>
+        <p:blipFill>
+          <a:blip r:embed="rId1"/>
+          <a:stretch>
+            <a:fillRect/>
+          </a:stretch>
+        </p:blipFill>
+        <p:spPr>
+          <a:xfrm>
+            <a:off x="1154430" y="3093720"/>
+            <a:ext cx="4782820" cy="2839720"/>
+          </a:xfrm>
+          <a:prstGeom prst="rect">
+            <a:avLst/>
+          </a:prstGeom>
+        </p:spPr>
+      </p:pic>
+      <p:sp>
+        <p:nvSpPr>
+          <p:cNvPr id="4" name="文本框 3"/>
+          <p:cNvSpPr txBox="1"/>
+          <p:nvPr/>
+        </p:nvSpPr>
+        <p:spPr>
+          <a:xfrm>
+            <a:off x="5153025" y="6036945"/>
+            <a:ext cx="4793615" cy="429895"/>
+          </a:xfrm>
+          <a:prstGeom prst="rect">
+            <a:avLst/>
+          </a:prstGeom>
+          <a:noFill/>
+        </p:spPr>
+        <p:txBody>
+          <a:bodyPr wrap="square" rtlCol="0">
+            <a:spAutoFit/>
+          </a:bodyPr>
+          <a:lstStyle/>
+          <a:p>
+            <a:pPr algn="l"/>
+            <a:r>
+              <a:rPr lang="zh-CN" altLang="en-US" sz="2200">
+                <a:solidFill>
+                  <a:srgbClr val="FF0000"/>
+                </a:solidFill>
+                <a:latin typeface="+mn-ea"/>
+                <a:ea typeface="+mn-ea"/>
+              </a:rPr>
+              <a:t>参见实例</a:t>
+            </a:r>
+            <a:r>
+              <a:rPr lang="en-US" altLang="zh-CN" sz="2200">
+                <a:solidFill>
+                  <a:srgbClr val="FF0000"/>
+                </a:solidFill>
+                <a:latin typeface="+mn-ea"/>
+                <a:ea typeface="+mn-ea"/>
+              </a:rPr>
+              <a:t>demo04 </a:t>
+            </a:r>
+            <a:r>
+              <a:rPr lang="zh-CN" altLang="en-US" sz="2200">
+                <a:solidFill>
+                  <a:srgbClr val="FF0000"/>
+                </a:solidFill>
+                <a:latin typeface="+mn-ea"/>
+                <a:ea typeface="+mn-ea"/>
+              </a:rPr>
+              <a:t>构造函数中的</a:t>
+            </a:r>
+            <a:r>
+              <a:rPr lang="en-US" altLang="zh-CN" sz="2200">
+                <a:solidFill>
+                  <a:srgbClr val="FF0000"/>
+                </a:solidFill>
+                <a:latin typeface="+mn-ea"/>
+                <a:ea typeface="+mn-ea"/>
+              </a:rPr>
+              <a:t>this</a:t>
+            </a:r>
+            <a:endParaRPr lang="zh-CN" altLang="en-US" sz="2200">
+              <a:solidFill>
+                <a:srgbClr val="FF0000"/>
+              </a:solidFill>
+              <a:latin typeface="+mn-ea"/>
+              <a:ea typeface="+mn-ea"/>
+            </a:endParaRPr>
+          </a:p>
+        </p:txBody>
+      </p:sp>
+      <p:sp>
+        <p:nvSpPr>
+          <p:cNvPr id="5" name="文本框 4"/>
+          <p:cNvSpPr txBox="1"/>
+          <p:nvPr/>
+        </p:nvSpPr>
+        <p:spPr>
+          <a:xfrm>
+            <a:off x="5854065" y="3365500"/>
+            <a:ext cx="4793615" cy="1106805"/>
+          </a:xfrm>
+          <a:prstGeom prst="rect">
+            <a:avLst/>
+          </a:prstGeom>
+          <a:noFill/>
+        </p:spPr>
+        <p:txBody>
+          <a:bodyPr wrap="square" rtlCol="0">
+            <a:spAutoFit/>
+          </a:bodyPr>
+          <a:p>
+            <a:pPr algn="l"/>
+            <a:r>
+              <a:rPr lang="zh-CN" sz="2200">
+                <a:solidFill>
+                  <a:srgbClr val="FF0000"/>
+                </a:solidFill>
+                <a:latin typeface="+mn-ea"/>
+                <a:ea typeface="+mn-ea"/>
+              </a:rPr>
+              <a:t>思考：若直接调用</a:t>
+            </a:r>
+            <a:r>
+              <a:rPr lang="en-US" altLang="zh-CN" sz="2200">
+                <a:solidFill>
+                  <a:srgbClr val="FF0000"/>
+                </a:solidFill>
+                <a:latin typeface="+mn-ea"/>
+                <a:ea typeface="+mn-ea"/>
+              </a:rPr>
+              <a:t>Point</a:t>
+            </a:r>
+            <a:r>
+              <a:rPr lang="zh-CN" altLang="en-US" sz="2200">
+                <a:solidFill>
+                  <a:srgbClr val="FF0000"/>
+                </a:solidFill>
+                <a:latin typeface="+mn-ea"/>
+                <a:ea typeface="+mn-ea"/>
+              </a:rPr>
+              <a:t>函数，会是怎样一种情况，直接调用的话</a:t>
+            </a:r>
+            <a:r>
+              <a:rPr lang="en-US" altLang="zh-CN" sz="2200">
+                <a:solidFill>
+                  <a:srgbClr val="FF0000"/>
+                </a:solidFill>
+                <a:latin typeface="+mn-ea"/>
+                <a:ea typeface="+mn-ea"/>
+              </a:rPr>
+              <a:t>this</a:t>
+            </a:r>
+            <a:r>
+              <a:rPr lang="zh-CN" altLang="en-US" sz="2200">
+                <a:solidFill>
+                  <a:srgbClr val="FF0000"/>
+                </a:solidFill>
+                <a:latin typeface="+mn-ea"/>
+                <a:ea typeface="+mn-ea"/>
+              </a:rPr>
+              <a:t>指的是谁？</a:t>
+            </a:r>
+            <a:endParaRPr lang="zh-CN" altLang="en-US" sz="2200">
+              <a:solidFill>
+                <a:srgbClr val="FF0000"/>
+              </a:solidFill>
+              <a:latin typeface="+mn-ea"/>
+              <a:ea typeface="+mn-ea"/>
+            </a:endParaRPr>
+          </a:p>
+        </p:txBody>
+      </p:sp>
+    </p:spTree>
+  </p:cSld>
+  <p:clrMapOvr>
+    <a:masterClrMapping/>
+  </p:clrMapOvr>
+  <p:timing>
+    <p:tnLst>
+      <p:par>
+        <p:cTn id="1" dur="indefinite" restart="never" nodeType="tmRoot">
+          <p:childTnLst>
+            <p:seq concurrent="1" nextAc="seek">
+              <p:cTn id="2" dur="indefinite" nodeType="mainSeq">
+                <p:childTnLst>
+                  <p:par>
+                    <p:cTn id="3" fill="hold">
+                      <p:stCondLst>
+                        <p:cond delay="indefinite"/>
+                      </p:stCondLst>
+                      <p:childTnLst>
+                        <p:par>
+                          <p:cTn id="4" fill="hold">
+                            <p:stCondLst>
+                              <p:cond delay="0"/>
+                            </p:stCondLst>
+                            <p:childTnLst>
+                              <p:par>
+                                <p:cTn id="5" presetID="2" presetClass="entr" presetSubtype="4" fill="hold" nodeType="clickEffect">
+                                  <p:stCondLst>
+                                    <p:cond delay="0"/>
+                                  </p:stCondLst>
+                                  <p:childTnLst>
+                                    <p:set>
+                                      <p:cBhvr>
+                                        <p:cTn id="6" dur="1" fill="hold">
+                                          <p:stCondLst>
+                                            <p:cond delay="0"/>
+                                          </p:stCondLst>
+                                        </p:cTn>
+                                        <p:tgtEl>
+                                          <p:spTgt spid="30722">
+                                            <p:txEl>
+                                              <p:pRg st="0" end="0"/>
+                                            </p:txEl>
+                                          </p:spTgt>
+                                        </p:tgtEl>
+                                        <p:attrNameLst>
+                                          <p:attrName>style.visibility</p:attrName>
+                                        </p:attrNameLst>
+                                      </p:cBhvr>
+                                      <p:to>
+                                        <p:strVal val="visible"/>
+                                      </p:to>
+                                    </p:set>
+                                    <p:anim calcmode="lin" valueType="num">
+                                      <p:cBhvr additive="base">
+                                        <p:cTn id="7" dur="500" fill="hold"/>
+                                        <p:tgtEl>
+                                          <p:spTgt spid="30722">
+                                            <p:txEl>
+                                              <p:pRg st="0" end="0"/>
+                                            </p:txEl>
+                                          </p:spTgt>
+                                        </p:tgtEl>
+                                        <p:attrNameLst>
+                                          <p:attrName>ppt_x</p:attrName>
+                                        </p:attrNameLst>
+                                      </p:cBhvr>
+                                      <p:tavLst>
+                                        <p:tav tm="0">
+                                          <p:val>
+                                            <p:strVal val="#ppt_x"/>
+                                          </p:val>
+                                        </p:tav>
+                                        <p:tav tm="100000">
+                                          <p:val>
+                                            <p:strVal val="#ppt_x"/>
+                                          </p:val>
+                                        </p:tav>
+                                      </p:tavLst>
+                                    </p:anim>
+                                    <p:anim calcmode="lin" valueType="num">
+                                      <p:cBhvr additive="base">
+                                        <p:cTn id="8" dur="500" fill="hold"/>
+                                        <p:tgtEl>
+                                          <p:spTgt spid="30722">
+                                            <p:txEl>
+                                              <p:pRg st="0" end="0"/>
+                                            </p:txEl>
+                                          </p:spTgt>
+                                        </p:tgtEl>
+                                        <p:attrNameLst>
+                                          <p:attrName>ppt_y</p:attrName>
+                                        </p:attrNameLst>
+                                      </p:cBhvr>
+                                      <p:tavLst>
+                                        <p:tav tm="0">
+                                          <p:val>
+                                            <p:strVal val="1+#ppt_h/2"/>
+                                          </p:val>
+                                        </p:tav>
+                                        <p:tav tm="100000">
+                                          <p:val>
+                                            <p:strVal val="#ppt_y"/>
+                                          </p:val>
+                                        </p:tav>
+                                      </p:tavLst>
+                                    </p:anim>
+                                  </p:childTnLst>
+                                </p:cTn>
+                              </p:par>
                             </p:childTnLst>
                           </p:cTn>
                         </p:par>
@@ -14808,21 +16103,121 @@
                             </p:childTnLst>
                           </p:cTn>
                         </p:par>
+                      </p:childTnLst>
+                    </p:cTn>
+                  </p:par>
+                  <p:par>
+                    <p:cTn id="15" fill="hold">
+                      <p:stCondLst>
+                        <p:cond delay="indefinite"/>
+                      </p:stCondLst>
+                      <p:childTnLst>
                         <p:par>
-                          <p:cTn id="15" fill="hold">
+                          <p:cTn id="16" fill="hold">
                             <p:stCondLst>
-                              <p:cond delay="500"/>
+                              <p:cond delay="0"/>
                             </p:stCondLst>
                             <p:childTnLst>
                               <p:par>
-                                <p:cTn id="16" presetID="2" presetClass="entr" presetSubtype="4" fill="hold" grpId="0" nodeType="afterEffect">
+                                <p:cTn id="17" presetID="2" presetClass="entr" presetSubtype="4" fill="hold" grpId="0" nodeType="clickEffect">
                                   <p:stCondLst>
                                     <p:cond delay="0"/>
                                   </p:stCondLst>
                                   <p:childTnLst>
                                     <p:set>
                                       <p:cBhvr>
-                                        <p:cTn id="17" dur="1" fill="hold">
+                                        <p:cTn id="18" dur="1" fill="hold">
+                                          <p:stCondLst>
+                                            <p:cond delay="0"/>
+                                          </p:stCondLst>
+                                        </p:cTn>
+                                        <p:tgtEl>
+                                          <p:spTgt spid="5"/>
+                                        </p:tgtEl>
+                                        <p:attrNameLst>
+                                          <p:attrName>style.visibility</p:attrName>
+                                        </p:attrNameLst>
+                                      </p:cBhvr>
+                                      <p:to>
+                                        <p:strVal val="visible"/>
+                                      </p:to>
+                                    </p:set>
+                                    <p:anim calcmode="lin" valueType="num">
+                                      <p:cBhvr additive="base">
+                                        <p:cTn id="19" dur="500" fill="hold"/>
+                                        <p:tgtEl>
+                                          <p:spTgt spid="5"/>
+                                        </p:tgtEl>
+                                        <p:attrNameLst>
+                                          <p:attrName>ppt_x</p:attrName>
+                                        </p:attrNameLst>
+                                      </p:cBhvr>
+                                      <p:tavLst>
+                                        <p:tav tm="0">
+                                          <p:val>
+                                            <p:strVal val="#ppt_x"/>
+                                          </p:val>
+                                        </p:tav>
+                                        <p:tav tm="100000">
+                                          <p:val>
+                                            <p:strVal val="#ppt_x"/>
+                                          </p:val>
+                                        </p:tav>
+                                      </p:tavLst>
+                                    </p:anim>
+                                    <p:anim calcmode="lin" valueType="num">
+                                      <p:cBhvr additive="base">
+                                        <p:cTn id="20" dur="500" fill="hold"/>
+                                        <p:tgtEl>
+                                          <p:spTgt spid="5"/>
+                                        </p:tgtEl>
+                                        <p:attrNameLst>
+                                          <p:attrName>ppt_y</p:attrName>
+                                        </p:attrNameLst>
+                                      </p:cBhvr>
+                                      <p:tavLst>
+                                        <p:tav tm="0">
+                                          <p:val>
+                                            <p:strVal val="1+#ppt_h/2"/>
+                                          </p:val>
+                                        </p:tav>
+                                        <p:tav tm="100000">
+                                          <p:val>
+                                            <p:strVal val="#ppt_y"/>
+                                          </p:val>
+                                        </p:tav>
+                                      </p:tavLst>
+                                    </p:anim>
+                                  </p:childTnLst>
+                                </p:cTn>
+                              </p:par>
+                            </p:childTnLst>
+                          </p:cTn>
+                        </p:par>
+                      </p:childTnLst>
+                    </p:cTn>
+                  </p:par>
+                  <p:par>
+                    <p:cTn id="21" fill="hold">
+                      <p:stCondLst>
+                        <p:cond delay="indefinite"/>
+                      </p:stCondLst>
+                      <p:childTnLst>
+                        <p:par>
+                          <p:cTn id="22" fill="hold">
+                            <p:stCondLst>
+                              <p:cond delay="0"/>
+                            </p:stCondLst>
+                            <p:childTnLst>
+                              <p:par>
+                                <p:cTn id="23" presetID="2" presetClass="entr" presetSubtype="4" fill="hold" grpId="0" nodeType="clickEffect">
+                                  <p:stCondLst>
+                                    <p:cond delay="0"/>
+                                  </p:stCondLst>
+                                  <p:childTnLst>
+                                    <p:set>
+                                      <p:cBhvr>
+                                        <p:cTn id="24" dur="1" fill="hold">
                                           <p:stCondLst>
                                             <p:cond delay="0"/>
                                           </p:stCondLst>
@@ -14840,7 +16235,7 @@
                                     </p:set>
                                     <p:anim calcmode="lin" valueType="num">
                                       <p:cBhvr additive="base">
-                                        <p:cTn id="18" dur="500" fill="hold"/>
+                                        <p:cTn id="25" dur="500" fill="hold"/>
                                         <p:tgtEl>
                                           <p:spTgt spid="4"/>
                                         </p:tgtEl>
@@ -14863,7 +16258,7 @@
                                     </p:anim>
                                     <p:anim calcmode="lin" valueType="num">
                                       <p:cBhvr additive="base">
-                                        <p:cTn id="19" dur="500" fill="hold"/>
+                                        <p:cTn id="26" dur="500" fill="hold"/>
                                         <p:tgtEl>
                                           <p:spTgt spid="4"/>
                                         </p:tgtEl>
@@ -14915,6 +16310,7 @@
       </p:par>
     </p:tnLst>
     <p:bldLst>
+      <p:bldP spid="5" grpId="0"/>
       <p:bldP spid="4" grpId="0"/>
     </p:bldLst>
   </p:timing>
@@ -15255,10 +16651,9 @@
       </a:lstStyle>
     </a:lnDef>
   </a:objectDefaults>
-  <a:extraClrSchemeLst/>
   <a:extLst>
     <a:ext uri="{05A4C25C-085E-4340-85A3-A5531E510DB2}">
-      <thm15:themeFamily xmlns:thm15="http://schemas.microsoft.com/office/thememl/2012/main" xmlns="" name="Office Theme" id="{62F939B6-93AF-4DB8-9C6B-D6C7DFDC589F}" vid="{4A3C46E8-61CC-4603-A589-7422A47A8E4A}"/>
+      <thm15:themeFamily xmlns:thm15="http://schemas.microsoft.com/office/thememl/2012/main" name="Office Theme" id="{62F939B6-93AF-4DB8-9C6B-D6C7DFDC589F}" vid="{4A3C46E8-61CC-4603-A589-7422A47A8E4A}"/>
     </a:ext>
   </a:extLst>
 </a:theme>
@@ -15542,11 +16937,9 @@
       </a:bgFillStyleLst>
     </a:fmtScheme>
   </a:themeElements>
-  <a:objectDefaults/>
-  <a:extraClrSchemeLst/>
   <a:extLst>
     <a:ext uri="{05A4C25C-085E-4340-85A3-A5531E510DB2}">
-      <thm15:themeFamily xmlns:thm15="http://schemas.microsoft.com/office/thememl/2012/main" xmlns="" name="Office Theme" id="{62F939B6-93AF-4DB8-9C6B-D6C7DFDC589F}" vid="{4A3C46E8-61CC-4603-A589-7422A47A8E4A}"/>
+      <thm15:themeFamily xmlns:thm15="http://schemas.microsoft.com/office/thememl/2012/main" name="Office Theme" id="{62F939B6-93AF-4DB8-9C6B-D6C7DFDC589F}" vid="{4A3C46E8-61CC-4603-A589-7422A47A8E4A}"/>
     </a:ext>
   </a:extLst>
 </a:theme>
